--- a/Poster/TemplateSystemsFest_IA2020-1 (2).pptx
+++ b/Poster/TemplateSystemsFest_IA2020-1 (2).pptx
@@ -783,7 +783,7 @@
               </a:spcAft>
               <a:buNone/>
             </a:pPr>
-            <a:endParaRPr/>
+            <a:endParaRPr dirty="0"/>
           </a:p>
         </p:txBody>
       </p:sp>
@@ -4142,127 +4142,31 @@
               <a:buNone/>
             </a:pPr>
             <a:r>
-              <a:rPr lang="es-CO" sz="6600" dirty="0" smtClean="0">
+              <a:rPr lang="es-CO" sz="6600" dirty="0">
                 <a:solidFill>
                   <a:schemeClr val="bg1"/>
                 </a:solidFill>
                 <a:latin typeface="Candara" panose="020E0502030303020204" pitchFamily="34" charset="0"/>
               </a:rPr>
-              <a:t>Reconocimiento De </a:t>
-            </a:r>
-            <a:r>
+              <a:t>Reconocimiento De Genero Por Medio De Grabaciones </a:t>
+            </a:r>
+            <a:br>
               <a:rPr lang="es-CO" sz="6600" dirty="0">
                 <a:solidFill>
                   <a:schemeClr val="bg1"/>
                 </a:solidFill>
                 <a:latin typeface="Candara" panose="020E0502030303020204" pitchFamily="34" charset="0"/>
               </a:rPr>
-              <a:t>G</a:t>
-            </a:r>
-            <a:r>
-              <a:rPr lang="es-CO" sz="6600" dirty="0" smtClean="0">
+            </a:br>
+            <a:r>
+              <a:rPr lang="es-CO" sz="6600" dirty="0">
                 <a:solidFill>
                   <a:schemeClr val="bg1"/>
                 </a:solidFill>
                 <a:latin typeface="Candara" panose="020E0502030303020204" pitchFamily="34" charset="0"/>
               </a:rPr>
-              <a:t>enero </a:t>
-            </a:r>
-            <a:r>
-              <a:rPr lang="es-CO" sz="6600" dirty="0">
-                <a:solidFill>
-                  <a:schemeClr val="bg1"/>
-                </a:solidFill>
-                <a:latin typeface="Candara" panose="020E0502030303020204" pitchFamily="34" charset="0"/>
-              </a:rPr>
-              <a:t>P</a:t>
-            </a:r>
-            <a:r>
-              <a:rPr lang="es-CO" sz="6600" dirty="0" smtClean="0">
-                <a:solidFill>
-                  <a:schemeClr val="bg1"/>
-                </a:solidFill>
-                <a:latin typeface="Candara" panose="020E0502030303020204" pitchFamily="34" charset="0"/>
-              </a:rPr>
-              <a:t>or </a:t>
-            </a:r>
-            <a:r>
-              <a:rPr lang="es-CO" sz="6600" dirty="0">
-                <a:solidFill>
-                  <a:schemeClr val="bg1"/>
-                </a:solidFill>
-                <a:latin typeface="Candara" panose="020E0502030303020204" pitchFamily="34" charset="0"/>
-              </a:rPr>
-              <a:t>M</a:t>
-            </a:r>
-            <a:r>
-              <a:rPr lang="es-CO" sz="6600" dirty="0" smtClean="0">
-                <a:solidFill>
-                  <a:schemeClr val="bg1"/>
-                </a:solidFill>
-                <a:latin typeface="Candara" panose="020E0502030303020204" pitchFamily="34" charset="0"/>
-              </a:rPr>
-              <a:t>edio De </a:t>
-            </a:r>
-            <a:r>
-              <a:rPr lang="es-CO" sz="6600" dirty="0">
-                <a:solidFill>
-                  <a:schemeClr val="bg1"/>
-                </a:solidFill>
-                <a:latin typeface="Candara" panose="020E0502030303020204" pitchFamily="34" charset="0"/>
-              </a:rPr>
-              <a:t>G</a:t>
-            </a:r>
-            <a:r>
-              <a:rPr lang="es-CO" sz="6600" dirty="0" smtClean="0">
-                <a:solidFill>
-                  <a:schemeClr val="bg1"/>
-                </a:solidFill>
-                <a:latin typeface="Candara" panose="020E0502030303020204" pitchFamily="34" charset="0"/>
-              </a:rPr>
-              <a:t>rabaciones </a:t>
-            </a:r>
-            <a:br>
-              <a:rPr lang="es-CO" sz="6600" dirty="0" smtClean="0">
-                <a:solidFill>
-                  <a:schemeClr val="bg1"/>
-                </a:solidFill>
-                <a:latin typeface="Candara" panose="020E0502030303020204" pitchFamily="34" charset="0"/>
-              </a:rPr>
-            </a:br>
-            <a:r>
-              <a:rPr lang="es-CO" sz="6600" dirty="0" smtClean="0">
-                <a:solidFill>
-                  <a:schemeClr val="bg1"/>
-                </a:solidFill>
-                <a:latin typeface="Candara" panose="020E0502030303020204" pitchFamily="34" charset="0"/>
-              </a:rPr>
-              <a:t>De </a:t>
-            </a:r>
-            <a:r>
-              <a:rPr lang="es-CO" sz="6600" dirty="0">
-                <a:solidFill>
-                  <a:schemeClr val="bg1"/>
-                </a:solidFill>
-                <a:latin typeface="Candara" panose="020E0502030303020204" pitchFamily="34" charset="0"/>
-              </a:rPr>
-              <a:t>V</a:t>
-            </a:r>
-            <a:r>
-              <a:rPr lang="es-CO" sz="6600" dirty="0" smtClean="0">
-                <a:solidFill>
-                  <a:schemeClr val="bg1"/>
-                </a:solidFill>
-                <a:latin typeface="Candara" panose="020E0502030303020204" pitchFamily="34" charset="0"/>
-              </a:rPr>
-              <a:t>oz</a:t>
-            </a:r>
-            <a:endParaRPr lang="es-CO" sz="6600" dirty="0">
-              <a:solidFill>
-                <a:schemeClr val="bg1"/>
-              </a:solidFill>
-              <a:latin typeface="Candara" panose="020E0502030303020204" pitchFamily="34" charset="0"/>
-            </a:endParaRPr>
+              <a:t>De Voz</a:t>
+            </a:r>
           </a:p>
         </p:txBody>
       </p:sp>
@@ -4301,7 +4205,7 @@
               <a:buNone/>
             </a:pPr>
             <a:r>
-              <a:rPr lang="es-CO" sz="4000" dirty="0" smtClean="0">
+              <a:rPr lang="es-CO" sz="4000" dirty="0">
                 <a:solidFill>
                   <a:srgbClr val="EAF1DD"/>
                 </a:solidFill>
@@ -4538,7 +4442,7 @@
               <a:buFont typeface="Arial"/>
               <a:buNone/>
             </a:pPr>
-            <a:endParaRPr lang="en-US" sz="2800" dirty="0" smtClean="0">
+            <a:endParaRPr lang="en-US" sz="2800" dirty="0">
               <a:solidFill>
                 <a:schemeClr val="bg1"/>
               </a:solidFill>
@@ -5423,29 +5327,18 @@
               <a:buNone/>
             </a:pPr>
             <a:r>
-              <a:rPr lang="es-CO" sz="3200">
-                <a:solidFill>
-                  <a:schemeClr val="dk1"/>
-                </a:solidFill>
-                <a:latin typeface="Calibri"/>
-                <a:ea typeface="Calibri"/>
-                <a:cs typeface="Calibri"/>
-                <a:sym typeface="Calibri"/>
-              </a:rPr>
-              <a:t>Tiene como objetivo permitir al lector identificar en forma rápida y precisa el contenido básico del artículo.</a:t>
-            </a:r>
-          </a:p>
-          <a:p>
-            <a:pPr marL="0" marR="0" lvl="0" indent="0" algn="just" rtl="0">
-              <a:spcBef>
-                <a:spcPts val="0"/>
-              </a:spcBef>
-              <a:spcAft>
-                <a:spcPts val="0"/>
-              </a:spcAft>
-              <a:buNone/>
-            </a:pPr>
-            <a:endParaRPr lang="es-CO" sz="3200">
+              <a:rPr lang="es-CO" sz="3200" dirty="0" smtClean="0">
+                <a:solidFill>
+                  <a:schemeClr val="dk1"/>
+                </a:solidFill>
+                <a:latin typeface="Calibri"/>
+                <a:ea typeface="Calibri"/>
+                <a:cs typeface="Calibri"/>
+                <a:sym typeface="Calibri"/>
+              </a:rPr>
+              <a:t>El proyecto tiene como propósito la predicción del genero de una persona mediante una grabación de voz.</a:t>
+            </a:r>
+            <a:endParaRPr lang="es-CO" sz="3200" dirty="0">
               <a:solidFill>
                 <a:schemeClr val="dk1"/>
               </a:solidFill>
@@ -5465,18 +5358,283 @@
               </a:spcAft>
               <a:buNone/>
             </a:pPr>
-            <a:r>
-              <a:rPr lang="es-CO" sz="3200">
-                <a:solidFill>
-                  <a:schemeClr val="dk1"/>
-                </a:solidFill>
-                <a:latin typeface="Calibri"/>
-                <a:ea typeface="Calibri"/>
-                <a:cs typeface="Calibri"/>
-                <a:sym typeface="Calibri"/>
-              </a:rPr>
-              <a:t>Debe redactarse en tercera persona, tiempo pasado, exceptuando el último párrafo o frase concluyente. No debe aportar información o conclusión que no está presente en el texto, así como tampoco debe citar referencias bibliográficas. Debe dejar claro el problema que se investiga, los principales objetivos y el alcance de la investigación, describir la metodología empleada, resumir los resultados y generalizar con las principales conclusiones.</a:t>
-            </a:r>
+            <a:endParaRPr lang="es-CO" sz="3200" dirty="0" smtClean="0">
+              <a:solidFill>
+                <a:schemeClr val="dk1"/>
+              </a:solidFill>
+              <a:latin typeface="Calibri"/>
+              <a:ea typeface="Calibri"/>
+              <a:cs typeface="Calibri"/>
+              <a:sym typeface="Calibri"/>
+            </a:endParaRPr>
+          </a:p>
+          <a:p>
+            <a:pPr marL="0" marR="0" lvl="0" indent="0" algn="just" rtl="0">
+              <a:spcBef>
+                <a:spcPts val="0"/>
+              </a:spcBef>
+              <a:spcAft>
+                <a:spcPts val="0"/>
+              </a:spcAft>
+              <a:buNone/>
+            </a:pPr>
+            <a:r>
+              <a:rPr lang="es-CO" sz="3200" dirty="0" smtClean="0">
+                <a:solidFill>
+                  <a:schemeClr val="dk1"/>
+                </a:solidFill>
+                <a:latin typeface="Calibri"/>
+                <a:ea typeface="Calibri"/>
+                <a:cs typeface="Calibri"/>
+                <a:sym typeface="Calibri"/>
+              </a:rPr>
+              <a:t>Se usaron varios clasificadores (</a:t>
+            </a:r>
+            <a:r>
+              <a:rPr lang="es-CO" sz="3200" dirty="0" err="1" smtClean="0">
+                <a:solidFill>
+                  <a:schemeClr val="dk1"/>
+                </a:solidFill>
+                <a:latin typeface="Calibri"/>
+                <a:ea typeface="Calibri"/>
+                <a:cs typeface="Calibri"/>
+                <a:sym typeface="Calibri"/>
+              </a:rPr>
+              <a:t>naive</a:t>
+            </a:r>
+            <a:r>
+              <a:rPr lang="es-CO" sz="3200" dirty="0" smtClean="0">
+                <a:solidFill>
+                  <a:schemeClr val="dk1"/>
+                </a:solidFill>
+                <a:latin typeface="Calibri"/>
+                <a:ea typeface="Calibri"/>
+                <a:cs typeface="Calibri"/>
+                <a:sym typeface="Calibri"/>
+              </a:rPr>
+              <a:t> </a:t>
+            </a:r>
+            <a:r>
+              <a:rPr lang="es-CO" sz="3200" dirty="0" err="1" smtClean="0">
+                <a:solidFill>
+                  <a:schemeClr val="dk1"/>
+                </a:solidFill>
+                <a:latin typeface="Calibri"/>
+                <a:ea typeface="Calibri"/>
+                <a:cs typeface="Calibri"/>
+                <a:sym typeface="Calibri"/>
+              </a:rPr>
+              <a:t>bayes</a:t>
+            </a:r>
+            <a:r>
+              <a:rPr lang="es-CO" sz="3200" dirty="0" smtClean="0">
+                <a:solidFill>
+                  <a:schemeClr val="dk1"/>
+                </a:solidFill>
+                <a:latin typeface="Calibri"/>
+                <a:ea typeface="Calibri"/>
+                <a:cs typeface="Calibri"/>
+                <a:sym typeface="Calibri"/>
+              </a:rPr>
+              <a:t> </a:t>
+            </a:r>
+            <a:r>
+              <a:rPr lang="es-CO" sz="3200" dirty="0" err="1" smtClean="0">
+                <a:solidFill>
+                  <a:schemeClr val="dk1"/>
+                </a:solidFill>
+                <a:latin typeface="Calibri"/>
+                <a:ea typeface="Calibri"/>
+                <a:cs typeface="Calibri"/>
+                <a:sym typeface="Calibri"/>
+              </a:rPr>
+              <a:t>classifier</a:t>
+            </a:r>
+            <a:r>
+              <a:rPr lang="es-CO" sz="3200" dirty="0" smtClean="0">
+                <a:solidFill>
+                  <a:schemeClr val="dk1"/>
+                </a:solidFill>
+                <a:latin typeface="Calibri"/>
+                <a:ea typeface="Calibri"/>
+                <a:cs typeface="Calibri"/>
+                <a:sym typeface="Calibri"/>
+              </a:rPr>
+              <a:t>, </a:t>
+            </a:r>
+            <a:r>
+              <a:rPr lang="es-CO" sz="3200" dirty="0" err="1" smtClean="0">
+                <a:solidFill>
+                  <a:schemeClr val="dk1"/>
+                </a:solidFill>
+                <a:latin typeface="Calibri"/>
+                <a:ea typeface="Calibri"/>
+                <a:cs typeface="Calibri"/>
+                <a:sym typeface="Calibri"/>
+              </a:rPr>
+              <a:t>Support</a:t>
+            </a:r>
+            <a:r>
+              <a:rPr lang="es-CO" sz="3200" dirty="0" smtClean="0">
+                <a:solidFill>
+                  <a:schemeClr val="dk1"/>
+                </a:solidFill>
+                <a:latin typeface="Calibri"/>
+                <a:ea typeface="Calibri"/>
+                <a:cs typeface="Calibri"/>
+                <a:sym typeface="Calibri"/>
+              </a:rPr>
+              <a:t> vector machine, decisión </a:t>
+            </a:r>
+            <a:r>
+              <a:rPr lang="es-CO" sz="3200" dirty="0" err="1" smtClean="0">
+                <a:solidFill>
+                  <a:schemeClr val="dk1"/>
+                </a:solidFill>
+                <a:latin typeface="Calibri"/>
+                <a:ea typeface="Calibri"/>
+                <a:cs typeface="Calibri"/>
+                <a:sym typeface="Calibri"/>
+              </a:rPr>
+              <a:t>tree</a:t>
+            </a:r>
+            <a:r>
+              <a:rPr lang="es-CO" sz="3200" dirty="0" smtClean="0">
+                <a:solidFill>
+                  <a:schemeClr val="dk1"/>
+                </a:solidFill>
+                <a:latin typeface="Calibri"/>
+                <a:ea typeface="Calibri"/>
+                <a:cs typeface="Calibri"/>
+                <a:sym typeface="Calibri"/>
+              </a:rPr>
+              <a:t> </a:t>
+            </a:r>
+            <a:r>
+              <a:rPr lang="es-CO" sz="3200" dirty="0" err="1" smtClean="0">
+                <a:solidFill>
+                  <a:schemeClr val="dk1"/>
+                </a:solidFill>
+                <a:latin typeface="Calibri"/>
+                <a:ea typeface="Calibri"/>
+                <a:cs typeface="Calibri"/>
+                <a:sym typeface="Calibri"/>
+              </a:rPr>
+              <a:t>classifier</a:t>
+            </a:r>
+            <a:r>
+              <a:rPr lang="es-CO" sz="3200" dirty="0" smtClean="0">
+                <a:solidFill>
+                  <a:schemeClr val="dk1"/>
+                </a:solidFill>
+                <a:latin typeface="Calibri"/>
+                <a:ea typeface="Calibri"/>
+                <a:cs typeface="Calibri"/>
+                <a:sym typeface="Calibri"/>
+              </a:rPr>
+              <a:t> y </a:t>
+            </a:r>
+            <a:r>
+              <a:rPr lang="es-CO" sz="3200" dirty="0" err="1" smtClean="0">
+                <a:solidFill>
+                  <a:schemeClr val="dk1"/>
+                </a:solidFill>
+                <a:latin typeface="Calibri"/>
+                <a:ea typeface="Calibri"/>
+                <a:cs typeface="Calibri"/>
+                <a:sym typeface="Calibri"/>
+              </a:rPr>
+              <a:t>Random</a:t>
+            </a:r>
+            <a:r>
+              <a:rPr lang="es-CO" sz="3200" dirty="0" smtClean="0">
+                <a:solidFill>
+                  <a:schemeClr val="dk1"/>
+                </a:solidFill>
+                <a:latin typeface="Calibri"/>
+                <a:ea typeface="Calibri"/>
+                <a:cs typeface="Calibri"/>
+                <a:sym typeface="Calibri"/>
+              </a:rPr>
+              <a:t> </a:t>
+            </a:r>
+            <a:r>
+              <a:rPr lang="es-CO" sz="3200" dirty="0" err="1" smtClean="0">
+                <a:solidFill>
+                  <a:schemeClr val="dk1"/>
+                </a:solidFill>
+                <a:latin typeface="Calibri"/>
+                <a:ea typeface="Calibri"/>
+                <a:cs typeface="Calibri"/>
+                <a:sym typeface="Calibri"/>
+              </a:rPr>
+              <a:t>forest</a:t>
+            </a:r>
+            <a:r>
+              <a:rPr lang="es-CO" sz="3200" dirty="0" smtClean="0">
+                <a:solidFill>
+                  <a:schemeClr val="dk1"/>
+                </a:solidFill>
+                <a:latin typeface="Calibri"/>
+                <a:ea typeface="Calibri"/>
+                <a:cs typeface="Calibri"/>
+                <a:sym typeface="Calibri"/>
+              </a:rPr>
+              <a:t> </a:t>
+            </a:r>
+            <a:r>
+              <a:rPr lang="es-CO" sz="3200" dirty="0" err="1" smtClean="0">
+                <a:solidFill>
+                  <a:schemeClr val="dk1"/>
+                </a:solidFill>
+                <a:latin typeface="Calibri"/>
+                <a:ea typeface="Calibri"/>
+                <a:cs typeface="Calibri"/>
+                <a:sym typeface="Calibri"/>
+              </a:rPr>
+              <a:t>classifier</a:t>
+            </a:r>
+            <a:r>
+              <a:rPr lang="es-CO" sz="3200" dirty="0" smtClean="0">
+                <a:solidFill>
+                  <a:schemeClr val="dk1"/>
+                </a:solidFill>
+                <a:latin typeface="Calibri"/>
+                <a:ea typeface="Calibri"/>
+                <a:cs typeface="Calibri"/>
+                <a:sym typeface="Calibri"/>
+              </a:rPr>
+              <a:t>) y además de redes neuronales poder hacer la clasificación del genero.</a:t>
+            </a:r>
+            <a:endParaRPr lang="es-CO" sz="3200" dirty="0">
+              <a:solidFill>
+                <a:schemeClr val="dk1"/>
+              </a:solidFill>
+              <a:latin typeface="Calibri"/>
+              <a:ea typeface="Calibri"/>
+              <a:cs typeface="Calibri"/>
+              <a:sym typeface="Calibri"/>
+            </a:endParaRPr>
+          </a:p>
+          <a:p>
+            <a:pPr marL="0" marR="0" lvl="0" indent="0" algn="just" rtl="0">
+              <a:spcBef>
+                <a:spcPts val="0"/>
+              </a:spcBef>
+              <a:spcAft>
+                <a:spcPts val="0"/>
+              </a:spcAft>
+              <a:buNone/>
+            </a:pPr>
+            <a:endParaRPr lang="es-CO" sz="3200" dirty="0">
+              <a:solidFill>
+                <a:schemeClr val="dk1"/>
+              </a:solidFill>
+              <a:latin typeface="Calibri"/>
+              <a:ea typeface="Calibri"/>
+              <a:cs typeface="Calibri"/>
+              <a:sym typeface="Calibri"/>
+            </a:endParaRPr>
           </a:p>
         </p:txBody>
       </p:sp>
@@ -5590,7 +5748,79 @@
                 <a:cs typeface="Calibri"/>
                 <a:sym typeface="Calibri"/>
               </a:rPr>
-              <a:t>Esta sección es la parte más importante del artículo y a menudo es también la más corta. El primer párrafo de este texto debe ser utilizado para resumir en una frase concisa, clara y directa, el hallazgo principal del estudio.</a:t>
+              <a:t>En este estudio al comparar los resultados de los cuatro clasificadores y las dos redes neuronales, pudimos comprobar que la maquina de soporte vectorial y </a:t>
+            </a:r>
+            <a:r>
+              <a:rPr lang="es-CO" sz="3200" dirty="0" err="1">
+                <a:solidFill>
+                  <a:schemeClr val="dk1"/>
+                </a:solidFill>
+                <a:latin typeface="Calibri"/>
+                <a:ea typeface="Calibri"/>
+                <a:cs typeface="Calibri"/>
+                <a:sym typeface="Calibri"/>
+              </a:rPr>
+              <a:t>Random</a:t>
+            </a:r>
+            <a:r>
+              <a:rPr lang="es-CO" sz="3200" dirty="0">
+                <a:solidFill>
+                  <a:schemeClr val="dk1"/>
+                </a:solidFill>
+                <a:latin typeface="Calibri"/>
+                <a:ea typeface="Calibri"/>
+                <a:cs typeface="Calibri"/>
+                <a:sym typeface="Calibri"/>
+              </a:rPr>
+              <a:t> Forest obtienen los mejores resultados entre clasificadores con 98.7% y 98.4% respectivamente, y la red neuronal con 3 capas y 50 </a:t>
+            </a:r>
+            <a:r>
+              <a:rPr lang="es-CO" sz="3200" dirty="0" err="1">
+                <a:solidFill>
+                  <a:schemeClr val="dk1"/>
+                </a:solidFill>
+                <a:latin typeface="Calibri"/>
+                <a:ea typeface="Calibri"/>
+                <a:cs typeface="Calibri"/>
+                <a:sym typeface="Calibri"/>
+              </a:rPr>
+              <a:t>epochs</a:t>
+            </a:r>
+            <a:r>
+              <a:rPr lang="es-CO" sz="3200" dirty="0">
+                <a:solidFill>
+                  <a:schemeClr val="dk1"/>
+                </a:solidFill>
+                <a:latin typeface="Calibri"/>
+                <a:ea typeface="Calibri"/>
+                <a:cs typeface="Calibri"/>
+                <a:sym typeface="Calibri"/>
+              </a:rPr>
+              <a:t> obtiene un puntaje superior con 98.8% en comparación a la red neuronal de 6 capas y 20 </a:t>
+            </a:r>
+            <a:r>
+              <a:rPr lang="es-CO" sz="3200" dirty="0" err="1">
+                <a:solidFill>
+                  <a:schemeClr val="dk1"/>
+                </a:solidFill>
+                <a:latin typeface="Calibri"/>
+                <a:ea typeface="Calibri"/>
+                <a:cs typeface="Calibri"/>
+                <a:sym typeface="Calibri"/>
+              </a:rPr>
+              <a:t>epochs</a:t>
+            </a:r>
+            <a:r>
+              <a:rPr lang="es-CO" sz="3200" dirty="0">
+                <a:solidFill>
+                  <a:schemeClr val="dk1"/>
+                </a:solidFill>
+                <a:latin typeface="Calibri"/>
+                <a:ea typeface="Calibri"/>
+                <a:cs typeface="Calibri"/>
+                <a:sym typeface="Calibri"/>
+              </a:rPr>
+              <a:t>. </a:t>
             </a:r>
           </a:p>
           <a:p>
@@ -5633,7 +5863,55 @@
                 <a:cs typeface="Calibri"/>
                 <a:sym typeface="Calibri"/>
               </a:rPr>
-              <a:t>Los resultados se presentarán en el orden lógico y sucesivo en que fueron encontrados, de forma que sean comprensibles y coherentes por sí mismos. Ellos tienen que expresarse de manera clara y sencilla, porque representan los nuevos conocimientos que se están aportando a los lectores.</a:t>
+              <a:t>Sin embargo el clasificador con menor puntaje que en este caso es </a:t>
+            </a:r>
+            <a:r>
+              <a:rPr lang="es-CO" sz="3200" dirty="0" err="1">
+                <a:solidFill>
+                  <a:schemeClr val="dk1"/>
+                </a:solidFill>
+                <a:latin typeface="Calibri"/>
+                <a:ea typeface="Calibri"/>
+                <a:cs typeface="Calibri"/>
+                <a:sym typeface="Calibri"/>
+              </a:rPr>
+              <a:t>Naive</a:t>
+            </a:r>
+            <a:r>
+              <a:rPr lang="es-CO" sz="3200" dirty="0">
+                <a:solidFill>
+                  <a:schemeClr val="dk1"/>
+                </a:solidFill>
+                <a:latin typeface="Calibri"/>
+                <a:ea typeface="Calibri"/>
+                <a:cs typeface="Calibri"/>
+                <a:sym typeface="Calibri"/>
+              </a:rPr>
+              <a:t> Bayes, obtuvo 93.2% de precisión que sigue siendo un buen puntaje pero esta bastante alejado de la media en comparación al resto de puntajes, ya que tomando en cuenta los 4 clasificadores y las 2 redes neuronales se logra una media de 97,47%.  Se obtuvieron estos resultados tan acertados debido a el balance del </a:t>
+            </a:r>
+            <a:r>
+              <a:rPr lang="es-CO" sz="3200" dirty="0" err="1">
+                <a:solidFill>
+                  <a:schemeClr val="dk1"/>
+                </a:solidFill>
+                <a:latin typeface="Calibri"/>
+                <a:ea typeface="Calibri"/>
+                <a:cs typeface="Calibri"/>
+                <a:sym typeface="Calibri"/>
+              </a:rPr>
+              <a:t>dataset</a:t>
+            </a:r>
+            <a:r>
+              <a:rPr lang="es-CO" sz="3200" dirty="0">
+                <a:solidFill>
+                  <a:schemeClr val="dk1"/>
+                </a:solidFill>
+                <a:latin typeface="Calibri"/>
+                <a:ea typeface="Calibri"/>
+                <a:cs typeface="Calibri"/>
+                <a:sym typeface="Calibri"/>
+              </a:rPr>
+              <a:t> y el preprocesamiento de los datos, ya que adicionalmente estandarizamos los datos y seleccionamos las características mas importantes para evitar redundancias.</a:t>
             </a:r>
           </a:p>
           <a:p>
@@ -5676,31 +5954,7 @@
                 <a:cs typeface="Calibri"/>
                 <a:sym typeface="Calibri"/>
               </a:rPr>
-              <a:t>El uso de tablas y gráficos es una buena opción, siempre que se evite la redundancia, es decir la repetición con palabras de lo que resulta ya evidente al examinar estas formas de presentación de los resultados.  Las tablas y gráficos deben ser </a:t>
-            </a:r>
-            <a:r>
-              <a:rPr lang="es-CO" sz="3200" dirty="0" err="1">
-                <a:solidFill>
-                  <a:schemeClr val="dk1"/>
-                </a:solidFill>
-                <a:latin typeface="Calibri"/>
-                <a:ea typeface="Calibri"/>
-                <a:cs typeface="Calibri"/>
-                <a:sym typeface="Calibri"/>
-              </a:rPr>
-              <a:t>autoexplicativas</a:t>
-            </a:r>
-            <a:r>
-              <a:rPr lang="es-CO" sz="3200" dirty="0">
-                <a:solidFill>
-                  <a:schemeClr val="dk1"/>
-                </a:solidFill>
-                <a:latin typeface="Calibri"/>
-                <a:ea typeface="Calibri"/>
-                <a:cs typeface="Calibri"/>
-                <a:sym typeface="Calibri"/>
-              </a:rPr>
-              <a:t>, o sea, deben poder entenderse sin necesidad de leer el texto que les hace referencia. </a:t>
+              <a:t>En la tabla 1 se puede observar con precisión el puntaje obtenido por cada clasificador y las redes neuronales.</a:t>
             </a:r>
           </a:p>
           <a:p>
@@ -5743,50 +5997,7 @@
                 <a:cs typeface="Calibri"/>
                 <a:sym typeface="Calibri"/>
               </a:rPr>
-              <a:t>Se recomienda usar gráficos como alternativa a las tablas con muchas entradas y no duplicar datos en los gráficos y tablas.</a:t>
-            </a:r>
-          </a:p>
-          <a:p>
-            <a:pPr marL="0" marR="0" lvl="0" indent="0" algn="just" rtl="0">
-              <a:spcBef>
-                <a:spcPts val="0"/>
-              </a:spcBef>
-              <a:spcAft>
-                <a:spcPts val="0"/>
-              </a:spcAft>
-              <a:buNone/>
-            </a:pPr>
-            <a:endParaRPr lang="es-CO" sz="3200" dirty="0">
-              <a:solidFill>
-                <a:schemeClr val="dk1"/>
-              </a:solidFill>
-              <a:latin typeface="Calibri"/>
-              <a:ea typeface="Calibri"/>
-              <a:cs typeface="Calibri"/>
-              <a:sym typeface="Calibri"/>
-            </a:endParaRPr>
-          </a:p>
-          <a:p>
-            <a:pPr marL="0" marR="0" lvl="0" indent="0" algn="just" rtl="0">
-              <a:spcBef>
-                <a:spcPts val="0"/>
-              </a:spcBef>
-              <a:spcAft>
-                <a:spcPts val="0"/>
-              </a:spcAft>
-              <a:buNone/>
-            </a:pPr>
-            <a:r>
-              <a:rPr lang="es-CO" sz="3200" dirty="0">
-                <a:solidFill>
-                  <a:schemeClr val="dk1"/>
-                </a:solidFill>
-                <a:latin typeface="Calibri"/>
-                <a:ea typeface="Calibri"/>
-                <a:cs typeface="Calibri"/>
-                <a:sym typeface="Calibri"/>
-              </a:rPr>
-              <a:t>Esta sección debe ser escrita utilizando los verbos en pasado (se encontró, se observó, etc.).</a:t>
+              <a:t>En el grafico 1 se puede comparar de manera grafica el resultado de los clasificadores en este problema.</a:t>
             </a:r>
           </a:p>
         </p:txBody>
@@ -5892,17 +6103,37 @@
               <a:buNone/>
             </a:pPr>
             <a:r>
-              <a:rPr lang="es-CO" sz="3200" dirty="0">
-                <a:solidFill>
-                  <a:schemeClr val="dk1"/>
-                </a:solidFill>
-                <a:latin typeface="Calibri"/>
-                <a:ea typeface="Calibri"/>
-                <a:cs typeface="Calibri"/>
-                <a:sym typeface="Calibri"/>
-              </a:rPr>
-              <a:t>Esta sección responde a la pregunta:¿Cómo se ha hecho el estudio? Tiene como meta describir minuciosamente, pero sin exageraciones ni redundancias, la forma en que se realizó el estudio. Puede estructurarse en las siguientes partes:</a:t>
-            </a:r>
+              <a:rPr lang="es-CO" sz="3200" dirty="0" smtClean="0">
+                <a:solidFill>
+                  <a:schemeClr val="dk1"/>
+                </a:solidFill>
+                <a:latin typeface="Calibri"/>
+                <a:ea typeface="Calibri"/>
+                <a:cs typeface="Calibri"/>
+                <a:sym typeface="Calibri"/>
+              </a:rPr>
+              <a:t>El proyecto tiene las siguientes características:</a:t>
+            </a:r>
+          </a:p>
+          <a:p>
+            <a:pPr marL="0" marR="0" lvl="0" indent="0" algn="just" rtl="0">
+              <a:spcBef>
+                <a:spcPts val="0"/>
+              </a:spcBef>
+              <a:spcAft>
+                <a:spcPts val="0"/>
+              </a:spcAft>
+              <a:buNone/>
+            </a:pPr>
+            <a:endParaRPr lang="es-CO" sz="3200" dirty="0">
+              <a:solidFill>
+                <a:schemeClr val="dk1"/>
+              </a:solidFill>
+              <a:latin typeface="Calibri"/>
+              <a:ea typeface="Calibri"/>
+              <a:cs typeface="Calibri"/>
+              <a:sym typeface="Calibri"/>
+            </a:endParaRPr>
           </a:p>
           <a:p>
             <a:pPr marL="0" marR="0" lvl="0" indent="0" algn="just" rtl="0">
@@ -5940,17 +6171,50 @@
               <a:buChar char="●"/>
             </a:pPr>
             <a:r>
-              <a:rPr lang="es-CO" sz="3200" dirty="0">
-                <a:solidFill>
-                  <a:schemeClr val="dk1"/>
-                </a:solidFill>
-                <a:latin typeface="Calibri"/>
-                <a:ea typeface="Calibri"/>
-                <a:cs typeface="Calibri"/>
-                <a:sym typeface="Calibri"/>
-              </a:rPr>
-              <a:t>Diseño : Se describe el diseño del estudio detallando si se trata de un ensayo clínico aleatorio controlado, un estudio de casos y controles, o de cohorte, etc.</a:t>
-            </a:r>
+              <a:rPr lang="es-CO" sz="3200" dirty="0" smtClean="0">
+                <a:solidFill>
+                  <a:schemeClr val="dk1"/>
+                </a:solidFill>
+                <a:latin typeface="Calibri"/>
+                <a:ea typeface="Calibri"/>
+                <a:cs typeface="Calibri"/>
+                <a:sym typeface="Calibri"/>
+              </a:rPr>
+              <a:t>Se usa el </a:t>
+            </a:r>
+            <a:r>
+              <a:rPr lang="es-CO" sz="3200" dirty="0" err="1" smtClean="0">
+                <a:solidFill>
+                  <a:schemeClr val="dk1"/>
+                </a:solidFill>
+                <a:latin typeface="Calibri"/>
+                <a:ea typeface="Calibri"/>
+                <a:cs typeface="Calibri"/>
+                <a:sym typeface="Calibri"/>
+              </a:rPr>
+              <a:t>dataset</a:t>
+            </a:r>
+            <a:r>
+              <a:rPr lang="es-CO" sz="3200" dirty="0" smtClean="0">
+                <a:solidFill>
+                  <a:schemeClr val="dk1"/>
+                </a:solidFill>
+                <a:latin typeface="Calibri"/>
+                <a:ea typeface="Calibri"/>
+                <a:cs typeface="Calibri"/>
+                <a:sym typeface="Calibri"/>
+              </a:rPr>
+              <a:t> de las grabaciones de las personas las cuales  se clasifican como hombre o mujer</a:t>
+            </a:r>
+            <a:endParaRPr lang="es-CO" sz="3200" dirty="0">
+              <a:solidFill>
+                <a:schemeClr val="dk1"/>
+              </a:solidFill>
+              <a:latin typeface="Calibri"/>
+              <a:ea typeface="Calibri"/>
+              <a:cs typeface="Calibri"/>
+              <a:sym typeface="Calibri"/>
+            </a:endParaRPr>
           </a:p>
           <a:p>
             <a:pPr marL="457200" marR="0" lvl="0" indent="-431800" algn="just" rtl="0">
@@ -5968,6 +6232,56 @@
               <a:buChar char="●"/>
             </a:pPr>
             <a:r>
+              <a:rPr lang="es-CO" sz="3200" dirty="0" smtClean="0">
+                <a:solidFill>
+                  <a:schemeClr val="dk1"/>
+                </a:solidFill>
+                <a:latin typeface="Calibri"/>
+                <a:ea typeface="Calibri"/>
+                <a:cs typeface="Calibri"/>
+                <a:sym typeface="Calibri"/>
+              </a:rPr>
+              <a:t>El </a:t>
+            </a:r>
+            <a:r>
+              <a:rPr lang="es-CO" sz="3200" dirty="0" err="1" smtClean="0">
+                <a:solidFill>
+                  <a:schemeClr val="dk1"/>
+                </a:solidFill>
+                <a:latin typeface="Calibri"/>
+                <a:ea typeface="Calibri"/>
+                <a:cs typeface="Calibri"/>
+                <a:sym typeface="Calibri"/>
+              </a:rPr>
+              <a:t>dataset</a:t>
+            </a:r>
+            <a:r>
+              <a:rPr lang="es-CO" sz="3200" dirty="0" smtClean="0">
+                <a:solidFill>
+                  <a:schemeClr val="dk1"/>
+                </a:solidFill>
+                <a:latin typeface="Calibri"/>
+                <a:ea typeface="Calibri"/>
+                <a:cs typeface="Calibri"/>
+                <a:sym typeface="Calibri"/>
+              </a:rPr>
+              <a:t> contiene 3168 muestras de voz en las cuales la mitad </a:t>
+            </a:r>
+          </a:p>
+          <a:p>
+            <a:pPr marL="25400" marR="0" lvl="0" algn="just" rtl="0">
+              <a:spcBef>
+                <a:spcPts val="0"/>
+              </a:spcBef>
+              <a:spcAft>
+                <a:spcPts val="0"/>
+              </a:spcAft>
+              <a:buClr>
+                <a:schemeClr val="dk1"/>
+              </a:buClr>
+              <a:buSzPts val="3200"/>
+            </a:pPr>
+            <a:r>
               <a:rPr lang="es-CO" sz="3200" dirty="0">
                 <a:solidFill>
                   <a:schemeClr val="dk1"/>
@@ -5977,8 +6291,41 @@
                 <a:cs typeface="Calibri"/>
                 <a:sym typeface="Calibri"/>
               </a:rPr>
-              <a:t>Población sobre la que se ha hecho el estudio </a:t>
-            </a:r>
+              <a:t> </a:t>
+            </a:r>
+            <a:r>
+              <a:rPr lang="es-CO" sz="3200" dirty="0" smtClean="0">
+                <a:solidFill>
+                  <a:schemeClr val="dk1"/>
+                </a:solidFill>
+                <a:latin typeface="Calibri"/>
+                <a:ea typeface="Calibri"/>
+                <a:cs typeface="Calibri"/>
+                <a:sym typeface="Calibri"/>
+              </a:rPr>
+              <a:t>    </a:t>
+            </a:r>
+            <a:r>
+              <a:rPr lang="es-CO" sz="3200" dirty="0" smtClean="0">
+                <a:solidFill>
+                  <a:schemeClr val="dk1"/>
+                </a:solidFill>
+                <a:latin typeface="Calibri"/>
+                <a:ea typeface="Calibri"/>
+                <a:cs typeface="Calibri"/>
+                <a:sym typeface="Calibri"/>
+              </a:rPr>
+              <a:t>son hombres y la otra mitad mujeres</a:t>
+            </a:r>
+            <a:endParaRPr lang="es-CO" sz="3200" dirty="0">
+              <a:solidFill>
+                <a:schemeClr val="dk1"/>
+              </a:solidFill>
+              <a:latin typeface="Calibri"/>
+              <a:ea typeface="Calibri"/>
+              <a:cs typeface="Calibri"/>
+              <a:sym typeface="Calibri"/>
+            </a:endParaRPr>
           </a:p>
           <a:p>
             <a:pPr marL="457200" marR="0" lvl="0" indent="-431800" algn="just" rtl="0">
@@ -5996,33 +6343,20 @@
               <a:buChar char="●"/>
             </a:pPr>
             <a:r>
-              <a:rPr lang="es-CO" sz="3200" dirty="0">
-                <a:solidFill>
-                  <a:schemeClr val="dk1"/>
-                </a:solidFill>
-                <a:latin typeface="Calibri"/>
-                <a:ea typeface="Calibri"/>
-                <a:cs typeface="Calibri"/>
-                <a:sym typeface="Calibri"/>
-              </a:rPr>
-              <a:t>Entorno : Indica dónde se ha hecho el estudio</a:t>
+              <a:rPr lang="es-CO" sz="3200" dirty="0" smtClean="0">
+                <a:solidFill>
+                  <a:schemeClr val="dk1"/>
+                </a:solidFill>
+                <a:latin typeface="Calibri"/>
+                <a:ea typeface="Calibri"/>
+                <a:cs typeface="Calibri"/>
+                <a:sym typeface="Calibri"/>
+              </a:rPr>
+              <a:t>Las muestras fueron pre-procesadas mediante un análisis acústico </a:t>
             </a:r>
           </a:p>
           <a:p>
-            <a:pPr marL="457200" marR="0" lvl="0" indent="-431800" algn="just" rtl="0">
-              <a:spcBef>
-                <a:spcPts val="0"/>
-              </a:spcBef>
-              <a:spcAft>
-                <a:spcPts val="0"/>
-              </a:spcAft>
-              <a:buClr>
-                <a:schemeClr val="dk1"/>
-              </a:buClr>
-              <a:buSzPts val="3200"/>
-              <a:buFont typeface="Calibri"/>
-              <a:buChar char="●"/>
-            </a:pPr>
+            <a:pPr lvl="0" algn="just"/>
             <a:r>
               <a:rPr lang="es-CO" sz="3200" dirty="0">
                 <a:solidFill>
@@ -6033,105 +6367,128 @@
                 <a:cs typeface="Calibri"/>
                 <a:sym typeface="Calibri"/>
               </a:rPr>
-              <a:t>Intervenciones: Se describen las técnicas empleadas, </a:t>
+              <a:t> </a:t>
+            </a:r>
+            <a:r>
+              <a:rPr lang="es-CO" sz="3200" dirty="0" smtClean="0">
+                <a:solidFill>
+                  <a:schemeClr val="dk1"/>
+                </a:solidFill>
+                <a:latin typeface="Calibri"/>
+                <a:ea typeface="Calibri"/>
+                <a:cs typeface="Calibri"/>
+                <a:sym typeface="Calibri"/>
+              </a:rPr>
+              <a:t>    en R </a:t>
+            </a:r>
+            <a:r>
+              <a:rPr lang="es-CO" sz="3200" dirty="0" smtClean="0">
+                <a:solidFill>
+                  <a:schemeClr val="dk1"/>
+                </a:solidFill>
+                <a:latin typeface="Calibri"/>
+                <a:ea typeface="Calibri"/>
+                <a:cs typeface="Calibri"/>
+                <a:sym typeface="Calibri"/>
+              </a:rPr>
+              <a:t>usando los paquetes </a:t>
+            </a:r>
+            <a:r>
+              <a:rPr lang="es-ES" sz="3200" dirty="0" err="1">
+                <a:solidFill>
+                  <a:schemeClr val="dk1"/>
+                </a:solidFill>
+                <a:latin typeface="Calibri"/>
+                <a:ea typeface="Calibri"/>
+                <a:cs typeface="Calibri"/>
+                <a:sym typeface="Calibri"/>
+              </a:rPr>
+              <a:t>seewave</a:t>
+            </a:r>
+            <a:r>
+              <a:rPr lang="es-ES" sz="3200" dirty="0">
+                <a:solidFill>
+                  <a:schemeClr val="dk1"/>
+                </a:solidFill>
+                <a:latin typeface="Calibri"/>
+                <a:ea typeface="Calibri"/>
+                <a:cs typeface="Calibri"/>
+                <a:sym typeface="Calibri"/>
+              </a:rPr>
+              <a:t> y </a:t>
+            </a:r>
+            <a:r>
+              <a:rPr lang="es-ES" sz="3200" dirty="0" err="1">
+                <a:solidFill>
+                  <a:schemeClr val="dk1"/>
+                </a:solidFill>
+                <a:latin typeface="Calibri"/>
+                <a:ea typeface="Calibri"/>
+                <a:cs typeface="Calibri"/>
+                <a:sym typeface="Calibri"/>
+              </a:rPr>
+              <a:t>TuneR</a:t>
+            </a:r>
+            <a:r>
+              <a:rPr lang="es-ES" sz="3200" dirty="0">
+                <a:solidFill>
+                  <a:schemeClr val="dk1"/>
+                </a:solidFill>
+                <a:latin typeface="Calibri"/>
+                <a:ea typeface="Calibri"/>
+                <a:cs typeface="Calibri"/>
+                <a:sym typeface="Calibri"/>
+              </a:rPr>
+              <a:t>, con un rango</a:t>
             </a:r>
           </a:p>
           <a:p>
-            <a:pPr marL="0" marR="0" lvl="0" indent="0" algn="just" rtl="0">
-              <a:spcBef>
-                <a:spcPts val="0"/>
-              </a:spcBef>
-              <a:spcAft>
-                <a:spcPts val="0"/>
-              </a:spcAft>
-              <a:buNone/>
-            </a:pPr>
-            <a:r>
-              <a:rPr lang="es-CO" sz="3200" dirty="0">
-                <a:solidFill>
-                  <a:schemeClr val="dk1"/>
-                </a:solidFill>
-                <a:latin typeface="Calibri"/>
-                <a:ea typeface="Calibri"/>
-                <a:cs typeface="Calibri"/>
-                <a:sym typeface="Calibri"/>
-              </a:rPr>
-              <a:t>     los aparatos e instrumentos utilizados, la tecnología empleada, </a:t>
-            </a:r>
-          </a:p>
-          <a:p>
-            <a:pPr marL="457200" marR="0" lvl="0" indent="-431800" algn="just" rtl="0">
-              <a:spcBef>
-                <a:spcPts val="0"/>
-              </a:spcBef>
-              <a:spcAft>
-                <a:spcPts val="0"/>
-              </a:spcAft>
-              <a:buClr>
+            <a:pPr lvl="0" algn="just"/>
+            <a:r>
+              <a:rPr lang="es-ES" sz="3200" dirty="0" smtClean="0">
+                <a:solidFill>
+                  <a:schemeClr val="dk1"/>
+                </a:solidFill>
+                <a:latin typeface="Calibri"/>
+                <a:ea typeface="Calibri"/>
+                <a:cs typeface="Calibri"/>
+                <a:sym typeface="Calibri"/>
+              </a:rPr>
+              <a:t>     de </a:t>
+            </a:r>
+            <a:r>
+              <a:rPr lang="es-ES" sz="3200" dirty="0">
+                <a:solidFill>
+                  <a:schemeClr val="dk1"/>
+                </a:solidFill>
+                <a:latin typeface="Calibri"/>
+                <a:ea typeface="Calibri"/>
+                <a:cs typeface="Calibri"/>
+                <a:sym typeface="Calibri"/>
+              </a:rPr>
+              <a:t>frecuencia de </a:t>
+            </a:r>
+            <a:r>
+              <a:rPr lang="es-ES" sz="3200" dirty="0" smtClean="0">
+                <a:solidFill>
+                  <a:schemeClr val="dk1"/>
+                </a:solidFill>
+                <a:latin typeface="Calibri"/>
+                <a:ea typeface="Calibri"/>
+                <a:cs typeface="Calibri"/>
+                <a:sym typeface="Calibri"/>
+              </a:rPr>
+              <a:t>0hz-280hz.</a:t>
+            </a:r>
+            <a:endParaRPr lang="es-CO" sz="3200" dirty="0" smtClean="0">
+              <a:solidFill>
                 <a:schemeClr val="dk1"/>
-              </a:buClr>
-              <a:buSzPts val="3200"/>
-              <a:buFont typeface="Calibri"/>
-              <a:buChar char="●"/>
-            </a:pPr>
-            <a:r>
-              <a:rPr lang="es-CO" sz="3200" dirty="0">
-                <a:solidFill>
-                  <a:schemeClr val="dk1"/>
-                </a:solidFill>
-                <a:latin typeface="Calibri"/>
-                <a:ea typeface="Calibri"/>
-                <a:cs typeface="Calibri"/>
-                <a:sym typeface="Calibri"/>
-              </a:rPr>
-              <a:t>Análisis estadístico : Se deben describir las pruebas estadísticas </a:t>
-            </a:r>
-          </a:p>
-          <a:p>
-            <a:pPr marL="0" marR="0" lvl="0" indent="0" algn="just" rtl="0">
-              <a:spcBef>
-                <a:spcPts val="0"/>
-              </a:spcBef>
-              <a:spcAft>
-                <a:spcPts val="0"/>
-              </a:spcAft>
-              <a:buNone/>
-            </a:pPr>
-            <a:r>
-              <a:rPr lang="es-CO" sz="3200" dirty="0">
-                <a:solidFill>
-                  <a:schemeClr val="dk1"/>
-                </a:solidFill>
-                <a:latin typeface="Calibri"/>
-                <a:ea typeface="Calibri"/>
-                <a:cs typeface="Calibri"/>
-                <a:sym typeface="Calibri"/>
-              </a:rPr>
-              <a:t>     empleadas para analizar los datos y especificar los programas </a:t>
-            </a:r>
-          </a:p>
-          <a:p>
-            <a:pPr marL="0" marR="0" lvl="0" indent="0" algn="just" rtl="0">
-              <a:spcBef>
-                <a:spcPts val="0"/>
-              </a:spcBef>
-              <a:spcAft>
-                <a:spcPts val="0"/>
-              </a:spcAft>
-              <a:buNone/>
-            </a:pPr>
-            <a:r>
-              <a:rPr lang="es-CO" sz="3200" dirty="0">
-                <a:solidFill>
-                  <a:schemeClr val="dk1"/>
-                </a:solidFill>
-                <a:latin typeface="Calibri"/>
-                <a:ea typeface="Calibri"/>
-                <a:cs typeface="Calibri"/>
-                <a:sym typeface="Calibri"/>
-              </a:rPr>
-              <a:t>     estadísticos y las versiones empleadas.</a:t>
-            </a:r>
+              </a:solidFill>
+              <a:latin typeface="Calibri"/>
+              <a:ea typeface="Calibri"/>
+              <a:cs typeface="Calibri"/>
+              <a:sym typeface="Calibri"/>
+            </a:endParaRPr>
           </a:p>
         </p:txBody>
       </p:sp>
@@ -6237,7 +6594,7 @@
                 <a:cs typeface="Calibri"/>
                 <a:sym typeface="Calibri"/>
               </a:rPr>
-              <a:t>Las conclusiones son generalizaciones derivadas de los resultados y constituyen los aportes y las innovaciones del estudio realizado. Debido a que son producto de los resultados y la discusión, se debe evitar hacer afirmaciones rotundas y sacar más conclusiones de las que los resultados permitan.</a:t>
+              <a:t>En este proyecto podemos concluir que tanto las redes neuronales como los clasificadores son viables ya que tienen un comportamiento muy similar y por lo tanto resultados similares.</a:t>
             </a:r>
           </a:p>
           <a:p>
@@ -6264,8 +6621,278 @@
                 <a:cs typeface="Calibri"/>
                 <a:sym typeface="Calibri"/>
               </a:rPr>
-              <a:t>La forma más simple de presentar las conclusiones es enumerándolas consecutivamente, aunque se puede optar por recapitular brevemente el contenido del artículo, mencionando someramente su propósito, los métodos principales, los datos más sobresalientes y la contribución más importante de la investigación, y evitar repetir literalmente el contenido del resumen.</a:t>
-            </a:r>
+              <a:t>También podemos concluir que tanto los clasificadores y las redes neuronales obtuvieron resultados muy elevados debido a que el </a:t>
+            </a:r>
+            <a:r>
+              <a:rPr lang="es-CO" sz="3200" dirty="0" err="1">
+                <a:solidFill>
+                  <a:schemeClr val="dk1"/>
+                </a:solidFill>
+                <a:latin typeface="Calibri"/>
+                <a:ea typeface="Calibri"/>
+                <a:cs typeface="Calibri"/>
+                <a:sym typeface="Calibri"/>
+              </a:rPr>
+              <a:t>dataset</a:t>
+            </a:r>
+            <a:r>
+              <a:rPr lang="es-CO" sz="3200" dirty="0">
+                <a:solidFill>
+                  <a:schemeClr val="dk1"/>
+                </a:solidFill>
+                <a:latin typeface="Calibri"/>
+                <a:ea typeface="Calibri"/>
+                <a:cs typeface="Calibri"/>
+                <a:sym typeface="Calibri"/>
+              </a:rPr>
+              <a:t> esta perfectamente balanceado. Es decir exactamente la mitad del </a:t>
+            </a:r>
+            <a:r>
+              <a:rPr lang="es-CO" sz="3200" dirty="0" err="1">
+                <a:solidFill>
+                  <a:schemeClr val="dk1"/>
+                </a:solidFill>
+                <a:latin typeface="Calibri"/>
+                <a:ea typeface="Calibri"/>
+                <a:cs typeface="Calibri"/>
+                <a:sym typeface="Calibri"/>
+              </a:rPr>
+              <a:t>dataset</a:t>
+            </a:r>
+            <a:r>
+              <a:rPr lang="es-CO" sz="3200" dirty="0">
+                <a:solidFill>
+                  <a:schemeClr val="dk1"/>
+                </a:solidFill>
+                <a:latin typeface="Calibri"/>
+                <a:ea typeface="Calibri"/>
+                <a:cs typeface="Calibri"/>
+                <a:sym typeface="Calibri"/>
+              </a:rPr>
+              <a:t> es de una clase y la otra mitad de la otra, además de que se realizo preprocesamiento de los datos.</a:t>
+            </a:r>
+          </a:p>
+          <a:p>
+            <a:pPr lvl="0" algn="just"/>
+            <a:endParaRPr lang="es-CO" sz="3200" dirty="0">
+              <a:solidFill>
+                <a:schemeClr val="dk1"/>
+              </a:solidFill>
+              <a:latin typeface="Calibri"/>
+              <a:ea typeface="Calibri"/>
+              <a:cs typeface="Calibri"/>
+              <a:sym typeface="Calibri"/>
+            </a:endParaRPr>
+          </a:p>
+          <a:p>
+            <a:pPr lvl="0" algn="just"/>
+            <a:r>
+              <a:rPr lang="es-CO" sz="3200" dirty="0">
+                <a:solidFill>
+                  <a:schemeClr val="dk1"/>
+                </a:solidFill>
+                <a:latin typeface="Calibri"/>
+                <a:ea typeface="Calibri"/>
+                <a:cs typeface="Calibri"/>
+                <a:sym typeface="Calibri"/>
+              </a:rPr>
+              <a:t>Teniendo esto en cuenta. La </a:t>
+            </a:r>
+            <a:r>
+              <a:rPr lang="es-CO" sz="3200" dirty="0" err="1">
+                <a:solidFill>
+                  <a:schemeClr val="dk1"/>
+                </a:solidFill>
+                <a:latin typeface="Calibri"/>
+                <a:ea typeface="Calibri"/>
+                <a:cs typeface="Calibri"/>
+                <a:sym typeface="Calibri"/>
+              </a:rPr>
+              <a:t>clasificacion</a:t>
+            </a:r>
+            <a:r>
+              <a:rPr lang="es-CO" sz="3200" dirty="0">
+                <a:solidFill>
+                  <a:schemeClr val="dk1"/>
+                </a:solidFill>
+                <a:latin typeface="Calibri"/>
+                <a:ea typeface="Calibri"/>
+                <a:cs typeface="Calibri"/>
+                <a:sym typeface="Calibri"/>
+              </a:rPr>
+              <a:t> con mayor puntaje y por lo tanto mas idóneo para trabajar con este </a:t>
+            </a:r>
+            <a:r>
+              <a:rPr lang="es-CO" sz="3200" dirty="0" err="1">
+                <a:solidFill>
+                  <a:schemeClr val="dk1"/>
+                </a:solidFill>
+                <a:latin typeface="Calibri"/>
+                <a:ea typeface="Calibri"/>
+                <a:cs typeface="Calibri"/>
+                <a:sym typeface="Calibri"/>
+              </a:rPr>
+              <a:t>dataset</a:t>
+            </a:r>
+            <a:r>
+              <a:rPr lang="es-CO" sz="3200" dirty="0">
+                <a:solidFill>
+                  <a:schemeClr val="dk1"/>
+                </a:solidFill>
+                <a:latin typeface="Calibri"/>
+                <a:ea typeface="Calibri"/>
+                <a:cs typeface="Calibri"/>
+                <a:sym typeface="Calibri"/>
+              </a:rPr>
+              <a:t> es la red neuronal con 3 capas y 50 </a:t>
+            </a:r>
+            <a:r>
+              <a:rPr lang="es-CO" sz="3200" dirty="0" err="1">
+                <a:solidFill>
+                  <a:schemeClr val="dk1"/>
+                </a:solidFill>
+                <a:latin typeface="Calibri"/>
+                <a:ea typeface="Calibri"/>
+                <a:cs typeface="Calibri"/>
+                <a:sym typeface="Calibri"/>
+              </a:rPr>
+              <a:t>epochs</a:t>
+            </a:r>
+            <a:r>
+              <a:rPr lang="es-CO" sz="3200" dirty="0">
+                <a:solidFill>
+                  <a:schemeClr val="dk1"/>
+                </a:solidFill>
+                <a:latin typeface="Calibri"/>
+                <a:ea typeface="Calibri"/>
+                <a:cs typeface="Calibri"/>
+                <a:sym typeface="Calibri"/>
+              </a:rPr>
+              <a:t>, esta red neuronal cuenta con una capa de entrada, una capa densa de 1000 neuronas con la función de activación </a:t>
+            </a:r>
+            <a:r>
+              <a:rPr lang="es-CO" sz="3200" dirty="0" err="1">
+                <a:solidFill>
+                  <a:schemeClr val="dk1"/>
+                </a:solidFill>
+                <a:latin typeface="Calibri"/>
+                <a:ea typeface="Calibri"/>
+                <a:cs typeface="Calibri"/>
+                <a:sym typeface="Calibri"/>
+              </a:rPr>
+              <a:t>relu</a:t>
+            </a:r>
+            <a:r>
+              <a:rPr lang="es-CO" sz="3200" dirty="0">
+                <a:solidFill>
+                  <a:schemeClr val="dk1"/>
+                </a:solidFill>
+                <a:latin typeface="Calibri"/>
+                <a:ea typeface="Calibri"/>
+                <a:cs typeface="Calibri"/>
+                <a:sym typeface="Calibri"/>
+              </a:rPr>
+              <a:t> y una capa de salida con la función de activación sigmoide y se entreno con 50 </a:t>
+            </a:r>
+            <a:r>
+              <a:rPr lang="es-CO" sz="3200" dirty="0" err="1">
+                <a:solidFill>
+                  <a:schemeClr val="dk1"/>
+                </a:solidFill>
+                <a:latin typeface="Calibri"/>
+                <a:ea typeface="Calibri"/>
+                <a:cs typeface="Calibri"/>
+                <a:sym typeface="Calibri"/>
+              </a:rPr>
+              <a:t>epochs</a:t>
+            </a:r>
+            <a:r>
+              <a:rPr lang="es-CO" sz="3200" dirty="0">
+                <a:solidFill>
+                  <a:schemeClr val="dk1"/>
+                </a:solidFill>
+                <a:latin typeface="Calibri"/>
+                <a:ea typeface="Calibri"/>
+                <a:cs typeface="Calibri"/>
+                <a:sym typeface="Calibri"/>
+              </a:rPr>
+              <a:t>. Obteniendo un puntaje de 98.81%.</a:t>
+            </a:r>
+          </a:p>
+          <a:p>
+            <a:pPr lvl="0" algn="just"/>
+            <a:endParaRPr lang="es-CO" sz="3200" dirty="0">
+              <a:solidFill>
+                <a:schemeClr val="dk1"/>
+              </a:solidFill>
+              <a:latin typeface="Calibri"/>
+              <a:ea typeface="Calibri"/>
+              <a:cs typeface="Calibri"/>
+              <a:sym typeface="Calibri"/>
+            </a:endParaRPr>
+          </a:p>
+          <a:p>
+            <a:pPr lvl="0" algn="just"/>
+            <a:r>
+              <a:rPr lang="es-CO" sz="3200" dirty="0">
+                <a:solidFill>
+                  <a:schemeClr val="dk1"/>
+                </a:solidFill>
+                <a:latin typeface="Calibri"/>
+                <a:ea typeface="Calibri"/>
+                <a:cs typeface="Calibri"/>
+                <a:sym typeface="Calibri"/>
+              </a:rPr>
+              <a:t>La segunda alternativa es trabajar el </a:t>
+            </a:r>
+            <a:r>
+              <a:rPr lang="es-CO" sz="3200" dirty="0" err="1">
+                <a:solidFill>
+                  <a:schemeClr val="dk1"/>
+                </a:solidFill>
+                <a:latin typeface="Calibri"/>
+                <a:ea typeface="Calibri"/>
+                <a:cs typeface="Calibri"/>
+                <a:sym typeface="Calibri"/>
+              </a:rPr>
+              <a:t>dataset</a:t>
+            </a:r>
+            <a:r>
+              <a:rPr lang="es-CO" sz="3200" dirty="0">
+                <a:solidFill>
+                  <a:schemeClr val="dk1"/>
+                </a:solidFill>
+                <a:latin typeface="Calibri"/>
+                <a:ea typeface="Calibri"/>
+                <a:cs typeface="Calibri"/>
+                <a:sym typeface="Calibri"/>
+              </a:rPr>
+              <a:t> con SVM ya que logro un puntaje de 98.73% que es el segundo mejor puntaje logrado en este trabajo.</a:t>
+            </a:r>
+          </a:p>
+          <a:p>
+            <a:pPr lvl="0" algn="just"/>
+            <a:endParaRPr lang="es-CO" sz="3200" dirty="0">
+              <a:solidFill>
+                <a:schemeClr val="dk1"/>
+              </a:solidFill>
+              <a:latin typeface="Calibri"/>
+              <a:ea typeface="Calibri"/>
+              <a:cs typeface="Calibri"/>
+              <a:sym typeface="Calibri"/>
+            </a:endParaRPr>
+          </a:p>
+          <a:p>
+            <a:pPr lvl="0" algn="just"/>
+            <a:endParaRPr lang="es-CO" sz="3200" dirty="0">
+              <a:solidFill>
+                <a:schemeClr val="dk1"/>
+              </a:solidFill>
+              <a:latin typeface="Calibri"/>
+              <a:ea typeface="Calibri"/>
+              <a:cs typeface="Calibri"/>
+              <a:sym typeface="Calibri"/>
+            </a:endParaRPr>
           </a:p>
           <a:p>
             <a:pPr marL="0" marR="0" lvl="0" indent="0" algn="just" rtl="0">
@@ -6347,778 +6974,6 @@
           </a:p>
         </p:txBody>
       </p:sp>
-      <p:graphicFrame>
-        <p:nvGraphicFramePr>
-          <p:cNvPr id="56" name="Google Shape;56;p4" descr="Sample table with 4 columns, 7 rows." title="Sample Table"/>
-          <p:cNvGraphicFramePr/>
-          <p:nvPr/>
-        </p:nvGraphicFramePr>
-        <p:xfrm>
-          <a:off x="11521440" y="22620773"/>
-          <a:ext cx="10058400" cy="5439875"/>
-        </p:xfrm>
-        <a:graphic>
-          <a:graphicData uri="http://schemas.openxmlformats.org/drawingml/2006/table">
-            <a:tbl>
-              <a:tblPr firstRow="1" bandRow="1">
-                <a:noFill/>
-                <a:tableStyleId>{F465C773-4D00-42AC-B78A-3E36279DA8F0}</a:tableStyleId>
-              </a:tblPr>
-              <a:tblGrid>
-                <a:gridCol w="2514600">
-                  <a:extLst>
-                    <a:ext uri="{9D8B030D-6E8A-4147-A177-3AD203B41FA5}">
-                      <a16:colId xmlns:a16="http://schemas.microsoft.com/office/drawing/2014/main" val="20000"/>
-                    </a:ext>
-                  </a:extLst>
-                </a:gridCol>
-                <a:gridCol w="2514600">
-                  <a:extLst>
-                    <a:ext uri="{9D8B030D-6E8A-4147-A177-3AD203B41FA5}">
-                      <a16:colId xmlns:a16="http://schemas.microsoft.com/office/drawing/2014/main" val="20001"/>
-                    </a:ext>
-                  </a:extLst>
-                </a:gridCol>
-                <a:gridCol w="2514600">
-                  <a:extLst>
-                    <a:ext uri="{9D8B030D-6E8A-4147-A177-3AD203B41FA5}">
-                      <a16:colId xmlns:a16="http://schemas.microsoft.com/office/drawing/2014/main" val="20002"/>
-                    </a:ext>
-                  </a:extLst>
-                </a:gridCol>
-                <a:gridCol w="2514600">
-                  <a:extLst>
-                    <a:ext uri="{9D8B030D-6E8A-4147-A177-3AD203B41FA5}">
-                      <a16:colId xmlns:a16="http://schemas.microsoft.com/office/drawing/2014/main" val="20003"/>
-                    </a:ext>
-                  </a:extLst>
-                </a:gridCol>
-              </a:tblGrid>
-              <a:tr h="777125">
-                <a:tc>
-                  <a:txBody>
-                    <a:bodyPr/>
-                    <a:lstStyle/>
-                    <a:p>
-                      <a:pPr marL="0" marR="0" lvl="0" indent="0" algn="ctr" rtl="0">
-                        <a:spcBef>
-                          <a:spcPts val="0"/>
-                        </a:spcBef>
-                        <a:spcAft>
-                          <a:spcPts val="0"/>
-                        </a:spcAft>
-                        <a:buNone/>
-                      </a:pPr>
-                      <a:r>
-                        <a:rPr lang="en-US" sz="2700"/>
-                        <a:t>Título</a:t>
-                      </a:r>
-                      <a:endParaRPr sz="2700"/>
-                    </a:p>
-                  </a:txBody>
-                  <a:tcPr marL="121925" marR="121925" marT="34300" marB="34300" anchor="ctr">
-                    <a:solidFill>
-                      <a:srgbClr val="030340"/>
-                    </a:solidFill>
-                  </a:tcPr>
-                </a:tc>
-                <a:tc>
-                  <a:txBody>
-                    <a:bodyPr/>
-                    <a:lstStyle/>
-                    <a:p>
-                      <a:pPr marL="0" lvl="0" indent="0" algn="ctr" rtl="0">
-                        <a:spcBef>
-                          <a:spcPts val="0"/>
-                        </a:spcBef>
-                        <a:spcAft>
-                          <a:spcPts val="0"/>
-                        </a:spcAft>
-                        <a:buClr>
-                          <a:schemeClr val="dk1"/>
-                        </a:buClr>
-                        <a:buFont typeface="Arial"/>
-                        <a:buNone/>
-                      </a:pPr>
-                      <a:r>
-                        <a:rPr lang="en-US" sz="2700"/>
-                        <a:t>Título</a:t>
-                      </a:r>
-                      <a:endParaRPr/>
-                    </a:p>
-                  </a:txBody>
-                  <a:tcPr marL="121925" marR="121925" marT="34300" marB="34300" anchor="ctr">
-                    <a:solidFill>
-                      <a:srgbClr val="030340"/>
-                    </a:solidFill>
-                  </a:tcPr>
-                </a:tc>
-                <a:tc>
-                  <a:txBody>
-                    <a:bodyPr/>
-                    <a:lstStyle/>
-                    <a:p>
-                      <a:pPr marL="0" lvl="0" indent="0" algn="ctr" rtl="0">
-                        <a:spcBef>
-                          <a:spcPts val="0"/>
-                        </a:spcBef>
-                        <a:spcAft>
-                          <a:spcPts val="0"/>
-                        </a:spcAft>
-                        <a:buClr>
-                          <a:schemeClr val="dk1"/>
-                        </a:buClr>
-                        <a:buFont typeface="Arial"/>
-                        <a:buNone/>
-                      </a:pPr>
-                      <a:r>
-                        <a:rPr lang="en-US" sz="2700"/>
-                        <a:t>Título</a:t>
-                      </a:r>
-                      <a:endParaRPr/>
-                    </a:p>
-                  </a:txBody>
-                  <a:tcPr marL="121925" marR="121925" marT="34300" marB="34300" anchor="ctr">
-                    <a:solidFill>
-                      <a:srgbClr val="030340"/>
-                    </a:solidFill>
-                  </a:tcPr>
-                </a:tc>
-                <a:tc>
-                  <a:txBody>
-                    <a:bodyPr/>
-                    <a:lstStyle/>
-                    <a:p>
-                      <a:pPr marL="0" lvl="0" indent="0" algn="ctr" rtl="0">
-                        <a:spcBef>
-                          <a:spcPts val="0"/>
-                        </a:spcBef>
-                        <a:spcAft>
-                          <a:spcPts val="0"/>
-                        </a:spcAft>
-                        <a:buClr>
-                          <a:schemeClr val="dk1"/>
-                        </a:buClr>
-                        <a:buFont typeface="Arial"/>
-                        <a:buNone/>
-                      </a:pPr>
-                      <a:r>
-                        <a:rPr lang="en-US" sz="2700"/>
-                        <a:t>Título</a:t>
-                      </a:r>
-                      <a:endParaRPr/>
-                    </a:p>
-                  </a:txBody>
-                  <a:tcPr marL="121925" marR="121925" marT="34300" marB="34300" anchor="ctr">
-                    <a:solidFill>
-                      <a:srgbClr val="030340"/>
-                    </a:solidFill>
-                  </a:tcPr>
-                </a:tc>
-                <a:extLst>
-                  <a:ext uri="{0D108BD9-81ED-4DB2-BD59-A6C34878D82A}">
-                    <a16:rowId xmlns:a16="http://schemas.microsoft.com/office/drawing/2014/main" val="10000"/>
-                  </a:ext>
-                </a:extLst>
-              </a:tr>
-              <a:tr h="777125">
-                <a:tc>
-                  <a:txBody>
-                    <a:bodyPr/>
-                    <a:lstStyle/>
-                    <a:p>
-                      <a:pPr marL="0" marR="0" lvl="0" indent="0" algn="ctr" rtl="0">
-                        <a:spcBef>
-                          <a:spcPts val="0"/>
-                        </a:spcBef>
-                        <a:spcAft>
-                          <a:spcPts val="0"/>
-                        </a:spcAft>
-                        <a:buNone/>
-                      </a:pPr>
-                      <a:r>
-                        <a:rPr lang="en-US" sz="2700"/>
-                        <a:t>Item</a:t>
-                      </a:r>
-                      <a:endParaRPr/>
-                    </a:p>
-                  </a:txBody>
-                  <a:tcPr marL="121925" marR="121925" marT="34300" marB="34300" anchor="ctr"/>
-                </a:tc>
-                <a:tc>
-                  <a:txBody>
-                    <a:bodyPr/>
-                    <a:lstStyle/>
-                    <a:p>
-                      <a:pPr marL="0" marR="0" lvl="0" indent="0" algn="ctr" rtl="0">
-                        <a:spcBef>
-                          <a:spcPts val="0"/>
-                        </a:spcBef>
-                        <a:spcAft>
-                          <a:spcPts val="0"/>
-                        </a:spcAft>
-                        <a:buNone/>
-                      </a:pPr>
-                      <a:r>
-                        <a:rPr lang="en-US" sz="2700"/>
-                        <a:t>800</a:t>
-                      </a:r>
-                      <a:endParaRPr/>
-                    </a:p>
-                  </a:txBody>
-                  <a:tcPr marL="121925" marR="121925" marT="34300" marB="34300" anchor="ctr"/>
-                </a:tc>
-                <a:tc>
-                  <a:txBody>
-                    <a:bodyPr/>
-                    <a:lstStyle/>
-                    <a:p>
-                      <a:pPr marL="0" marR="0" lvl="0" indent="0" algn="ctr" rtl="0">
-                        <a:spcBef>
-                          <a:spcPts val="0"/>
-                        </a:spcBef>
-                        <a:spcAft>
-                          <a:spcPts val="0"/>
-                        </a:spcAft>
-                        <a:buNone/>
-                      </a:pPr>
-                      <a:r>
-                        <a:rPr lang="en-US" sz="2700"/>
-                        <a:t>790</a:t>
-                      </a:r>
-                      <a:endParaRPr/>
-                    </a:p>
-                  </a:txBody>
-                  <a:tcPr marL="121925" marR="121925" marT="34300" marB="34300" anchor="ctr"/>
-                </a:tc>
-                <a:tc>
-                  <a:txBody>
-                    <a:bodyPr/>
-                    <a:lstStyle/>
-                    <a:p>
-                      <a:pPr marL="0" marR="0" lvl="0" indent="0" algn="ctr" rtl="0">
-                        <a:spcBef>
-                          <a:spcPts val="0"/>
-                        </a:spcBef>
-                        <a:spcAft>
-                          <a:spcPts val="0"/>
-                        </a:spcAft>
-                        <a:buNone/>
-                      </a:pPr>
-                      <a:r>
-                        <a:rPr lang="en-US" sz="2700"/>
-                        <a:t>4001</a:t>
-                      </a:r>
-                      <a:endParaRPr/>
-                    </a:p>
-                  </a:txBody>
-                  <a:tcPr marL="121925" marR="121925" marT="34300" marB="34300" anchor="ctr"/>
-                </a:tc>
-                <a:extLst>
-                  <a:ext uri="{0D108BD9-81ED-4DB2-BD59-A6C34878D82A}">
-                    <a16:rowId xmlns:a16="http://schemas.microsoft.com/office/drawing/2014/main" val="10001"/>
-                  </a:ext>
-                </a:extLst>
-              </a:tr>
-              <a:tr h="777125">
-                <a:tc>
-                  <a:txBody>
-                    <a:bodyPr/>
-                    <a:lstStyle/>
-                    <a:p>
-                      <a:pPr marL="0" marR="0" lvl="0" indent="0" algn="ctr" rtl="0">
-                        <a:spcBef>
-                          <a:spcPts val="0"/>
-                        </a:spcBef>
-                        <a:spcAft>
-                          <a:spcPts val="0"/>
-                        </a:spcAft>
-                        <a:buNone/>
-                      </a:pPr>
-                      <a:r>
-                        <a:rPr lang="en-US" sz="2700"/>
-                        <a:t>Item</a:t>
-                      </a:r>
-                      <a:endParaRPr/>
-                    </a:p>
-                  </a:txBody>
-                  <a:tcPr marL="121925" marR="121925" marT="34300" marB="34300" anchor="ctr"/>
-                </a:tc>
-                <a:tc>
-                  <a:txBody>
-                    <a:bodyPr/>
-                    <a:lstStyle/>
-                    <a:p>
-                      <a:pPr marL="0" marR="0" lvl="0" indent="0" algn="ctr" rtl="0">
-                        <a:spcBef>
-                          <a:spcPts val="0"/>
-                        </a:spcBef>
-                        <a:spcAft>
-                          <a:spcPts val="0"/>
-                        </a:spcAft>
-                        <a:buNone/>
-                      </a:pPr>
-                      <a:r>
-                        <a:rPr lang="en-US" sz="2700"/>
-                        <a:t>356</a:t>
-                      </a:r>
-                      <a:endParaRPr/>
-                    </a:p>
-                  </a:txBody>
-                  <a:tcPr marL="121925" marR="121925" marT="34300" marB="34300" anchor="ctr"/>
-                </a:tc>
-                <a:tc>
-                  <a:txBody>
-                    <a:bodyPr/>
-                    <a:lstStyle/>
-                    <a:p>
-                      <a:pPr marL="0" marR="0" lvl="0" indent="0" algn="ctr" rtl="0">
-                        <a:spcBef>
-                          <a:spcPts val="0"/>
-                        </a:spcBef>
-                        <a:spcAft>
-                          <a:spcPts val="0"/>
-                        </a:spcAft>
-                        <a:buNone/>
-                      </a:pPr>
-                      <a:r>
-                        <a:rPr lang="en-US" sz="2700"/>
-                        <a:t>856</a:t>
-                      </a:r>
-                      <a:endParaRPr/>
-                    </a:p>
-                  </a:txBody>
-                  <a:tcPr marL="121925" marR="121925" marT="34300" marB="34300" anchor="ctr"/>
-                </a:tc>
-                <a:tc>
-                  <a:txBody>
-                    <a:bodyPr/>
-                    <a:lstStyle/>
-                    <a:p>
-                      <a:pPr marL="0" marR="0" lvl="0" indent="0" algn="ctr" rtl="0">
-                        <a:spcBef>
-                          <a:spcPts val="0"/>
-                        </a:spcBef>
-                        <a:spcAft>
-                          <a:spcPts val="0"/>
-                        </a:spcAft>
-                        <a:buNone/>
-                      </a:pPr>
-                      <a:r>
-                        <a:rPr lang="en-US" sz="2700"/>
-                        <a:t>290</a:t>
-                      </a:r>
-                      <a:endParaRPr/>
-                    </a:p>
-                  </a:txBody>
-                  <a:tcPr marL="121925" marR="121925" marT="34300" marB="34300" anchor="ctr"/>
-                </a:tc>
-                <a:extLst>
-                  <a:ext uri="{0D108BD9-81ED-4DB2-BD59-A6C34878D82A}">
-                    <a16:rowId xmlns:a16="http://schemas.microsoft.com/office/drawing/2014/main" val="10002"/>
-                  </a:ext>
-                </a:extLst>
-              </a:tr>
-              <a:tr h="777125">
-                <a:tc>
-                  <a:txBody>
-                    <a:bodyPr/>
-                    <a:lstStyle/>
-                    <a:p>
-                      <a:pPr marL="0" marR="0" lvl="0" indent="0" algn="ctr" rtl="0">
-                        <a:spcBef>
-                          <a:spcPts val="0"/>
-                        </a:spcBef>
-                        <a:spcAft>
-                          <a:spcPts val="0"/>
-                        </a:spcAft>
-                        <a:buNone/>
-                      </a:pPr>
-                      <a:r>
-                        <a:rPr lang="en-US" sz="2700"/>
-                        <a:t>Item</a:t>
-                      </a:r>
-                      <a:endParaRPr/>
-                    </a:p>
-                  </a:txBody>
-                  <a:tcPr marL="121925" marR="121925" marT="34300" marB="34300" anchor="ctr"/>
-                </a:tc>
-                <a:tc>
-                  <a:txBody>
-                    <a:bodyPr/>
-                    <a:lstStyle/>
-                    <a:p>
-                      <a:pPr marL="0" marR="0" lvl="0" indent="0" algn="ctr" rtl="0">
-                        <a:spcBef>
-                          <a:spcPts val="0"/>
-                        </a:spcBef>
-                        <a:spcAft>
-                          <a:spcPts val="0"/>
-                        </a:spcAft>
-                        <a:buNone/>
-                      </a:pPr>
-                      <a:r>
-                        <a:rPr lang="en-US" sz="2700"/>
-                        <a:t>228</a:t>
-                      </a:r>
-                      <a:endParaRPr/>
-                    </a:p>
-                  </a:txBody>
-                  <a:tcPr marL="121925" marR="121925" marT="34300" marB="34300" anchor="ctr"/>
-                </a:tc>
-                <a:tc>
-                  <a:txBody>
-                    <a:bodyPr/>
-                    <a:lstStyle/>
-                    <a:p>
-                      <a:pPr marL="0" marR="0" lvl="0" indent="0" algn="ctr" rtl="0">
-                        <a:spcBef>
-                          <a:spcPts val="0"/>
-                        </a:spcBef>
-                        <a:spcAft>
-                          <a:spcPts val="0"/>
-                        </a:spcAft>
-                        <a:buNone/>
-                      </a:pPr>
-                      <a:r>
-                        <a:rPr lang="en-US" sz="2700" dirty="0"/>
-                        <a:t>134</a:t>
-                      </a:r>
-                      <a:endParaRPr dirty="0"/>
-                    </a:p>
-                  </a:txBody>
-                  <a:tcPr marL="121925" marR="121925" marT="34300" marB="34300" anchor="ctr"/>
-                </a:tc>
-                <a:tc>
-                  <a:txBody>
-                    <a:bodyPr/>
-                    <a:lstStyle/>
-                    <a:p>
-                      <a:pPr marL="0" marR="0" lvl="0" indent="0" algn="ctr" rtl="0">
-                        <a:spcBef>
-                          <a:spcPts val="0"/>
-                        </a:spcBef>
-                        <a:spcAft>
-                          <a:spcPts val="0"/>
-                        </a:spcAft>
-                        <a:buNone/>
-                      </a:pPr>
-                      <a:r>
-                        <a:rPr lang="en-US" sz="2700"/>
-                        <a:t>238</a:t>
-                      </a:r>
-                      <a:endParaRPr/>
-                    </a:p>
-                  </a:txBody>
-                  <a:tcPr marL="121925" marR="121925" marT="34300" marB="34300" anchor="ctr"/>
-                </a:tc>
-                <a:extLst>
-                  <a:ext uri="{0D108BD9-81ED-4DB2-BD59-A6C34878D82A}">
-                    <a16:rowId xmlns:a16="http://schemas.microsoft.com/office/drawing/2014/main" val="10003"/>
-                  </a:ext>
-                </a:extLst>
-              </a:tr>
-              <a:tr h="777125">
-                <a:tc>
-                  <a:txBody>
-                    <a:bodyPr/>
-                    <a:lstStyle/>
-                    <a:p>
-                      <a:pPr marL="0" marR="0" lvl="0" indent="0" algn="ctr" rtl="0">
-                        <a:spcBef>
-                          <a:spcPts val="0"/>
-                        </a:spcBef>
-                        <a:spcAft>
-                          <a:spcPts val="0"/>
-                        </a:spcAft>
-                        <a:buNone/>
-                      </a:pPr>
-                      <a:r>
-                        <a:rPr lang="en-US" sz="2700"/>
-                        <a:t>Item</a:t>
-                      </a:r>
-                      <a:endParaRPr/>
-                    </a:p>
-                  </a:txBody>
-                  <a:tcPr marL="121925" marR="121925" marT="34300" marB="34300" anchor="ctr"/>
-                </a:tc>
-                <a:tc>
-                  <a:txBody>
-                    <a:bodyPr/>
-                    <a:lstStyle/>
-                    <a:p>
-                      <a:pPr marL="0" marR="0" lvl="0" indent="0" algn="ctr" rtl="0">
-                        <a:spcBef>
-                          <a:spcPts val="0"/>
-                        </a:spcBef>
-                        <a:spcAft>
-                          <a:spcPts val="0"/>
-                        </a:spcAft>
-                        <a:buNone/>
-                      </a:pPr>
-                      <a:r>
-                        <a:rPr lang="en-US" sz="2700"/>
-                        <a:t>954</a:t>
-                      </a:r>
-                      <a:endParaRPr/>
-                    </a:p>
-                  </a:txBody>
-                  <a:tcPr marL="121925" marR="121925" marT="34300" marB="34300" anchor="ctr"/>
-                </a:tc>
-                <a:tc>
-                  <a:txBody>
-                    <a:bodyPr/>
-                    <a:lstStyle/>
-                    <a:p>
-                      <a:pPr marL="0" marR="0" lvl="0" indent="0" algn="ctr" rtl="0">
-                        <a:spcBef>
-                          <a:spcPts val="0"/>
-                        </a:spcBef>
-                        <a:spcAft>
-                          <a:spcPts val="0"/>
-                        </a:spcAft>
-                        <a:buNone/>
-                      </a:pPr>
-                      <a:r>
-                        <a:rPr lang="en-US" sz="2700"/>
-                        <a:t>875</a:t>
-                      </a:r>
-                      <a:endParaRPr/>
-                    </a:p>
-                  </a:txBody>
-                  <a:tcPr marL="121925" marR="121925" marT="34300" marB="34300" anchor="ctr"/>
-                </a:tc>
-                <a:tc>
-                  <a:txBody>
-                    <a:bodyPr/>
-                    <a:lstStyle/>
-                    <a:p>
-                      <a:pPr marL="0" marR="0" lvl="0" indent="0" algn="ctr" rtl="0">
-                        <a:spcBef>
-                          <a:spcPts val="0"/>
-                        </a:spcBef>
-                        <a:spcAft>
-                          <a:spcPts val="0"/>
-                        </a:spcAft>
-                        <a:buNone/>
-                      </a:pPr>
-                      <a:r>
-                        <a:rPr lang="en-US" sz="2700"/>
-                        <a:t>976</a:t>
-                      </a:r>
-                      <a:endParaRPr/>
-                    </a:p>
-                  </a:txBody>
-                  <a:tcPr marL="121925" marR="121925" marT="34300" marB="34300" anchor="ctr"/>
-                </a:tc>
-                <a:extLst>
-                  <a:ext uri="{0D108BD9-81ED-4DB2-BD59-A6C34878D82A}">
-                    <a16:rowId xmlns:a16="http://schemas.microsoft.com/office/drawing/2014/main" val="10004"/>
-                  </a:ext>
-                </a:extLst>
-              </a:tr>
-              <a:tr h="777125">
-                <a:tc>
-                  <a:txBody>
-                    <a:bodyPr/>
-                    <a:lstStyle/>
-                    <a:p>
-                      <a:pPr marL="0" marR="0" lvl="0" indent="0" algn="ctr" rtl="0">
-                        <a:spcBef>
-                          <a:spcPts val="0"/>
-                        </a:spcBef>
-                        <a:spcAft>
-                          <a:spcPts val="0"/>
-                        </a:spcAft>
-                        <a:buNone/>
-                      </a:pPr>
-                      <a:r>
-                        <a:rPr lang="en-US" sz="2700"/>
-                        <a:t>Item</a:t>
-                      </a:r>
-                      <a:endParaRPr/>
-                    </a:p>
-                  </a:txBody>
-                  <a:tcPr marL="121925" marR="121925" marT="34300" marB="34300" anchor="ctr"/>
-                </a:tc>
-                <a:tc>
-                  <a:txBody>
-                    <a:bodyPr/>
-                    <a:lstStyle/>
-                    <a:p>
-                      <a:pPr marL="0" marR="0" lvl="0" indent="0" algn="ctr" rtl="0">
-                        <a:spcBef>
-                          <a:spcPts val="0"/>
-                        </a:spcBef>
-                        <a:spcAft>
-                          <a:spcPts val="0"/>
-                        </a:spcAft>
-                        <a:buNone/>
-                      </a:pPr>
-                      <a:r>
-                        <a:rPr lang="en-US" sz="2700"/>
-                        <a:t>324</a:t>
-                      </a:r>
-                      <a:endParaRPr/>
-                    </a:p>
-                  </a:txBody>
-                  <a:tcPr marL="121925" marR="121925" marT="34300" marB="34300" anchor="ctr"/>
-                </a:tc>
-                <a:tc>
-                  <a:txBody>
-                    <a:bodyPr/>
-                    <a:lstStyle/>
-                    <a:p>
-                      <a:pPr marL="0" marR="0" lvl="0" indent="0" algn="ctr" rtl="0">
-                        <a:spcBef>
-                          <a:spcPts val="0"/>
-                        </a:spcBef>
-                        <a:spcAft>
-                          <a:spcPts val="0"/>
-                        </a:spcAft>
-                        <a:buNone/>
-                      </a:pPr>
-                      <a:r>
-                        <a:rPr lang="en-US" sz="2700"/>
-                        <a:t>325</a:t>
-                      </a:r>
-                      <a:endParaRPr/>
-                    </a:p>
-                  </a:txBody>
-                  <a:tcPr marL="121925" marR="121925" marT="34300" marB="34300" anchor="ctr"/>
-                </a:tc>
-                <a:tc>
-                  <a:txBody>
-                    <a:bodyPr/>
-                    <a:lstStyle/>
-                    <a:p>
-                      <a:pPr marL="0" marR="0" lvl="0" indent="0" algn="ctr" rtl="0">
-                        <a:spcBef>
-                          <a:spcPts val="0"/>
-                        </a:spcBef>
-                        <a:spcAft>
-                          <a:spcPts val="0"/>
-                        </a:spcAft>
-                        <a:buNone/>
-                      </a:pPr>
-                      <a:r>
-                        <a:rPr lang="en-US" sz="2700"/>
-                        <a:t>301</a:t>
-                      </a:r>
-                      <a:endParaRPr/>
-                    </a:p>
-                  </a:txBody>
-                  <a:tcPr marL="121925" marR="121925" marT="34300" marB="34300" anchor="ctr"/>
-                </a:tc>
-                <a:extLst>
-                  <a:ext uri="{0D108BD9-81ED-4DB2-BD59-A6C34878D82A}">
-                    <a16:rowId xmlns:a16="http://schemas.microsoft.com/office/drawing/2014/main" val="10005"/>
-                  </a:ext>
-                </a:extLst>
-              </a:tr>
-              <a:tr h="777125">
-                <a:tc>
-                  <a:txBody>
-                    <a:bodyPr/>
-                    <a:lstStyle/>
-                    <a:p>
-                      <a:pPr marL="0" marR="0" lvl="0" indent="0" algn="ctr" rtl="0">
-                        <a:spcBef>
-                          <a:spcPts val="0"/>
-                        </a:spcBef>
-                        <a:spcAft>
-                          <a:spcPts val="0"/>
-                        </a:spcAft>
-                        <a:buNone/>
-                      </a:pPr>
-                      <a:r>
-                        <a:rPr lang="en-US" sz="2700"/>
-                        <a:t>Item</a:t>
-                      </a:r>
-                      <a:endParaRPr/>
-                    </a:p>
-                  </a:txBody>
-                  <a:tcPr marL="121925" marR="121925" marT="34300" marB="34300" anchor="ctr"/>
-                </a:tc>
-                <a:tc>
-                  <a:txBody>
-                    <a:bodyPr/>
-                    <a:lstStyle/>
-                    <a:p>
-                      <a:pPr marL="0" marR="0" lvl="0" indent="0" algn="ctr" rtl="0">
-                        <a:spcBef>
-                          <a:spcPts val="0"/>
-                        </a:spcBef>
-                        <a:spcAft>
-                          <a:spcPts val="0"/>
-                        </a:spcAft>
-                        <a:buNone/>
-                      </a:pPr>
-                      <a:r>
-                        <a:rPr lang="en-US" sz="2700"/>
-                        <a:t>199</a:t>
-                      </a:r>
-                      <a:endParaRPr/>
-                    </a:p>
-                  </a:txBody>
-                  <a:tcPr marL="121925" marR="121925" marT="34300" marB="34300" anchor="ctr"/>
-                </a:tc>
-                <a:tc>
-                  <a:txBody>
-                    <a:bodyPr/>
-                    <a:lstStyle/>
-                    <a:p>
-                      <a:pPr marL="0" marR="0" lvl="0" indent="0" algn="ctr" rtl="0">
-                        <a:spcBef>
-                          <a:spcPts val="0"/>
-                        </a:spcBef>
-                        <a:spcAft>
-                          <a:spcPts val="0"/>
-                        </a:spcAft>
-                        <a:buNone/>
-                      </a:pPr>
-                      <a:r>
-                        <a:rPr lang="en-US" sz="2700"/>
-                        <a:t>137</a:t>
-                      </a:r>
-                      <a:endParaRPr/>
-                    </a:p>
-                  </a:txBody>
-                  <a:tcPr marL="121925" marR="121925" marT="34300" marB="34300" anchor="ctr"/>
-                </a:tc>
-                <a:tc>
-                  <a:txBody>
-                    <a:bodyPr/>
-                    <a:lstStyle/>
-                    <a:p>
-                      <a:pPr marL="0" marR="0" lvl="0" indent="0" algn="ctr" rtl="0">
-                        <a:spcBef>
-                          <a:spcPts val="0"/>
-                        </a:spcBef>
-                        <a:spcAft>
-                          <a:spcPts val="0"/>
-                        </a:spcAft>
-                        <a:buNone/>
-                      </a:pPr>
-                      <a:r>
-                        <a:rPr lang="en-US" sz="2700" dirty="0"/>
-                        <a:t>186</a:t>
-                      </a:r>
-                      <a:endParaRPr dirty="0"/>
-                    </a:p>
-                  </a:txBody>
-                  <a:tcPr marL="121925" marR="121925" marT="34300" marB="34300" anchor="ctr"/>
-                </a:tc>
-                <a:extLst>
-                  <a:ext uri="{0D108BD9-81ED-4DB2-BD59-A6C34878D82A}">
-                    <a16:rowId xmlns:a16="http://schemas.microsoft.com/office/drawing/2014/main" val="10006"/>
-                  </a:ext>
-                </a:extLst>
-              </a:tr>
-            </a:tbl>
-          </a:graphicData>
-        </a:graphic>
-      </p:graphicFrame>
       <p:sp>
         <p:nvSpPr>
           <p:cNvPr id="57" name="Google Shape;57;p4"/>
@@ -7152,39 +7007,62 @@
           </a:bodyPr>
           <a:lstStyle/>
           <a:p>
-            <a:pPr marL="0" marR="0" lvl="0" indent="0" algn="just" rtl="0">
-              <a:spcBef>
-                <a:spcPts val="0"/>
-              </a:spcBef>
-              <a:spcAft>
-                <a:spcPts val="0"/>
-              </a:spcAft>
-              <a:buNone/>
-            </a:pPr>
-            <a:r>
-              <a:rPr lang="es-CO" sz="3200">
-                <a:solidFill>
-                  <a:schemeClr val="dk1"/>
-                </a:solidFill>
-                <a:latin typeface="Calibri"/>
-                <a:ea typeface="Calibri"/>
-                <a:cs typeface="Calibri"/>
-                <a:sym typeface="Calibri"/>
-              </a:rPr>
-              <a:t>Constituye la presentación de la pregunta ¿Por qué se ha hecho este trabajo?</a:t>
+            <a:pPr lvl="0" algn="just"/>
+            <a:r>
+              <a:rPr lang="es-ES" sz="3200" dirty="0">
+                <a:solidFill>
+                  <a:schemeClr val="dk1"/>
+                </a:solidFill>
+                <a:latin typeface="Calibri"/>
+                <a:ea typeface="Calibri"/>
+                <a:cs typeface="Calibri"/>
+                <a:sym typeface="Calibri"/>
+              </a:rPr>
+              <a:t>El propósito de este proyecto fue crear una inteligencia artificial que haga reconocimiento de voz</a:t>
             </a:r>
           </a:p>
           <a:p>
-            <a:pPr marL="0" marR="0" lvl="0" indent="0" algn="just" rtl="0">
-              <a:spcBef>
-                <a:spcPts val="0"/>
-              </a:spcBef>
-              <a:spcAft>
-                <a:spcPts val="0"/>
-              </a:spcAft>
-              <a:buNone/>
-            </a:pPr>
-            <a:endParaRPr lang="es-CO" sz="3200">
+            <a:pPr lvl="0" algn="just"/>
+            <a:r>
+              <a:rPr lang="es-ES" sz="3200" dirty="0">
+                <a:solidFill>
+                  <a:schemeClr val="dk1"/>
+                </a:solidFill>
+                <a:latin typeface="Calibri"/>
+                <a:ea typeface="Calibri"/>
+                <a:cs typeface="Calibri"/>
+                <a:sym typeface="Calibri"/>
+              </a:rPr>
+              <a:t>y a partir  de este registro identificar el genero biológico del  usuario, esta inteligencia va a ser entrenada para poder realizar dicho reconocimiento, también se entrenaron 2 redes neuronales, se usa un </a:t>
+            </a:r>
+            <a:r>
+              <a:rPr lang="es-ES" sz="3200" dirty="0" err="1">
+                <a:solidFill>
+                  <a:schemeClr val="dk1"/>
+                </a:solidFill>
+                <a:latin typeface="Calibri"/>
+                <a:ea typeface="Calibri"/>
+                <a:cs typeface="Calibri"/>
+                <a:sym typeface="Calibri"/>
+              </a:rPr>
+              <a:t>csv</a:t>
+            </a:r>
+            <a:r>
+              <a:rPr lang="es-ES" sz="3200" dirty="0">
+                <a:solidFill>
+                  <a:schemeClr val="dk1"/>
+                </a:solidFill>
+                <a:latin typeface="Calibri"/>
+                <a:ea typeface="Calibri"/>
+                <a:cs typeface="Calibri"/>
+                <a:sym typeface="Calibri"/>
+              </a:rPr>
+              <a:t> anteriormente descargado.</a:t>
+            </a:r>
+          </a:p>
+          <a:p>
+            <a:pPr lvl="0" algn="just"/>
+            <a:endParaRPr lang="es-ES" sz="3200" dirty="0">
               <a:solidFill>
                 <a:schemeClr val="dk1"/>
               </a:solidFill>
@@ -7195,39 +7073,197 @@
             </a:endParaRPr>
           </a:p>
           <a:p>
-            <a:pPr marL="0" marR="0" lvl="0" indent="0" algn="just" rtl="0">
-              <a:spcBef>
-                <a:spcPts val="0"/>
-              </a:spcBef>
-              <a:spcAft>
-                <a:spcPts val="0"/>
-              </a:spcAft>
-              <a:buNone/>
-            </a:pPr>
-            <a:r>
-              <a:rPr lang="es-CO" sz="3200">
-                <a:solidFill>
-                  <a:schemeClr val="dk1"/>
-                </a:solidFill>
-                <a:latin typeface="Calibri"/>
-                <a:ea typeface="Calibri"/>
-                <a:cs typeface="Calibri"/>
-                <a:sym typeface="Calibri"/>
-              </a:rPr>
-              <a:t>La introducción informa tres elementos muy importantes de la investigación: el propósito, la importancia y el conocimiento actual del tema. Requiere que el autor establezca el marco contextual en el que se inserta el problema que se va a resolver, qué es lo que se sabe acerca del asunto en cuestión, qué es lo que se desconoce y qué representaría desde el punto de vista científico, tecnológico, económico y social conocer lo que no se sabe. Esta construcción de lo general a lo particular concluye evidentemente con el objetivo, la hipótesis de trabajo o ambos, que son los elementos con los que debe finalizar este apartado.</a:t>
+            <a:pPr lvl="0" algn="just"/>
+            <a:r>
+              <a:rPr lang="es-ES" sz="3200" dirty="0">
+                <a:solidFill>
+                  <a:schemeClr val="dk1"/>
+                </a:solidFill>
+                <a:latin typeface="Calibri"/>
+                <a:ea typeface="Calibri"/>
+                <a:cs typeface="Calibri"/>
+                <a:sym typeface="Calibri"/>
+              </a:rPr>
+              <a:t>Se utilizará un </a:t>
+            </a:r>
+            <a:r>
+              <a:rPr lang="es-ES" sz="3200" dirty="0" err="1">
+                <a:solidFill>
+                  <a:schemeClr val="dk1"/>
+                </a:solidFill>
+                <a:latin typeface="Calibri"/>
+                <a:ea typeface="Calibri"/>
+                <a:cs typeface="Calibri"/>
+                <a:sym typeface="Calibri"/>
+              </a:rPr>
+              <a:t>dataset</a:t>
+            </a:r>
+            <a:r>
+              <a:rPr lang="es-ES" sz="3200" dirty="0">
+                <a:solidFill>
+                  <a:schemeClr val="dk1"/>
+                </a:solidFill>
+                <a:latin typeface="Calibri"/>
+                <a:ea typeface="Calibri"/>
+                <a:cs typeface="Calibri"/>
+                <a:sym typeface="Calibri"/>
+              </a:rPr>
+              <a:t> que contiene las propiedades acústicas de la voz y </a:t>
+            </a:r>
+            <a:r>
+              <a:rPr lang="es-ES" sz="3200" dirty="0" err="1">
+                <a:solidFill>
+                  <a:schemeClr val="dk1"/>
+                </a:solidFill>
+                <a:latin typeface="Calibri"/>
+                <a:ea typeface="Calibri"/>
+                <a:cs typeface="Calibri"/>
+                <a:sym typeface="Calibri"/>
+              </a:rPr>
+              <a:t>speech</a:t>
+            </a:r>
+            <a:r>
+              <a:rPr lang="es-ES" sz="3200" dirty="0">
+                <a:solidFill>
+                  <a:schemeClr val="dk1"/>
+                </a:solidFill>
+                <a:latin typeface="Calibri"/>
+                <a:ea typeface="Calibri"/>
+                <a:cs typeface="Calibri"/>
+                <a:sym typeface="Calibri"/>
+              </a:rPr>
+              <a:t>, el </a:t>
+            </a:r>
+            <a:r>
+              <a:rPr lang="es-ES" sz="3200" dirty="0" err="1">
+                <a:solidFill>
+                  <a:schemeClr val="dk1"/>
+                </a:solidFill>
+                <a:latin typeface="Calibri"/>
+                <a:ea typeface="Calibri"/>
+                <a:cs typeface="Calibri"/>
+                <a:sym typeface="Calibri"/>
+              </a:rPr>
+              <a:t>dataset</a:t>
+            </a:r>
+            <a:r>
+              <a:rPr lang="es-ES" sz="3200" dirty="0">
+                <a:solidFill>
+                  <a:schemeClr val="dk1"/>
+                </a:solidFill>
+                <a:latin typeface="Calibri"/>
+                <a:ea typeface="Calibri"/>
+                <a:cs typeface="Calibri"/>
+                <a:sym typeface="Calibri"/>
+              </a:rPr>
+              <a:t> está</a:t>
             </a:r>
           </a:p>
           <a:p>
-            <a:pPr marL="0" marR="0" lvl="0" indent="0" algn="just" rtl="0">
-              <a:spcBef>
-                <a:spcPts val="0"/>
-              </a:spcBef>
-              <a:spcAft>
-                <a:spcPts val="0"/>
-              </a:spcAft>
-              <a:buNone/>
-            </a:pPr>
-            <a:endParaRPr lang="es-CO" sz="3200">
+            <a:pPr lvl="0" algn="just"/>
+            <a:r>
+              <a:rPr lang="es-ES" sz="3200" dirty="0">
+                <a:solidFill>
+                  <a:schemeClr val="dk1"/>
+                </a:solidFill>
+                <a:latin typeface="Calibri"/>
+                <a:ea typeface="Calibri"/>
+                <a:cs typeface="Calibri"/>
+                <a:sym typeface="Calibri"/>
+              </a:rPr>
+              <a:t>compuesto de 3,168 muestras de voz, recolectadas de hombres y mujeres. Las muestras de voz fueron</a:t>
+            </a:r>
+          </a:p>
+          <a:p>
+            <a:pPr lvl="0" algn="just"/>
+            <a:r>
+              <a:rPr lang="es-ES" sz="3200" dirty="0">
+                <a:solidFill>
+                  <a:schemeClr val="dk1"/>
+                </a:solidFill>
+                <a:latin typeface="Calibri"/>
+                <a:ea typeface="Calibri"/>
+                <a:cs typeface="Calibri"/>
+                <a:sym typeface="Calibri"/>
+              </a:rPr>
+              <a:t>pre-procesadas mediante un análisis acústico en R usando los paquetes </a:t>
+            </a:r>
+            <a:r>
+              <a:rPr lang="es-ES" sz="3200" dirty="0" err="1">
+                <a:solidFill>
+                  <a:schemeClr val="dk1"/>
+                </a:solidFill>
+                <a:latin typeface="Calibri"/>
+                <a:ea typeface="Calibri"/>
+                <a:cs typeface="Calibri"/>
+                <a:sym typeface="Calibri"/>
+              </a:rPr>
+              <a:t>seewave</a:t>
+            </a:r>
+            <a:r>
+              <a:rPr lang="es-ES" sz="3200" dirty="0">
+                <a:solidFill>
+                  <a:schemeClr val="dk1"/>
+                </a:solidFill>
+                <a:latin typeface="Calibri"/>
+                <a:ea typeface="Calibri"/>
+                <a:cs typeface="Calibri"/>
+                <a:sym typeface="Calibri"/>
+              </a:rPr>
+              <a:t> y </a:t>
+            </a:r>
+            <a:r>
+              <a:rPr lang="es-ES" sz="3200" dirty="0" err="1">
+                <a:solidFill>
+                  <a:schemeClr val="dk1"/>
+                </a:solidFill>
+                <a:latin typeface="Calibri"/>
+                <a:ea typeface="Calibri"/>
+                <a:cs typeface="Calibri"/>
+                <a:sym typeface="Calibri"/>
+              </a:rPr>
+              <a:t>TuneR</a:t>
+            </a:r>
+            <a:r>
+              <a:rPr lang="es-ES" sz="3200" dirty="0">
+                <a:solidFill>
+                  <a:schemeClr val="dk1"/>
+                </a:solidFill>
+                <a:latin typeface="Calibri"/>
+                <a:ea typeface="Calibri"/>
+                <a:cs typeface="Calibri"/>
+                <a:sym typeface="Calibri"/>
+              </a:rPr>
+              <a:t>, con un rango</a:t>
+            </a:r>
+          </a:p>
+          <a:p>
+            <a:pPr lvl="0" algn="just"/>
+            <a:r>
+              <a:rPr lang="es-ES" sz="3200" dirty="0">
+                <a:solidFill>
+                  <a:schemeClr val="dk1"/>
+                </a:solidFill>
+                <a:latin typeface="Calibri"/>
+                <a:ea typeface="Calibri"/>
+                <a:cs typeface="Calibri"/>
+                <a:sym typeface="Calibri"/>
+              </a:rPr>
+              <a:t>de frecuencia de 0hz-280hz.(Rango de voz humana). Se entrenaran 4 clasificadores de machine </a:t>
+            </a:r>
+            <a:r>
+              <a:rPr lang="es-ES" sz="3200" dirty="0" err="1">
+                <a:solidFill>
+                  <a:schemeClr val="dk1"/>
+                </a:solidFill>
+                <a:latin typeface="Calibri"/>
+                <a:ea typeface="Calibri"/>
+                <a:cs typeface="Calibri"/>
+                <a:sym typeface="Calibri"/>
+              </a:rPr>
+              <a:t>learning</a:t>
+            </a:r>
+            <a:endParaRPr lang="es-ES" sz="3200" dirty="0">
               <a:solidFill>
                 <a:schemeClr val="dk1"/>
               </a:solidFill>
@@ -7238,69 +7274,375 @@
             </a:endParaRPr>
           </a:p>
           <a:p>
-            <a:pPr marL="0" marR="0" lvl="0" indent="0" algn="just" rtl="0">
-              <a:spcBef>
-                <a:spcPts val="0"/>
-              </a:spcBef>
-              <a:spcAft>
-                <a:spcPts val="0"/>
-              </a:spcAft>
-              <a:buNone/>
-            </a:pPr>
-            <a:r>
-              <a:rPr lang="es-CO" sz="3200">
-                <a:solidFill>
-                  <a:schemeClr val="dk1"/>
-                </a:solidFill>
-                <a:latin typeface="Calibri"/>
-                <a:ea typeface="Calibri"/>
-                <a:cs typeface="Calibri"/>
-                <a:sym typeface="Calibri"/>
-              </a:rPr>
-              <a:t>Esta sección es una forma de atraer al lector y darle la mayor información posible. No obstante debe ser breve y concisa. El texto debe ser claro y objetivo evitando la redundancia natural del idioma español y las figuras literarias.</a:t>
+            <a:pPr lvl="0" algn="just"/>
+            <a:r>
+              <a:rPr lang="es-ES" sz="3200" dirty="0">
+                <a:solidFill>
+                  <a:schemeClr val="dk1"/>
+                </a:solidFill>
+                <a:latin typeface="Calibri"/>
+                <a:ea typeface="Calibri"/>
+                <a:cs typeface="Calibri"/>
+                <a:sym typeface="Calibri"/>
+              </a:rPr>
+              <a:t>(</a:t>
+            </a:r>
+            <a:r>
+              <a:rPr lang="es-ES" sz="3200" dirty="0" err="1">
+                <a:solidFill>
+                  <a:schemeClr val="dk1"/>
+                </a:solidFill>
+                <a:latin typeface="Calibri"/>
+                <a:ea typeface="Calibri"/>
+                <a:cs typeface="Calibri"/>
+                <a:sym typeface="Calibri"/>
+              </a:rPr>
+              <a:t>Naive</a:t>
+            </a:r>
+            <a:r>
+              <a:rPr lang="es-ES" sz="3200" dirty="0">
+                <a:solidFill>
+                  <a:schemeClr val="dk1"/>
+                </a:solidFill>
+                <a:latin typeface="Calibri"/>
+                <a:ea typeface="Calibri"/>
+                <a:cs typeface="Calibri"/>
+                <a:sym typeface="Calibri"/>
+              </a:rPr>
+              <a:t> </a:t>
+            </a:r>
+            <a:r>
+              <a:rPr lang="es-ES" sz="3200" dirty="0" err="1">
+                <a:solidFill>
+                  <a:schemeClr val="dk1"/>
+                </a:solidFill>
+                <a:latin typeface="Calibri"/>
+                <a:ea typeface="Calibri"/>
+                <a:cs typeface="Calibri"/>
+                <a:sym typeface="Calibri"/>
+              </a:rPr>
+              <a:t>Bayes</a:t>
+            </a:r>
+            <a:r>
+              <a:rPr lang="es-ES" sz="3200" dirty="0">
+                <a:solidFill>
+                  <a:schemeClr val="dk1"/>
+                </a:solidFill>
+                <a:latin typeface="Calibri"/>
+                <a:ea typeface="Calibri"/>
+                <a:cs typeface="Calibri"/>
+                <a:sym typeface="Calibri"/>
+              </a:rPr>
+              <a:t> </a:t>
+            </a:r>
+            <a:r>
+              <a:rPr lang="es-ES" sz="3200" dirty="0" err="1">
+                <a:solidFill>
+                  <a:schemeClr val="dk1"/>
+                </a:solidFill>
+                <a:latin typeface="Calibri"/>
+                <a:ea typeface="Calibri"/>
+                <a:cs typeface="Calibri"/>
+                <a:sym typeface="Calibri"/>
+              </a:rPr>
+              <a:t>classifier</a:t>
+            </a:r>
+            <a:r>
+              <a:rPr lang="es-ES" sz="3200" dirty="0">
+                <a:solidFill>
+                  <a:schemeClr val="dk1"/>
+                </a:solidFill>
+                <a:latin typeface="Calibri"/>
+                <a:ea typeface="Calibri"/>
+                <a:cs typeface="Calibri"/>
+                <a:sym typeface="Calibri"/>
+              </a:rPr>
+              <a:t>, </a:t>
+            </a:r>
+            <a:r>
+              <a:rPr lang="es-ES" sz="3200" dirty="0" err="1">
+                <a:solidFill>
+                  <a:schemeClr val="dk1"/>
+                </a:solidFill>
+                <a:latin typeface="Calibri"/>
+                <a:ea typeface="Calibri"/>
+                <a:cs typeface="Calibri"/>
+                <a:sym typeface="Calibri"/>
+              </a:rPr>
+              <a:t>Support</a:t>
+            </a:r>
+            <a:r>
+              <a:rPr lang="es-ES" sz="3200" dirty="0">
+                <a:solidFill>
+                  <a:schemeClr val="dk1"/>
+                </a:solidFill>
+                <a:latin typeface="Calibri"/>
+                <a:ea typeface="Calibri"/>
+                <a:cs typeface="Calibri"/>
+                <a:sym typeface="Calibri"/>
+              </a:rPr>
+              <a:t> vector machine, </a:t>
+            </a:r>
+            <a:r>
+              <a:rPr lang="es-ES" sz="3200" dirty="0" err="1">
+                <a:solidFill>
+                  <a:schemeClr val="dk1"/>
+                </a:solidFill>
+                <a:latin typeface="Calibri"/>
+                <a:ea typeface="Calibri"/>
+                <a:cs typeface="Calibri"/>
+                <a:sym typeface="Calibri"/>
+              </a:rPr>
+              <a:t>Decision</a:t>
+            </a:r>
+            <a:r>
+              <a:rPr lang="es-ES" sz="3200" dirty="0">
+                <a:solidFill>
+                  <a:schemeClr val="dk1"/>
+                </a:solidFill>
+                <a:latin typeface="Calibri"/>
+                <a:ea typeface="Calibri"/>
+                <a:cs typeface="Calibri"/>
+                <a:sym typeface="Calibri"/>
+              </a:rPr>
+              <a:t> </a:t>
+            </a:r>
+            <a:r>
+              <a:rPr lang="es-ES" sz="3200" dirty="0" err="1">
+                <a:solidFill>
+                  <a:schemeClr val="dk1"/>
+                </a:solidFill>
+                <a:latin typeface="Calibri"/>
+                <a:ea typeface="Calibri"/>
+                <a:cs typeface="Calibri"/>
+                <a:sym typeface="Calibri"/>
+              </a:rPr>
+              <a:t>tree</a:t>
+            </a:r>
+            <a:r>
+              <a:rPr lang="es-ES" sz="3200" dirty="0">
+                <a:solidFill>
+                  <a:schemeClr val="dk1"/>
+                </a:solidFill>
+                <a:latin typeface="Calibri"/>
+                <a:ea typeface="Calibri"/>
+                <a:cs typeface="Calibri"/>
+                <a:sym typeface="Calibri"/>
+              </a:rPr>
+              <a:t> y </a:t>
+            </a:r>
+            <a:r>
+              <a:rPr lang="es-ES" sz="3200" dirty="0" err="1">
+                <a:solidFill>
+                  <a:schemeClr val="dk1"/>
+                </a:solidFill>
+                <a:latin typeface="Calibri"/>
+                <a:ea typeface="Calibri"/>
+                <a:cs typeface="Calibri"/>
+                <a:sym typeface="Calibri"/>
+              </a:rPr>
+              <a:t>Random</a:t>
+            </a:r>
+            <a:r>
+              <a:rPr lang="es-ES" sz="3200" dirty="0">
+                <a:solidFill>
+                  <a:schemeClr val="dk1"/>
+                </a:solidFill>
+                <a:latin typeface="Calibri"/>
+                <a:ea typeface="Calibri"/>
+                <a:cs typeface="Calibri"/>
+                <a:sym typeface="Calibri"/>
+              </a:rPr>
+              <a:t> </a:t>
+            </a:r>
+            <a:r>
+              <a:rPr lang="es-ES" sz="3200" dirty="0" err="1">
+                <a:solidFill>
+                  <a:schemeClr val="dk1"/>
+                </a:solidFill>
+                <a:latin typeface="Calibri"/>
+                <a:ea typeface="Calibri"/>
+                <a:cs typeface="Calibri"/>
+                <a:sym typeface="Calibri"/>
+              </a:rPr>
+              <a:t>Forest</a:t>
+            </a:r>
+            <a:r>
+              <a:rPr lang="es-ES" sz="3200" dirty="0">
+                <a:solidFill>
+                  <a:schemeClr val="dk1"/>
+                </a:solidFill>
+                <a:latin typeface="Calibri"/>
+                <a:ea typeface="Calibri"/>
+                <a:cs typeface="Calibri"/>
+                <a:sym typeface="Calibri"/>
+              </a:rPr>
+              <a:t>) y se determinara cual</a:t>
             </a:r>
           </a:p>
           <a:p>
-            <a:pPr marL="0" marR="0" lvl="0" indent="0" algn="just" rtl="0">
-              <a:spcBef>
-                <a:spcPts val="0"/>
-              </a:spcBef>
-              <a:spcAft>
-                <a:spcPts val="0"/>
-              </a:spcAft>
-              <a:buNone/>
-            </a:pPr>
-            <a:endParaRPr lang="es-CO" sz="3200">
-              <a:solidFill>
-                <a:schemeClr val="dk1"/>
-              </a:solidFill>
-              <a:latin typeface="Calibri"/>
-              <a:ea typeface="Calibri"/>
-              <a:cs typeface="Calibri"/>
-              <a:sym typeface="Calibri"/>
-            </a:endParaRPr>
+            <a:pPr lvl="0" algn="just"/>
+            <a:r>
+              <a:rPr lang="es-ES" sz="3200" dirty="0">
+                <a:solidFill>
+                  <a:schemeClr val="dk1"/>
+                </a:solidFill>
+                <a:latin typeface="Calibri"/>
+                <a:ea typeface="Calibri"/>
+                <a:cs typeface="Calibri"/>
+                <a:sym typeface="Calibri"/>
+              </a:rPr>
+              <a:t>obtiene el mejor puntaje de </a:t>
+            </a:r>
+            <a:r>
+              <a:rPr lang="es-ES" sz="3200" dirty="0" err="1">
+                <a:solidFill>
+                  <a:schemeClr val="dk1"/>
+                </a:solidFill>
+                <a:latin typeface="Calibri"/>
+                <a:ea typeface="Calibri"/>
+                <a:cs typeface="Calibri"/>
+                <a:sym typeface="Calibri"/>
+              </a:rPr>
+              <a:t>clasificacion</a:t>
+            </a:r>
+            <a:r>
+              <a:rPr lang="es-ES" sz="3200" dirty="0">
+                <a:solidFill>
+                  <a:schemeClr val="dk1"/>
+                </a:solidFill>
+                <a:latin typeface="Calibri"/>
+                <a:ea typeface="Calibri"/>
+                <a:cs typeface="Calibri"/>
+                <a:sym typeface="Calibri"/>
+              </a:rPr>
+              <a:t> y  por lo tanto mejor </a:t>
+            </a:r>
+            <a:r>
+              <a:rPr lang="es-ES" sz="3200" dirty="0" err="1">
+                <a:solidFill>
+                  <a:schemeClr val="dk1"/>
+                </a:solidFill>
+                <a:latin typeface="Calibri"/>
+                <a:ea typeface="Calibri"/>
+                <a:cs typeface="Calibri"/>
+                <a:sym typeface="Calibri"/>
+              </a:rPr>
+              <a:t>clasificacion</a:t>
+            </a:r>
+            <a:r>
+              <a:rPr lang="es-ES" sz="3200" dirty="0">
+                <a:solidFill>
+                  <a:schemeClr val="dk1"/>
+                </a:solidFill>
+                <a:latin typeface="Calibri"/>
+                <a:ea typeface="Calibri"/>
+                <a:cs typeface="Calibri"/>
+                <a:sym typeface="Calibri"/>
+              </a:rPr>
+              <a:t> del </a:t>
+            </a:r>
+            <a:r>
+              <a:rPr lang="es-ES" sz="3200" dirty="0" err="1">
+                <a:solidFill>
+                  <a:schemeClr val="dk1"/>
+                </a:solidFill>
+                <a:latin typeface="Calibri"/>
+                <a:ea typeface="Calibri"/>
+                <a:cs typeface="Calibri"/>
+                <a:sym typeface="Calibri"/>
+              </a:rPr>
+              <a:t>dataset</a:t>
+            </a:r>
+            <a:r>
+              <a:rPr lang="es-ES" sz="3200" dirty="0">
+                <a:solidFill>
+                  <a:schemeClr val="dk1"/>
+                </a:solidFill>
+                <a:latin typeface="Calibri"/>
+                <a:ea typeface="Calibri"/>
+                <a:cs typeface="Calibri"/>
+                <a:sym typeface="Calibri"/>
+              </a:rPr>
+              <a:t>.</a:t>
+            </a:r>
           </a:p>
           <a:p>
-            <a:pPr marL="0" marR="0" lvl="0" indent="0" algn="just" rtl="0">
-              <a:spcBef>
-                <a:spcPts val="0"/>
-              </a:spcBef>
-              <a:spcAft>
-                <a:spcPts val="0"/>
-              </a:spcAft>
-              <a:buNone/>
-            </a:pPr>
-            <a:r>
-              <a:rPr lang="es-CO" sz="3200">
-                <a:solidFill>
-                  <a:schemeClr val="dk1"/>
-                </a:solidFill>
-                <a:latin typeface="Calibri"/>
-                <a:ea typeface="Calibri"/>
-                <a:cs typeface="Calibri"/>
-                <a:sym typeface="Calibri"/>
-              </a:rPr>
-              <a:t>Esta sección se debe redactar en tiempo presente.</a:t>
+            <a:pPr lvl="0" algn="just"/>
+            <a:r>
+              <a:rPr lang="es-ES" sz="3200" dirty="0">
+                <a:solidFill>
+                  <a:schemeClr val="dk1"/>
+                </a:solidFill>
+                <a:latin typeface="Calibri"/>
+                <a:ea typeface="Calibri"/>
+                <a:cs typeface="Calibri"/>
+                <a:sym typeface="Calibri"/>
+              </a:rPr>
+              <a:t>También se entraron 2 redes neuronales para poder clasificar, una red con más capas y con menos </a:t>
+            </a:r>
+          </a:p>
+          <a:p>
+            <a:pPr lvl="0" algn="just"/>
+            <a:r>
+              <a:rPr lang="es-ES" sz="3200" dirty="0" err="1">
+                <a:solidFill>
+                  <a:schemeClr val="dk1"/>
+                </a:solidFill>
+                <a:latin typeface="Calibri"/>
+                <a:ea typeface="Calibri"/>
+                <a:cs typeface="Calibri"/>
+                <a:sym typeface="Calibri"/>
+              </a:rPr>
+              <a:t>epochs</a:t>
+            </a:r>
+            <a:r>
+              <a:rPr lang="es-ES" sz="3200" dirty="0">
+                <a:solidFill>
+                  <a:schemeClr val="dk1"/>
+                </a:solidFill>
+                <a:latin typeface="Calibri"/>
+                <a:ea typeface="Calibri"/>
+                <a:cs typeface="Calibri"/>
+                <a:sym typeface="Calibri"/>
+              </a:rPr>
+              <a:t> (numero de iteraciones) mientras que la otra con menos capas y más </a:t>
+            </a:r>
+            <a:r>
+              <a:rPr lang="es-ES" sz="3200" dirty="0" err="1">
+                <a:solidFill>
+                  <a:schemeClr val="dk1"/>
+                </a:solidFill>
+                <a:latin typeface="Calibri"/>
+                <a:ea typeface="Calibri"/>
+                <a:cs typeface="Calibri"/>
+                <a:sym typeface="Calibri"/>
+              </a:rPr>
+              <a:t>epochs</a:t>
+            </a:r>
+            <a:r>
+              <a:rPr lang="es-ES" sz="3200" dirty="0">
+                <a:solidFill>
+                  <a:schemeClr val="dk1"/>
+                </a:solidFill>
+                <a:latin typeface="Calibri"/>
+                <a:ea typeface="Calibri"/>
+                <a:cs typeface="Calibri"/>
+                <a:sym typeface="Calibri"/>
+              </a:rPr>
+              <a:t> </a:t>
+            </a:r>
+            <a:r>
+              <a:rPr lang="es-CO" sz="3200" dirty="0">
+                <a:solidFill>
+                  <a:schemeClr val="dk1"/>
+                </a:solidFill>
+                <a:latin typeface="Calibri"/>
+                <a:ea typeface="Calibri"/>
+                <a:cs typeface="Calibri"/>
+                <a:sym typeface="Calibri"/>
+              </a:rPr>
+              <a:t>.</a:t>
             </a:r>
           </a:p>
         </p:txBody>
@@ -7363,76 +7705,16 @@
           </a:p>
         </p:txBody>
       </p:sp>
-      <p:pic>
-        <p:nvPicPr>
-          <p:cNvPr id="59" name="Google Shape;59;p4" descr="Picture1"/>
-          <p:cNvPicPr preferRelativeResize="0"/>
-          <p:nvPr/>
-        </p:nvPicPr>
-        <p:blipFill rotWithShape="1">
-          <a:blip r:embed="rId3">
-            <a:alphaModFix/>
-          </a:blip>
-          <a:srcRect/>
-          <a:stretch/>
-        </p:blipFill>
-        <p:spPr>
-          <a:xfrm>
-            <a:off x="22882909" y="8458138"/>
-            <a:ext cx="4114800" cy="2848707"/>
-          </a:xfrm>
-          <a:prstGeom prst="rect">
-            <a:avLst/>
-          </a:prstGeom>
-          <a:noFill/>
-          <a:ln w="9525" cap="flat" cmpd="sng">
-            <a:solidFill>
-              <a:srgbClr val="0F243E"/>
-            </a:solidFill>
-            <a:prstDash val="solid"/>
-            <a:miter lim="800000"/>
-            <a:headEnd type="none" w="sm" len="sm"/>
-            <a:tailEnd type="none" w="sm" len="sm"/>
-          </a:ln>
-        </p:spPr>
-      </p:pic>
-      <p:pic>
-        <p:nvPicPr>
-          <p:cNvPr id="60" name="Google Shape;60;p4" descr="Picture2"/>
-          <p:cNvPicPr preferRelativeResize="0"/>
-          <p:nvPr/>
-        </p:nvPicPr>
-        <p:blipFill rotWithShape="1">
-          <a:blip r:embed="rId4">
-            <a:alphaModFix/>
-          </a:blip>
-          <a:srcRect/>
-          <a:stretch/>
-        </p:blipFill>
-        <p:spPr>
-          <a:xfrm>
-            <a:off x="27759709" y="8458200"/>
-            <a:ext cx="4114800" cy="2848812"/>
-          </a:xfrm>
-          <a:prstGeom prst="rect">
-            <a:avLst/>
-          </a:prstGeom>
-          <a:noFill/>
-          <a:ln>
-            <a:noFill/>
-          </a:ln>
-        </p:spPr>
-      </p:pic>
       <p:sp>
         <p:nvSpPr>
-          <p:cNvPr id="61" name="Google Shape;61;p4"/>
+          <p:cNvPr id="63" name="Google Shape;63;p4"/>
           <p:cNvSpPr txBox="1"/>
           <p:nvPr/>
         </p:nvSpPr>
         <p:spPr>
           <a:xfrm>
-            <a:off x="22839373" y="11513095"/>
-            <a:ext cx="3847800" cy="438600"/>
+            <a:off x="11521440" y="22067536"/>
+            <a:ext cx="4531360" cy="438569"/>
           </a:xfrm>
           <a:prstGeom prst="rect">
             <a:avLst/>
@@ -7458,184 +7740,81 @@
               <a:buNone/>
             </a:pPr>
             <a:r>
-              <a:rPr lang="en-US" sz="2400" b="1">
-                <a:solidFill>
-                  <a:schemeClr val="dk1"/>
-                </a:solidFill>
-                <a:latin typeface="Calibri"/>
-                <a:ea typeface="Calibri"/>
-                <a:cs typeface="Calibri"/>
-                <a:sym typeface="Calibri"/>
-              </a:rPr>
-              <a:t>Figura 1.</a:t>
-            </a:r>
-            <a:r>
-              <a:rPr lang="en-US" sz="2400">
-                <a:solidFill>
-                  <a:schemeClr val="dk1"/>
-                </a:solidFill>
-                <a:latin typeface="Calibri"/>
-                <a:ea typeface="Calibri"/>
-                <a:cs typeface="Calibri"/>
-                <a:sym typeface="Calibri"/>
-              </a:rPr>
-              <a:t> Título</a:t>
-            </a:r>
-            <a:endParaRPr/>
+              <a:rPr lang="en-US" sz="2400" b="1" dirty="0" err="1">
+                <a:solidFill>
+                  <a:schemeClr val="dk1"/>
+                </a:solidFill>
+                <a:latin typeface="Calibri"/>
+                <a:ea typeface="Calibri"/>
+                <a:cs typeface="Calibri"/>
+                <a:sym typeface="Calibri"/>
+              </a:rPr>
+              <a:t>Tabla</a:t>
+            </a:r>
+            <a:r>
+              <a:rPr lang="en-US" sz="2400" b="1" dirty="0">
+                <a:solidFill>
+                  <a:schemeClr val="dk1"/>
+                </a:solidFill>
+                <a:latin typeface="Calibri"/>
+                <a:ea typeface="Calibri"/>
+                <a:cs typeface="Calibri"/>
+                <a:sym typeface="Calibri"/>
+              </a:rPr>
+              <a:t> 1.</a:t>
+            </a:r>
+            <a:r>
+              <a:rPr lang="en-US" sz="2400" dirty="0">
+                <a:solidFill>
+                  <a:schemeClr val="dk1"/>
+                </a:solidFill>
+                <a:latin typeface="Calibri"/>
+                <a:ea typeface="Calibri"/>
+                <a:cs typeface="Calibri"/>
+                <a:sym typeface="Calibri"/>
+              </a:rPr>
+              <a:t> </a:t>
+            </a:r>
+            <a:r>
+              <a:rPr lang="en-US" sz="2400" dirty="0" err="1">
+                <a:solidFill>
+                  <a:schemeClr val="dk1"/>
+                </a:solidFill>
+                <a:latin typeface="Calibri"/>
+                <a:ea typeface="Calibri"/>
+                <a:cs typeface="Calibri"/>
+                <a:sym typeface="Calibri"/>
+              </a:rPr>
+              <a:t>Puntajes</a:t>
+            </a:r>
+            <a:r>
+              <a:rPr lang="en-US" sz="2400" dirty="0">
+                <a:solidFill>
+                  <a:schemeClr val="dk1"/>
+                </a:solidFill>
+                <a:latin typeface="Calibri"/>
+                <a:ea typeface="Calibri"/>
+                <a:cs typeface="Calibri"/>
+                <a:sym typeface="Calibri"/>
+              </a:rPr>
+              <a:t> </a:t>
+            </a:r>
+            <a:r>
+              <a:rPr lang="en-US" sz="2400" dirty="0" err="1">
+                <a:solidFill>
+                  <a:schemeClr val="dk1"/>
+                </a:solidFill>
+                <a:latin typeface="Calibri"/>
+                <a:ea typeface="Calibri"/>
+                <a:cs typeface="Calibri"/>
+                <a:sym typeface="Calibri"/>
+              </a:rPr>
+              <a:t>Clasificadores</a:t>
+            </a:r>
+            <a:endParaRPr dirty="0"/>
           </a:p>
         </p:txBody>
       </p:sp>
-      <p:sp>
-        <p:nvSpPr>
-          <p:cNvPr id="62" name="Google Shape;62;p4"/>
-          <p:cNvSpPr txBox="1"/>
-          <p:nvPr/>
-        </p:nvSpPr>
-        <p:spPr>
-          <a:xfrm>
-            <a:off x="27716172" y="11513095"/>
-            <a:ext cx="3847800" cy="438600"/>
-          </a:xfrm>
-          <a:prstGeom prst="rect">
-            <a:avLst/>
-          </a:prstGeom>
-          <a:noFill/>
-          <a:ln>
-            <a:noFill/>
-          </a:ln>
-        </p:spPr>
-        <p:txBody>
-          <a:bodyPr spcFirstLastPara="1" wrap="square" lIns="68550" tIns="34275" rIns="68550" bIns="34275" anchor="t" anchorCtr="0">
-            <a:noAutofit/>
-          </a:bodyPr>
-          <a:lstStyle/>
-          <a:p>
-            <a:pPr marL="0" marR="0" lvl="0" indent="0" algn="l" rtl="0">
-              <a:spcBef>
-                <a:spcPts val="0"/>
-              </a:spcBef>
-              <a:spcAft>
-                <a:spcPts val="0"/>
-              </a:spcAft>
-              <a:buNone/>
-            </a:pPr>
-            <a:r>
-              <a:rPr lang="en-US" sz="2400" b="1">
-                <a:solidFill>
-                  <a:schemeClr val="dk1"/>
-                </a:solidFill>
-                <a:latin typeface="Calibri"/>
-                <a:ea typeface="Calibri"/>
-                <a:cs typeface="Calibri"/>
-                <a:sym typeface="Calibri"/>
-              </a:rPr>
-              <a:t>Figura 2.</a:t>
-            </a:r>
-            <a:r>
-              <a:rPr lang="en-US" sz="2400">
-                <a:solidFill>
-                  <a:schemeClr val="dk1"/>
-                </a:solidFill>
-                <a:latin typeface="Calibri"/>
-                <a:ea typeface="Calibri"/>
-                <a:cs typeface="Calibri"/>
-                <a:sym typeface="Calibri"/>
-              </a:rPr>
-              <a:t> Título</a:t>
-            </a:r>
-            <a:endParaRPr/>
-          </a:p>
-        </p:txBody>
-      </p:sp>
-      <p:sp>
-        <p:nvSpPr>
-          <p:cNvPr id="63" name="Google Shape;63;p4"/>
-          <p:cNvSpPr txBox="1"/>
-          <p:nvPr/>
-        </p:nvSpPr>
-        <p:spPr>
-          <a:xfrm>
-            <a:off x="11521440" y="22067536"/>
-            <a:ext cx="3736640" cy="438569"/>
-          </a:xfrm>
-          <a:prstGeom prst="rect">
-            <a:avLst/>
-          </a:prstGeom>
-          <a:noFill/>
-          <a:ln>
-            <a:noFill/>
-          </a:ln>
-        </p:spPr>
-        <p:txBody>
-          <a:bodyPr spcFirstLastPara="1" wrap="square" lIns="68550" tIns="34275" rIns="68550" bIns="34275" anchor="t" anchorCtr="0">
-            <a:noAutofit/>
-          </a:bodyPr>
-          <a:lstStyle/>
-          <a:p>
-            <a:pPr marL="0" marR="0" lvl="0" indent="0" algn="l" rtl="0">
-              <a:spcBef>
-                <a:spcPts val="0"/>
-              </a:spcBef>
-              <a:spcAft>
-                <a:spcPts val="0"/>
-              </a:spcAft>
-              <a:buNone/>
-            </a:pPr>
-            <a:r>
-              <a:rPr lang="en-US" sz="2400" b="1">
-                <a:solidFill>
-                  <a:schemeClr val="dk1"/>
-                </a:solidFill>
-                <a:latin typeface="Calibri"/>
-                <a:ea typeface="Calibri"/>
-                <a:cs typeface="Calibri"/>
-                <a:sym typeface="Calibri"/>
-              </a:rPr>
-              <a:t>Tabla 1.</a:t>
-            </a:r>
-            <a:r>
-              <a:rPr lang="en-US" sz="2400">
-                <a:solidFill>
-                  <a:schemeClr val="dk1"/>
-                </a:solidFill>
-                <a:latin typeface="Calibri"/>
-                <a:ea typeface="Calibri"/>
-                <a:cs typeface="Calibri"/>
-                <a:sym typeface="Calibri"/>
-              </a:rPr>
-              <a:t> Título</a:t>
-            </a:r>
-            <a:endParaRPr/>
-          </a:p>
-        </p:txBody>
-      </p:sp>
-      <p:pic>
-        <p:nvPicPr>
-          <p:cNvPr id="64" name="Google Shape;64;p4"/>
-          <p:cNvPicPr preferRelativeResize="0"/>
-          <p:nvPr/>
-        </p:nvPicPr>
-        <p:blipFill rotWithShape="1">
-          <a:blip r:embed="rId5">
-            <a:alphaModFix/>
-          </a:blip>
-          <a:srcRect/>
-          <a:stretch/>
-        </p:blipFill>
-        <p:spPr>
-          <a:xfrm>
-            <a:off x="22402800" y="22707600"/>
-            <a:ext cx="9921240" cy="5410200"/>
-          </a:xfrm>
-          <a:prstGeom prst="rect">
-            <a:avLst/>
-          </a:prstGeom>
-          <a:noFill/>
-          <a:ln>
-            <a:noFill/>
-          </a:ln>
-        </p:spPr>
-      </p:pic>
       <p:sp>
         <p:nvSpPr>
           <p:cNvPr id="65" name="Google Shape;65;p4"/>
@@ -7671,30 +7850,78 @@
               <a:buNone/>
             </a:pPr>
             <a:r>
-              <a:rPr lang="en-US" sz="2400" b="1">
-                <a:solidFill>
-                  <a:schemeClr val="dk1"/>
-                </a:solidFill>
-                <a:latin typeface="Calibri"/>
-                <a:ea typeface="Calibri"/>
-                <a:cs typeface="Calibri"/>
-                <a:sym typeface="Calibri"/>
-              </a:rPr>
-              <a:t>Gráfico 1.</a:t>
-            </a:r>
-            <a:r>
-              <a:rPr lang="en-US" sz="2400">
-                <a:solidFill>
-                  <a:schemeClr val="dk1"/>
-                </a:solidFill>
-                <a:latin typeface="Calibri"/>
-                <a:ea typeface="Calibri"/>
-                <a:cs typeface="Calibri"/>
-                <a:sym typeface="Calibri"/>
-              </a:rPr>
-              <a:t> Título</a:t>
-            </a:r>
-            <a:endParaRPr/>
+              <a:rPr lang="en-US" sz="2400" b="1" dirty="0" err="1">
+                <a:solidFill>
+                  <a:schemeClr val="dk1"/>
+                </a:solidFill>
+                <a:latin typeface="Calibri"/>
+                <a:ea typeface="Calibri"/>
+                <a:cs typeface="Calibri"/>
+                <a:sym typeface="Calibri"/>
+              </a:rPr>
+              <a:t>Gráfico</a:t>
+            </a:r>
+            <a:r>
+              <a:rPr lang="en-US" sz="2400" b="1" dirty="0">
+                <a:solidFill>
+                  <a:schemeClr val="dk1"/>
+                </a:solidFill>
+                <a:latin typeface="Calibri"/>
+                <a:ea typeface="Calibri"/>
+                <a:cs typeface="Calibri"/>
+                <a:sym typeface="Calibri"/>
+              </a:rPr>
+              <a:t> 1.</a:t>
+            </a:r>
+            <a:r>
+              <a:rPr lang="en-US" sz="2400" dirty="0">
+                <a:solidFill>
+                  <a:schemeClr val="dk1"/>
+                </a:solidFill>
+                <a:latin typeface="Calibri"/>
+                <a:ea typeface="Calibri"/>
+                <a:cs typeface="Calibri"/>
+                <a:sym typeface="Calibri"/>
+              </a:rPr>
+              <a:t> </a:t>
+            </a:r>
+            <a:r>
+              <a:rPr lang="en-US" sz="2400" dirty="0" err="1">
+                <a:solidFill>
+                  <a:schemeClr val="dk1"/>
+                </a:solidFill>
+                <a:latin typeface="Calibri"/>
+                <a:ea typeface="Calibri"/>
+                <a:cs typeface="Calibri"/>
+                <a:sym typeface="Calibri"/>
+              </a:rPr>
+              <a:t>Comparacion</a:t>
+            </a:r>
+            <a:r>
+              <a:rPr lang="en-US" sz="2400" dirty="0">
+                <a:solidFill>
+                  <a:schemeClr val="dk1"/>
+                </a:solidFill>
+                <a:latin typeface="Calibri"/>
+                <a:ea typeface="Calibri"/>
+                <a:cs typeface="Calibri"/>
+                <a:sym typeface="Calibri"/>
+              </a:rPr>
+              <a:t> entre </a:t>
+            </a:r>
+            <a:r>
+              <a:rPr lang="en-US" sz="2400" dirty="0" err="1">
+                <a:solidFill>
+                  <a:schemeClr val="dk1"/>
+                </a:solidFill>
+                <a:latin typeface="Calibri"/>
+                <a:ea typeface="Calibri"/>
+                <a:cs typeface="Calibri"/>
+                <a:sym typeface="Calibri"/>
+              </a:rPr>
+              <a:t>clasificadores</a:t>
+            </a:r>
+            <a:endParaRPr dirty="0"/>
           </a:p>
         </p:txBody>
       </p:sp>
@@ -7731,28 +7958,38 @@
           </a:bodyPr>
           <a:lstStyle/>
           <a:p>
-            <a:pPr marL="0" marR="0" lvl="0" indent="0" algn="just" rtl="0">
-              <a:spcBef>
-                <a:spcPts val="0"/>
-              </a:spcBef>
-              <a:spcAft>
-                <a:spcPts val="0"/>
-              </a:spcAft>
+            <a:pPr marL="0" indent="0">
               <a:buNone/>
             </a:pPr>
             <a:r>
-              <a:rPr lang="es-CO" sz="3200">
-                <a:solidFill>
-                  <a:schemeClr val="dk1"/>
-                </a:solidFill>
-                <a:latin typeface="Calibri"/>
-                <a:ea typeface="Calibri"/>
-                <a:cs typeface="Calibri"/>
-                <a:sym typeface="Calibri"/>
-              </a:rPr>
-              <a:t>Puede incluir recomendaciones y sugerencias para investigaciones futuras, tales como métodos alternos que podrían dar mejores resultados, tareas que no se hicieron y que debieron hacerse y aspectos que merecen explorarse en las próximas investigaciones.</a:t>
-            </a:r>
-            <a:endParaRPr lang="es-CO"/>
+              <a:rPr lang="es-ES" sz="3200" dirty="0"/>
+              <a:t>Desarrollar formas de hacer el producto eficiente en el uso practico,  proponiendo que el usuario tenga que decir una frase especifica para que el programa tenga que analizar en la base de datos esta frase y así se limite el análisis</a:t>
+            </a:r>
+            <a:endParaRPr lang="en-US" sz="3200" dirty="0"/>
+          </a:p>
+          <a:p>
+            <a:pPr marL="0" marR="0" lvl="0" indent="0" algn="just" rtl="0">
+              <a:spcBef>
+                <a:spcPts val="0"/>
+              </a:spcBef>
+              <a:spcAft>
+                <a:spcPts val="0"/>
+              </a:spcAft>
+              <a:buNone/>
+            </a:pPr>
+            <a:r>
+              <a:rPr lang="es-CO" sz="3200" dirty="0" smtClean="0">
+                <a:solidFill>
+                  <a:schemeClr val="dk1"/>
+                </a:solidFill>
+                <a:latin typeface="Calibri"/>
+                <a:ea typeface="Calibri"/>
+                <a:cs typeface="Calibri"/>
+                <a:sym typeface="Calibri"/>
+              </a:rPr>
+              <a:t>.</a:t>
+            </a:r>
+            <a:endParaRPr lang="es-CO" dirty="0"/>
           </a:p>
         </p:txBody>
       </p:sp>
@@ -7821,7 +8058,7 @@
           <p:nvPr/>
         </p:nvPicPr>
         <p:blipFill rotWithShape="1">
-          <a:blip r:embed="rId6">
+          <a:blip r:embed="rId3">
             <a:alphaModFix/>
           </a:blip>
           <a:srcRect l="6772" t="14568" r="5845" b="10720"/>
@@ -7848,7 +8085,7 @@
           <p:nvPr/>
         </p:nvPicPr>
         <p:blipFill rotWithShape="1">
-          <a:blip r:embed="rId7">
+          <a:blip r:embed="rId4">
             <a:alphaModFix/>
           </a:blip>
           <a:srcRect t="24204" b="28996"/>
@@ -7866,6 +8103,509 @@
           <a:ln>
             <a:noFill/>
           </a:ln>
+        </p:spPr>
+      </p:pic>
+      <p:graphicFrame>
+        <p:nvGraphicFramePr>
+          <p:cNvPr id="34" name="Google Shape;56;p4" descr="Sample table with 4 columns, 7 rows." title="Sample Table">
+            <a:extLst>
+              <a:ext uri="{FF2B5EF4-FFF2-40B4-BE49-F238E27FC236}">
+                <a16:creationId xmlns:a16="http://schemas.microsoft.com/office/drawing/2014/main" id="{31C3B35F-6B33-486D-BEC2-3D06C75079B1}"/>
+              </a:ext>
+            </a:extLst>
+          </p:cNvPr>
+          <p:cNvGraphicFramePr/>
+          <p:nvPr>
+            <p:extLst>
+              <p:ext uri="{D42A27DB-BD31-4B8C-83A1-F6EECF244321}">
+                <p14:modId xmlns:p14="http://schemas.microsoft.com/office/powerpoint/2010/main" val="2281723385"/>
+              </p:ext>
+            </p:extLst>
+          </p:nvPr>
+        </p:nvGraphicFramePr>
+        <p:xfrm>
+          <a:off x="11521440" y="22657718"/>
+          <a:ext cx="10424160" cy="5439875"/>
+        </p:xfrm>
+        <a:graphic>
+          <a:graphicData uri="http://schemas.openxmlformats.org/drawingml/2006/table">
+            <a:tbl>
+              <a:tblPr firstRow="1" bandRow="1">
+                <a:noFill/>
+                <a:tableStyleId>{F465C773-4D00-42AC-B78A-3E36279DA8F0}</a:tableStyleId>
+              </a:tblPr>
+              <a:tblGrid>
+                <a:gridCol w="5212080">
+                  <a:extLst>
+                    <a:ext uri="{9D8B030D-6E8A-4147-A177-3AD203B41FA5}">
+                      <a16:colId xmlns:a16="http://schemas.microsoft.com/office/drawing/2014/main" val="20000"/>
+                    </a:ext>
+                  </a:extLst>
+                </a:gridCol>
+                <a:gridCol w="5212080">
+                  <a:extLst>
+                    <a:ext uri="{9D8B030D-6E8A-4147-A177-3AD203B41FA5}">
+                      <a16:colId xmlns:a16="http://schemas.microsoft.com/office/drawing/2014/main" val="20002"/>
+                    </a:ext>
+                  </a:extLst>
+                </a:gridCol>
+              </a:tblGrid>
+              <a:tr h="777125">
+                <a:tc>
+                  <a:txBody>
+                    <a:bodyPr/>
+                    <a:lstStyle/>
+                    <a:p>
+                      <a:pPr marL="0" marR="0" lvl="0" indent="0" algn="ctr" rtl="0">
+                        <a:spcBef>
+                          <a:spcPts val="0"/>
+                        </a:spcBef>
+                        <a:spcAft>
+                          <a:spcPts val="0"/>
+                        </a:spcAft>
+                        <a:buNone/>
+                      </a:pPr>
+                      <a:r>
+                        <a:rPr lang="en-US" sz="2700" dirty="0" err="1"/>
+                        <a:t>Clasificador</a:t>
+                      </a:r>
+                      <a:endParaRPr sz="2700" dirty="0"/>
+                    </a:p>
+                  </a:txBody>
+                  <a:tcPr marL="121925" marR="121925" marT="34300" marB="34300" anchor="ctr">
+                    <a:solidFill>
+                      <a:srgbClr val="030340"/>
+                    </a:solidFill>
+                  </a:tcPr>
+                </a:tc>
+                <a:tc>
+                  <a:txBody>
+                    <a:bodyPr/>
+                    <a:lstStyle/>
+                    <a:p>
+                      <a:pPr marL="0" lvl="0" indent="0" algn="ctr" rtl="0">
+                        <a:spcBef>
+                          <a:spcPts val="0"/>
+                        </a:spcBef>
+                        <a:spcAft>
+                          <a:spcPts val="0"/>
+                        </a:spcAft>
+                        <a:buClr>
+                          <a:schemeClr val="dk1"/>
+                        </a:buClr>
+                        <a:buFont typeface="Arial"/>
+                        <a:buNone/>
+                      </a:pPr>
+                      <a:r>
+                        <a:rPr lang="en-US" sz="2700" dirty="0" err="1"/>
+                        <a:t>Puntaje</a:t>
+                      </a:r>
+                      <a:endParaRPr dirty="0"/>
+                    </a:p>
+                  </a:txBody>
+                  <a:tcPr marL="121925" marR="121925" marT="34300" marB="34300" anchor="ctr">
+                    <a:solidFill>
+                      <a:srgbClr val="030340"/>
+                    </a:solidFill>
+                  </a:tcPr>
+                </a:tc>
+                <a:extLst>
+                  <a:ext uri="{0D108BD9-81ED-4DB2-BD59-A6C34878D82A}">
+                    <a16:rowId xmlns:a16="http://schemas.microsoft.com/office/drawing/2014/main" val="10000"/>
+                  </a:ext>
+                </a:extLst>
+              </a:tr>
+              <a:tr h="777125">
+                <a:tc>
+                  <a:txBody>
+                    <a:bodyPr/>
+                    <a:lstStyle/>
+                    <a:p>
+                      <a:pPr marL="0" marR="0" lvl="0" indent="0" algn="ctr" rtl="0">
+                        <a:spcBef>
+                          <a:spcPts val="0"/>
+                        </a:spcBef>
+                        <a:spcAft>
+                          <a:spcPts val="0"/>
+                        </a:spcAft>
+                        <a:buNone/>
+                      </a:pPr>
+                      <a:r>
+                        <a:rPr lang="en-US" sz="2700" dirty="0"/>
+                        <a:t>Decision Tree </a:t>
+                      </a:r>
+                      <a:endParaRPr dirty="0"/>
+                    </a:p>
+                  </a:txBody>
+                  <a:tcPr marL="121925" marR="121925" marT="34300" marB="34300" anchor="ctr"/>
+                </a:tc>
+                <a:tc>
+                  <a:txBody>
+                    <a:bodyPr/>
+                    <a:lstStyle/>
+                    <a:p>
+                      <a:pPr marL="0" marR="0" lvl="0" indent="0" algn="ctr" rtl="0">
+                        <a:spcBef>
+                          <a:spcPts val="0"/>
+                        </a:spcBef>
+                        <a:spcAft>
+                          <a:spcPts val="0"/>
+                        </a:spcAft>
+                        <a:buNone/>
+                      </a:pPr>
+                      <a:r>
+                        <a:rPr lang="es-CO" sz="2800" dirty="0"/>
+                        <a:t>0.977917981073</a:t>
+                      </a:r>
+                      <a:endParaRPr dirty="0"/>
+                    </a:p>
+                  </a:txBody>
+                  <a:tcPr marL="121925" marR="121925" marT="34300" marB="34300" anchor="ctr"/>
+                </a:tc>
+                <a:extLst>
+                  <a:ext uri="{0D108BD9-81ED-4DB2-BD59-A6C34878D82A}">
+                    <a16:rowId xmlns:a16="http://schemas.microsoft.com/office/drawing/2014/main" val="10001"/>
+                  </a:ext>
+                </a:extLst>
+              </a:tr>
+              <a:tr h="777125">
+                <a:tc>
+                  <a:txBody>
+                    <a:bodyPr/>
+                    <a:lstStyle/>
+                    <a:p>
+                      <a:pPr marL="0" marR="0" lvl="0" indent="0" algn="ctr" rtl="0">
+                        <a:spcBef>
+                          <a:spcPts val="0"/>
+                        </a:spcBef>
+                        <a:spcAft>
+                          <a:spcPts val="0"/>
+                        </a:spcAft>
+                        <a:buNone/>
+                      </a:pPr>
+                      <a:r>
+                        <a:rPr lang="en-US" sz="2700" dirty="0"/>
+                        <a:t>SVM</a:t>
+                      </a:r>
+                      <a:endParaRPr dirty="0"/>
+                    </a:p>
+                  </a:txBody>
+                  <a:tcPr marL="121925" marR="121925" marT="34300" marB="34300" anchor="ctr"/>
+                </a:tc>
+                <a:tc>
+                  <a:txBody>
+                    <a:bodyPr/>
+                    <a:lstStyle/>
+                    <a:p>
+                      <a:pPr marL="0" marR="0" lvl="0" indent="0" algn="ctr" rtl="0">
+                        <a:spcBef>
+                          <a:spcPts val="0"/>
+                        </a:spcBef>
+                        <a:spcAft>
+                          <a:spcPts val="0"/>
+                        </a:spcAft>
+                        <a:buNone/>
+                      </a:pPr>
+                      <a:r>
+                        <a:rPr lang="es-CO" sz="2800" dirty="0"/>
+                        <a:t>0.98738170347</a:t>
+                      </a:r>
+                      <a:endParaRPr dirty="0"/>
+                    </a:p>
+                  </a:txBody>
+                  <a:tcPr marL="121925" marR="121925" marT="34300" marB="34300" anchor="ctr"/>
+                </a:tc>
+                <a:extLst>
+                  <a:ext uri="{0D108BD9-81ED-4DB2-BD59-A6C34878D82A}">
+                    <a16:rowId xmlns:a16="http://schemas.microsoft.com/office/drawing/2014/main" val="10002"/>
+                  </a:ext>
+                </a:extLst>
+              </a:tr>
+              <a:tr h="777125">
+                <a:tc>
+                  <a:txBody>
+                    <a:bodyPr/>
+                    <a:lstStyle/>
+                    <a:p>
+                      <a:pPr marL="0" marR="0" lvl="0" indent="0" algn="ctr" rtl="0">
+                        <a:spcBef>
+                          <a:spcPts val="0"/>
+                        </a:spcBef>
+                        <a:spcAft>
+                          <a:spcPts val="0"/>
+                        </a:spcAft>
+                        <a:buNone/>
+                      </a:pPr>
+                      <a:r>
+                        <a:rPr lang="en-US" sz="2700" dirty="0"/>
+                        <a:t>Random Forest</a:t>
+                      </a:r>
+                      <a:endParaRPr dirty="0"/>
+                    </a:p>
+                  </a:txBody>
+                  <a:tcPr marL="121925" marR="121925" marT="34300" marB="34300" anchor="ctr"/>
+                </a:tc>
+                <a:tc>
+                  <a:txBody>
+                    <a:bodyPr/>
+                    <a:lstStyle/>
+                    <a:p>
+                      <a:pPr marL="0" marR="0" lvl="0" indent="0" algn="ctr" rtl="0">
+                        <a:spcBef>
+                          <a:spcPts val="0"/>
+                        </a:spcBef>
+                        <a:spcAft>
+                          <a:spcPts val="0"/>
+                        </a:spcAft>
+                        <a:buNone/>
+                      </a:pPr>
+                      <a:r>
+                        <a:rPr lang="es-CO" sz="2800" dirty="0"/>
+                        <a:t>0.984227129338</a:t>
+                      </a:r>
+                      <a:endParaRPr dirty="0"/>
+                    </a:p>
+                  </a:txBody>
+                  <a:tcPr marL="121925" marR="121925" marT="34300" marB="34300" anchor="ctr"/>
+                </a:tc>
+                <a:extLst>
+                  <a:ext uri="{0D108BD9-81ED-4DB2-BD59-A6C34878D82A}">
+                    <a16:rowId xmlns:a16="http://schemas.microsoft.com/office/drawing/2014/main" val="10003"/>
+                  </a:ext>
+                </a:extLst>
+              </a:tr>
+              <a:tr h="777125">
+                <a:tc>
+                  <a:txBody>
+                    <a:bodyPr/>
+                    <a:lstStyle/>
+                    <a:p>
+                      <a:pPr marL="0" marR="0" lvl="0" indent="0" algn="ctr" rtl="0">
+                        <a:spcBef>
+                          <a:spcPts val="0"/>
+                        </a:spcBef>
+                        <a:spcAft>
+                          <a:spcPts val="0"/>
+                        </a:spcAft>
+                        <a:buNone/>
+                      </a:pPr>
+                      <a:r>
+                        <a:rPr lang="en-US" sz="2700" dirty="0"/>
+                        <a:t>Naïve Bayes</a:t>
+                      </a:r>
+                      <a:endParaRPr dirty="0"/>
+                    </a:p>
+                  </a:txBody>
+                  <a:tcPr marL="121925" marR="121925" marT="34300" marB="34300" anchor="ctr"/>
+                </a:tc>
+                <a:tc>
+                  <a:txBody>
+                    <a:bodyPr/>
+                    <a:lstStyle/>
+                    <a:p>
+                      <a:pPr marL="0" marR="0" lvl="0" indent="0" algn="ctr" rtl="0">
+                        <a:spcBef>
+                          <a:spcPts val="0"/>
+                        </a:spcBef>
+                        <a:spcAft>
+                          <a:spcPts val="0"/>
+                        </a:spcAft>
+                        <a:buNone/>
+                      </a:pPr>
+                      <a:r>
+                        <a:rPr lang="es-CO" sz="2800" dirty="0"/>
+                        <a:t>0.932176656151</a:t>
+                      </a:r>
+                      <a:endParaRPr dirty="0"/>
+                    </a:p>
+                  </a:txBody>
+                  <a:tcPr marL="121925" marR="121925" marT="34300" marB="34300" anchor="ctr"/>
+                </a:tc>
+                <a:extLst>
+                  <a:ext uri="{0D108BD9-81ED-4DB2-BD59-A6C34878D82A}">
+                    <a16:rowId xmlns:a16="http://schemas.microsoft.com/office/drawing/2014/main" val="10004"/>
+                  </a:ext>
+                </a:extLst>
+              </a:tr>
+              <a:tr h="777125">
+                <a:tc>
+                  <a:txBody>
+                    <a:bodyPr/>
+                    <a:lstStyle/>
+                    <a:p>
+                      <a:pPr marL="0" marR="0" lvl="0" indent="0" algn="ctr" rtl="0">
+                        <a:spcBef>
+                          <a:spcPts val="0"/>
+                        </a:spcBef>
+                        <a:spcAft>
+                          <a:spcPts val="0"/>
+                        </a:spcAft>
+                        <a:buNone/>
+                      </a:pPr>
+                      <a:r>
+                        <a:rPr lang="en-US" sz="2700" dirty="0"/>
+                        <a:t>NN 6 layers</a:t>
+                      </a:r>
+                      <a:endParaRPr dirty="0"/>
+                    </a:p>
+                  </a:txBody>
+                  <a:tcPr marL="121925" marR="121925" marT="34300" marB="34300" anchor="ctr"/>
+                </a:tc>
+                <a:tc>
+                  <a:txBody>
+                    <a:bodyPr/>
+                    <a:lstStyle/>
+                    <a:p>
+                      <a:pPr marL="0" marR="0" lvl="0" indent="0" algn="ctr" rtl="0">
+                        <a:spcBef>
+                          <a:spcPts val="0"/>
+                        </a:spcBef>
+                        <a:spcAft>
+                          <a:spcPts val="0"/>
+                        </a:spcAft>
+                        <a:buNone/>
+                      </a:pPr>
+                      <a:r>
+                        <a:rPr lang="es-CO" sz="2800" dirty="0"/>
+                        <a:t>0.978706623477</a:t>
+                      </a:r>
+                      <a:endParaRPr dirty="0"/>
+                    </a:p>
+                  </a:txBody>
+                  <a:tcPr marL="121925" marR="121925" marT="34300" marB="34300" anchor="ctr"/>
+                </a:tc>
+                <a:extLst>
+                  <a:ext uri="{0D108BD9-81ED-4DB2-BD59-A6C34878D82A}">
+                    <a16:rowId xmlns:a16="http://schemas.microsoft.com/office/drawing/2014/main" val="10005"/>
+                  </a:ext>
+                </a:extLst>
+              </a:tr>
+              <a:tr h="777125">
+                <a:tc>
+                  <a:txBody>
+                    <a:bodyPr/>
+                    <a:lstStyle/>
+                    <a:p>
+                      <a:pPr marL="0" marR="0" lvl="0" indent="0" algn="ctr" rtl="0">
+                        <a:spcBef>
+                          <a:spcPts val="0"/>
+                        </a:spcBef>
+                        <a:spcAft>
+                          <a:spcPts val="0"/>
+                        </a:spcAft>
+                        <a:buNone/>
+                      </a:pPr>
+                      <a:r>
+                        <a:rPr lang="en-US" sz="2700" dirty="0"/>
+                        <a:t>NN 3 layers</a:t>
+                      </a:r>
+                      <a:endParaRPr dirty="0"/>
+                    </a:p>
+                  </a:txBody>
+                  <a:tcPr marL="121925" marR="121925" marT="34300" marB="34300" anchor="ctr"/>
+                </a:tc>
+                <a:tc>
+                  <a:txBody>
+                    <a:bodyPr/>
+                    <a:lstStyle/>
+                    <a:p>
+                      <a:pPr marL="0" marR="0" lvl="0" indent="0" algn="ctr" rtl="0">
+                        <a:spcBef>
+                          <a:spcPts val="0"/>
+                        </a:spcBef>
+                        <a:spcAft>
+                          <a:spcPts val="0"/>
+                        </a:spcAft>
+                        <a:buNone/>
+                      </a:pPr>
+                      <a:r>
+                        <a:rPr lang="es-CO" sz="2800" dirty="0"/>
+                        <a:t>0.988170345874</a:t>
+                      </a:r>
+                      <a:endParaRPr dirty="0"/>
+                    </a:p>
+                  </a:txBody>
+                  <a:tcPr marL="121925" marR="121925" marT="34300" marB="34300" anchor="ctr"/>
+                </a:tc>
+                <a:extLst>
+                  <a:ext uri="{0D108BD9-81ED-4DB2-BD59-A6C34878D82A}">
+                    <a16:rowId xmlns:a16="http://schemas.microsoft.com/office/drawing/2014/main" val="10006"/>
+                  </a:ext>
+                </a:extLst>
+              </a:tr>
+            </a:tbl>
+          </a:graphicData>
+        </a:graphic>
+      </p:graphicFrame>
+      <p:pic>
+        <p:nvPicPr>
+          <p:cNvPr id="5" name="Imagen 4">
+            <a:extLst>
+              <a:ext uri="{FF2B5EF4-FFF2-40B4-BE49-F238E27FC236}">
+                <a16:creationId xmlns:a16="http://schemas.microsoft.com/office/drawing/2014/main" id="{CF701BAD-DB93-41B4-A70F-12EC3D3F5394}"/>
+              </a:ext>
+            </a:extLst>
+          </p:cNvPr>
+          <p:cNvPicPr>
+            <a:picLocks noChangeAspect="1"/>
+          </p:cNvPicPr>
+          <p:nvPr/>
+        </p:nvPicPr>
+        <p:blipFill>
+          <a:blip r:embed="rId5"/>
+          <a:stretch>
+            <a:fillRect/>
+          </a:stretch>
+        </p:blipFill>
+        <p:spPr>
+          <a:xfrm>
+            <a:off x="22402800" y="22657718"/>
+            <a:ext cx="9966960" cy="5748941"/>
+          </a:xfrm>
+          <a:prstGeom prst="rect">
+            <a:avLst/>
+          </a:prstGeom>
+        </p:spPr>
+      </p:pic>
+      <p:pic>
+        <p:nvPicPr>
+          <p:cNvPr id="1028" name="Picture 4" descr="Cerebro femenino vs. masculino: Â¿tienen capacidades diferentes? - El  Mostrador"/>
+          <p:cNvPicPr>
+            <a:picLocks noChangeAspect="1" noChangeArrowheads="1"/>
+          </p:cNvPicPr>
+          <p:nvPr/>
+        </p:nvPicPr>
+        <p:blipFill>
+          <a:blip r:embed="rId6">
+            <a:extLst>
+              <a:ext uri="{28A0092B-C50C-407E-A947-70E740481C1C}">
+                <a14:useLocalDpi xmlns:a14="http://schemas.microsoft.com/office/drawing/2010/main" val="0"/>
+              </a:ext>
+            </a:extLst>
+          </a:blip>
+          <a:srcRect/>
+          <a:stretch>
+            <a:fillRect/>
+          </a:stretch>
+        </p:blipFill>
+        <p:spPr bwMode="auto">
+          <a:xfrm>
+            <a:off x="26734758" y="8502740"/>
+            <a:ext cx="4569734" cy="3046489"/>
+          </a:xfrm>
+          <a:prstGeom prst="rect">
+            <a:avLst/>
+          </a:prstGeom>
+          <a:noFill/>
+          <a:extLst>
+            <a:ext uri="{909E8E84-426E-40DD-AFC4-6F175D3DCCD1}">
+              <a14:hiddenFill xmlns:a14="http://schemas.microsoft.com/office/drawing/2010/main">
+                <a:solidFill>
+                  <a:srgbClr val="FFFFFF"/>
+                </a:solidFill>
+              </a14:hiddenFill>
+            </a:ext>
+          </a:extLst>
         </p:spPr>
       </p:pic>
     </p:spTree>
@@ -8439,6 +9179,21 @@
 </file>
 
 <file path=customXml/item1.xml><?xml version="1.0" encoding="utf-8"?>
+<p:properties xmlns:p="http://schemas.microsoft.com/office/2006/metadata/properties" xmlns:xsi="http://www.w3.org/2001/XMLSchema-instance" xmlns:pc="http://schemas.microsoft.com/office/infopath/2007/PartnerControls">
+  <documentManagement/>
+</p:properties>
+</file>
+
+<file path=customXml/item2.xml><?xml version="1.0" encoding="utf-8"?>
+<?mso-contentType ?>
+<FormTemplates xmlns="http://schemas.microsoft.com/sharepoint/v3/contenttype/forms">
+  <Display>DocumentLibraryForm</Display>
+  <Edit>DocumentLibraryForm</Edit>
+  <New>DocumentLibraryForm</New>
+</FormTemplates>
+</file>
+
+<file path=customXml/item3.xml><?xml version="1.0" encoding="utf-8"?>
 <ct:contentTypeSchema xmlns:ct="http://schemas.microsoft.com/office/2006/metadata/contentType" xmlns:ma="http://schemas.microsoft.com/office/2006/metadata/properties/metaAttributes" ct:_="" ma:_="" ma:contentTypeName="Documento" ma:contentTypeID="0x0101007228C2A1DD830841B81CFDEE76E36F01" ma:contentTypeVersion="8" ma:contentTypeDescription="Crear nuevo documento." ma:contentTypeScope="" ma:versionID="5b4db549523a0a29bdd783dcede98f20">
   <xsd:schema xmlns:xsd="http://www.w3.org/2001/XMLSchema" xmlns:xs="http://www.w3.org/2001/XMLSchema" xmlns:p="http://schemas.microsoft.com/office/2006/metadata/properties" xmlns:ns2="2d405435-45be-43e4-8998-645d85a018d9" targetNamespace="http://schemas.microsoft.com/office/2006/metadata/properties" ma:root="true" ma:fieldsID="46994ad050463fad6ab80e45ba309368" ns2:_="">
     <xsd:import namespace="2d405435-45be-43e4-8998-645d85a018d9"/>
@@ -8610,22 +9365,24 @@
 </ct:contentTypeSchema>
 </file>
 
-<file path=customXml/item2.xml><?xml version="1.0" encoding="utf-8"?>
-<?mso-contentType ?>
-<FormTemplates xmlns="http://schemas.microsoft.com/sharepoint/v3/contenttype/forms">
-  <Display>DocumentLibraryForm</Display>
-  <Edit>DocumentLibraryForm</Edit>
-  <New>DocumentLibraryForm</New>
-</FormTemplates>
+<file path=customXml/itemProps1.xml><?xml version="1.0" encoding="utf-8"?>
+<ds:datastoreItem xmlns:ds="http://schemas.openxmlformats.org/officeDocument/2006/customXml" ds:itemID="{1E97E41D-B09E-4D3D-82C8-D317E003E535}">
+  <ds:schemaRefs>
+    <ds:schemaRef ds:uri="http://schemas.microsoft.com/office/2006/metadata/properties"/>
+    <ds:schemaRef ds:uri="http://schemas.microsoft.com/office/infopath/2007/PartnerControls"/>
+  </ds:schemaRefs>
+</ds:datastoreItem>
 </file>
 
-<file path=customXml/item3.xml><?xml version="1.0" encoding="utf-8"?>
-<p:properties xmlns:p="http://schemas.microsoft.com/office/2006/metadata/properties" xmlns:xsi="http://www.w3.org/2001/XMLSchema-instance" xmlns:pc="http://schemas.microsoft.com/office/infopath/2007/PartnerControls">
-  <documentManagement/>
-</p:properties>
+<file path=customXml/itemProps2.xml><?xml version="1.0" encoding="utf-8"?>
+<ds:datastoreItem xmlns:ds="http://schemas.openxmlformats.org/officeDocument/2006/customXml" ds:itemID="{3BF0E178-1F1F-49D9-BA72-76510F1C1AB3}">
+  <ds:schemaRefs>
+    <ds:schemaRef ds:uri="http://schemas.microsoft.com/sharepoint/v3/contenttype/forms"/>
+  </ds:schemaRefs>
+</ds:datastoreItem>
 </file>
 
-<file path=customXml/itemProps1.xml><?xml version="1.0" encoding="utf-8"?>
+<file path=customXml/itemProps3.xml><?xml version="1.0" encoding="utf-8"?>
 <ds:datastoreItem xmlns:ds="http://schemas.openxmlformats.org/officeDocument/2006/customXml" ds:itemID="{4501F22B-80A4-4690-92F4-7702F861606D}">
   <ds:schemaRefs>
     <ds:schemaRef ds:uri="http://schemas.microsoft.com/office/2006/metadata/contentType"/>
@@ -8641,21 +9398,4 @@
     <ds:schemaRef ds:uri="http://schemas.microsoft.com/internal/obd"/>
   </ds:schemaRefs>
 </ds:datastoreItem>
-</file>
-
-<file path=customXml/itemProps2.xml><?xml version="1.0" encoding="utf-8"?>
-<ds:datastoreItem xmlns:ds="http://schemas.openxmlformats.org/officeDocument/2006/customXml" ds:itemID="{3BF0E178-1F1F-49D9-BA72-76510F1C1AB3}">
-  <ds:schemaRefs>
-    <ds:schemaRef ds:uri="http://schemas.microsoft.com/sharepoint/v3/contenttype/forms"/>
-  </ds:schemaRefs>
-</ds:datastoreItem>
-</file>
-
-<file path=customXml/itemProps3.xml><?xml version="1.0" encoding="utf-8"?>
-<ds:datastoreItem xmlns:ds="http://schemas.openxmlformats.org/officeDocument/2006/customXml" ds:itemID="{1E97E41D-B09E-4D3D-82C8-D317E003E535}">
-  <ds:schemaRefs>
-    <ds:schemaRef ds:uri="http://schemas.microsoft.com/office/2006/metadata/properties"/>
-    <ds:schemaRef ds:uri="http://schemas.microsoft.com/office/infopath/2007/PartnerControls"/>
-  </ds:schemaRefs>
-</ds:datastoreItem>
 </file>
--- a/Poster/TemplateSystemsFest_IA2020-1 (2).pptx
+++ b/Poster/TemplateSystemsFest_IA2020-1 (2).pptx
@@ -1329,18 +1329,6 @@
               </a:spcAft>
               <a:buNone/>
             </a:pPr>
-            <a:r>
-              <a:rPr lang="en-US" sz="3600" b="0" i="0" u="none" strike="noStrike" cap="none">
-                <a:solidFill>
-                  <a:srgbClr val="7F7F7F"/>
-                </a:solidFill>
-                <a:latin typeface="Calibri"/>
-                <a:ea typeface="Calibri"/>
-                <a:cs typeface="Calibri"/>
-                <a:sym typeface="Calibri"/>
-              </a:rPr>
-              <a:t/>
-            </a:r>
             <a:br>
               <a:rPr lang="en-US" sz="3600" b="0" i="0" u="none" strike="noStrike" cap="none">
                 <a:solidFill>
@@ -1913,18 +1901,6 @@
                 </a:spcAft>
                 <a:buNone/>
               </a:pPr>
-              <a:r>
-                <a:rPr lang="en-US" sz="3600" b="0" i="0" u="none" strike="noStrike" cap="none">
-                  <a:solidFill>
-                    <a:srgbClr val="7F7F7F"/>
-                  </a:solidFill>
-                  <a:latin typeface="Calibri"/>
-                  <a:ea typeface="Calibri"/>
-                  <a:cs typeface="Calibri"/>
-                  <a:sym typeface="Calibri"/>
-                </a:rPr>
-                <a:t/>
-              </a:r>
               <a:br>
                 <a:rPr lang="en-US" sz="3600" b="0" i="0" u="none" strike="noStrike" cap="none">
                   <a:solidFill>
@@ -5327,7 +5303,7 @@
               <a:buNone/>
             </a:pPr>
             <a:r>
-              <a:rPr lang="es-CO" sz="3200" dirty="0" smtClean="0">
+              <a:rPr lang="es-CO" sz="3200" dirty="0">
                 <a:solidFill>
                   <a:schemeClr val="dk1"/>
                 </a:solidFill>
@@ -5338,6 +5314,17 @@
               </a:rPr>
               <a:t>El proyecto tiene como propósito la predicción del genero de una persona mediante una grabación de voz.</a:t>
             </a:r>
+          </a:p>
+          <a:p>
+            <a:pPr marL="0" marR="0" lvl="0" indent="0" algn="just" rtl="0">
+              <a:spcBef>
+                <a:spcPts val="0"/>
+              </a:spcBef>
+              <a:spcAft>
+                <a:spcPts val="0"/>
+              </a:spcAft>
+              <a:buNone/>
+            </a:pPr>
             <a:endParaRPr lang="es-CO" sz="3200" dirty="0">
               <a:solidFill>
                 <a:schemeClr val="dk1"/>
@@ -5358,28 +5345,8 @@
               </a:spcAft>
               <a:buNone/>
             </a:pPr>
-            <a:endParaRPr lang="es-CO" sz="3200" dirty="0" smtClean="0">
-              <a:solidFill>
-                <a:schemeClr val="dk1"/>
-              </a:solidFill>
-              <a:latin typeface="Calibri"/>
-              <a:ea typeface="Calibri"/>
-              <a:cs typeface="Calibri"/>
-              <a:sym typeface="Calibri"/>
-            </a:endParaRPr>
-          </a:p>
-          <a:p>
-            <a:pPr marL="0" marR="0" lvl="0" indent="0" algn="just" rtl="0">
-              <a:spcBef>
-                <a:spcPts val="0"/>
-              </a:spcBef>
-              <a:spcAft>
-                <a:spcPts val="0"/>
-              </a:spcAft>
-              <a:buNone/>
-            </a:pPr>
-            <a:r>
-              <a:rPr lang="es-CO" sz="3200" dirty="0" smtClean="0">
+            <a:r>
+              <a:rPr lang="es-CO" sz="3200" dirty="0">
                 <a:solidFill>
                   <a:schemeClr val="dk1"/>
                 </a:solidFill>
@@ -5391,7 +5358,7 @@
               <a:t>Se usaron varios clasificadores (</a:t>
             </a:r>
             <a:r>
-              <a:rPr lang="es-CO" sz="3200" dirty="0" err="1" smtClean="0">
+              <a:rPr lang="es-CO" sz="3200" dirty="0" err="1">
                 <a:solidFill>
                   <a:schemeClr val="dk1"/>
                 </a:solidFill>
@@ -5403,7 +5370,7 @@
               <a:t>naive</a:t>
             </a:r>
             <a:r>
-              <a:rPr lang="es-CO" sz="3200" dirty="0" smtClean="0">
+              <a:rPr lang="es-CO" sz="3200" dirty="0">
                 <a:solidFill>
                   <a:schemeClr val="dk1"/>
                 </a:solidFill>
@@ -5415,7 +5382,7 @@
               <a:t> </a:t>
             </a:r>
             <a:r>
-              <a:rPr lang="es-CO" sz="3200" dirty="0" err="1" smtClean="0">
+              <a:rPr lang="es-CO" sz="3200" dirty="0" err="1">
                 <a:solidFill>
                   <a:schemeClr val="dk1"/>
                 </a:solidFill>
@@ -5427,7 +5394,7 @@
               <a:t>bayes</a:t>
             </a:r>
             <a:r>
-              <a:rPr lang="es-CO" sz="3200" dirty="0" smtClean="0">
+              <a:rPr lang="es-CO" sz="3200" dirty="0">
                 <a:solidFill>
                   <a:schemeClr val="dk1"/>
                 </a:solidFill>
@@ -5439,7 +5406,7 @@
               <a:t> </a:t>
             </a:r>
             <a:r>
-              <a:rPr lang="es-CO" sz="3200" dirty="0" err="1" smtClean="0">
+              <a:rPr lang="es-CO" sz="3200" dirty="0" err="1">
                 <a:solidFill>
                   <a:schemeClr val="dk1"/>
                 </a:solidFill>
@@ -5451,7 +5418,7 @@
               <a:t>classifier</a:t>
             </a:r>
             <a:r>
-              <a:rPr lang="es-CO" sz="3200" dirty="0" smtClean="0">
+              <a:rPr lang="es-CO" sz="3200" dirty="0">
                 <a:solidFill>
                   <a:schemeClr val="dk1"/>
                 </a:solidFill>
@@ -5463,7 +5430,7 @@
               <a:t>, </a:t>
             </a:r>
             <a:r>
-              <a:rPr lang="es-CO" sz="3200" dirty="0" err="1" smtClean="0">
+              <a:rPr lang="es-CO" sz="3200" dirty="0" err="1">
                 <a:solidFill>
                   <a:schemeClr val="dk1"/>
                 </a:solidFill>
@@ -5475,7 +5442,7 @@
               <a:t>Support</a:t>
             </a:r>
             <a:r>
-              <a:rPr lang="es-CO" sz="3200" dirty="0" smtClean="0">
+              <a:rPr lang="es-CO" sz="3200" dirty="0">
                 <a:solidFill>
                   <a:schemeClr val="dk1"/>
                 </a:solidFill>
@@ -5487,7 +5454,7 @@
               <a:t> vector machine, decisión </a:t>
             </a:r>
             <a:r>
-              <a:rPr lang="es-CO" sz="3200" dirty="0" err="1" smtClean="0">
+              <a:rPr lang="es-CO" sz="3200" dirty="0" err="1">
                 <a:solidFill>
                   <a:schemeClr val="dk1"/>
                 </a:solidFill>
@@ -5499,7 +5466,7 @@
               <a:t>tree</a:t>
             </a:r>
             <a:r>
-              <a:rPr lang="es-CO" sz="3200" dirty="0" smtClean="0">
+              <a:rPr lang="es-CO" sz="3200" dirty="0">
                 <a:solidFill>
                   <a:schemeClr val="dk1"/>
                 </a:solidFill>
@@ -5511,7 +5478,7 @@
               <a:t> </a:t>
             </a:r>
             <a:r>
-              <a:rPr lang="es-CO" sz="3200" dirty="0" err="1" smtClean="0">
+              <a:rPr lang="es-CO" sz="3200" dirty="0" err="1">
                 <a:solidFill>
                   <a:schemeClr val="dk1"/>
                 </a:solidFill>
@@ -5523,7 +5490,7 @@
               <a:t>classifier</a:t>
             </a:r>
             <a:r>
-              <a:rPr lang="es-CO" sz="3200" dirty="0" smtClean="0">
+              <a:rPr lang="es-CO" sz="3200" dirty="0">
                 <a:solidFill>
                   <a:schemeClr val="dk1"/>
                 </a:solidFill>
@@ -5535,7 +5502,7 @@
               <a:t> y </a:t>
             </a:r>
             <a:r>
-              <a:rPr lang="es-CO" sz="3200" dirty="0" err="1" smtClean="0">
+              <a:rPr lang="es-CO" sz="3200" dirty="0" err="1">
                 <a:solidFill>
                   <a:schemeClr val="dk1"/>
                 </a:solidFill>
@@ -5547,7 +5514,7 @@
               <a:t>Random</a:t>
             </a:r>
             <a:r>
-              <a:rPr lang="es-CO" sz="3200" dirty="0" smtClean="0">
+              <a:rPr lang="es-CO" sz="3200" dirty="0">
                 <a:solidFill>
                   <a:schemeClr val="dk1"/>
                 </a:solidFill>
@@ -5559,7 +5526,7 @@
               <a:t> </a:t>
             </a:r>
             <a:r>
-              <a:rPr lang="es-CO" sz="3200" dirty="0" err="1" smtClean="0">
+              <a:rPr lang="es-CO" sz="3200" dirty="0" err="1">
                 <a:solidFill>
                   <a:schemeClr val="dk1"/>
                 </a:solidFill>
@@ -5571,7 +5538,7 @@
               <a:t>forest</a:t>
             </a:r>
             <a:r>
-              <a:rPr lang="es-CO" sz="3200" dirty="0" smtClean="0">
+              <a:rPr lang="es-CO" sz="3200" dirty="0">
                 <a:solidFill>
                   <a:schemeClr val="dk1"/>
                 </a:solidFill>
@@ -5583,7 +5550,7 @@
               <a:t> </a:t>
             </a:r>
             <a:r>
-              <a:rPr lang="es-CO" sz="3200" dirty="0" err="1" smtClean="0">
+              <a:rPr lang="es-CO" sz="3200" dirty="0" err="1">
                 <a:solidFill>
                   <a:schemeClr val="dk1"/>
                 </a:solidFill>
@@ -5595,7 +5562,7 @@
               <a:t>classifier</a:t>
             </a:r>
             <a:r>
-              <a:rPr lang="es-CO" sz="3200" dirty="0" smtClean="0">
+              <a:rPr lang="es-CO" sz="3200" dirty="0">
                 <a:solidFill>
                   <a:schemeClr val="dk1"/>
                 </a:solidFill>
@@ -5606,15 +5573,6 @@
               </a:rPr>
               <a:t>) y además de redes neuronales poder hacer la clasificación del genero.</a:t>
             </a:r>
-            <a:endParaRPr lang="es-CO" sz="3200" dirty="0">
-              <a:solidFill>
-                <a:schemeClr val="dk1"/>
-              </a:solidFill>
-              <a:latin typeface="Calibri"/>
-              <a:ea typeface="Calibri"/>
-              <a:cs typeface="Calibri"/>
-              <a:sym typeface="Calibri"/>
-            </a:endParaRPr>
           </a:p>
           <a:p>
             <a:pPr marL="0" marR="0" lvl="0" indent="0" algn="just" rtl="0">
@@ -5729,275 +5687,201 @@
           </a:bodyPr>
           <a:lstStyle/>
           <a:p>
-            <a:pPr marL="0" marR="0" lvl="0" indent="0" algn="just" rtl="0">
-              <a:spcBef>
-                <a:spcPts val="0"/>
-              </a:spcBef>
-              <a:spcAft>
-                <a:spcPts val="0"/>
-              </a:spcAft>
-              <a:buNone/>
+            <a:pPr algn="just">
+              <a:lnSpc>
+                <a:spcPct val="107000"/>
+              </a:lnSpc>
+              <a:spcAft>
+                <a:spcPts val="800"/>
+              </a:spcAft>
             </a:pPr>
             <a:r>
               <a:rPr lang="es-CO" sz="3200" dirty="0">
-                <a:solidFill>
-                  <a:schemeClr val="dk1"/>
-                </a:solidFill>
-                <a:latin typeface="Calibri"/>
-                <a:ea typeface="Calibri"/>
-                <a:cs typeface="Calibri"/>
-                <a:sym typeface="Calibri"/>
-              </a:rPr>
-              <a:t>En este estudio al comparar los resultados de los cuatro clasificadores y las dos redes neuronales, pudimos comprobar que la maquina de soporte vectorial y </a:t>
+                <a:effectLst/>
+                <a:latin typeface="Calibri" panose="020F0502020204030204" pitchFamily="34" charset="0"/>
+                <a:ea typeface="Calibri" panose="020F0502020204030204" pitchFamily="34" charset="0"/>
+                <a:cs typeface="Times New Roman" panose="02020603050405020304" pitchFamily="18" charset="0"/>
+              </a:rPr>
+              <a:t>En este estudio al comparar los resultados de los cuatro clasificadores y las dos redes neuronales, pudimos comprobar que la máquina de soporte vectorial y </a:t>
             </a:r>
             <a:r>
               <a:rPr lang="es-CO" sz="3200" dirty="0" err="1">
-                <a:solidFill>
-                  <a:schemeClr val="dk1"/>
-                </a:solidFill>
-                <a:latin typeface="Calibri"/>
-                <a:ea typeface="Calibri"/>
-                <a:cs typeface="Calibri"/>
-                <a:sym typeface="Calibri"/>
+                <a:effectLst/>
+                <a:latin typeface="Calibri" panose="020F0502020204030204" pitchFamily="34" charset="0"/>
+                <a:ea typeface="Calibri" panose="020F0502020204030204" pitchFamily="34" charset="0"/>
+                <a:cs typeface="Times New Roman" panose="02020603050405020304" pitchFamily="18" charset="0"/>
               </a:rPr>
               <a:t>Random</a:t>
             </a:r>
             <a:r>
               <a:rPr lang="es-CO" sz="3200" dirty="0">
-                <a:solidFill>
-                  <a:schemeClr val="dk1"/>
-                </a:solidFill>
-                <a:latin typeface="Calibri"/>
-                <a:ea typeface="Calibri"/>
-                <a:cs typeface="Calibri"/>
-                <a:sym typeface="Calibri"/>
+                <a:effectLst/>
+                <a:latin typeface="Calibri" panose="020F0502020204030204" pitchFamily="34" charset="0"/>
+                <a:ea typeface="Calibri" panose="020F0502020204030204" pitchFamily="34" charset="0"/>
+                <a:cs typeface="Times New Roman" panose="02020603050405020304" pitchFamily="18" charset="0"/>
               </a:rPr>
               <a:t> Forest obtienen los mejores resultados entre clasificadores con 98.7% y 98.4% respectivamente, y la red neuronal con 3 capas y 50 </a:t>
             </a:r>
             <a:r>
               <a:rPr lang="es-CO" sz="3200" dirty="0" err="1">
-                <a:solidFill>
-                  <a:schemeClr val="dk1"/>
-                </a:solidFill>
-                <a:latin typeface="Calibri"/>
-                <a:ea typeface="Calibri"/>
-                <a:cs typeface="Calibri"/>
-                <a:sym typeface="Calibri"/>
+                <a:effectLst/>
+                <a:latin typeface="Calibri" panose="020F0502020204030204" pitchFamily="34" charset="0"/>
+                <a:ea typeface="Calibri" panose="020F0502020204030204" pitchFamily="34" charset="0"/>
+                <a:cs typeface="Times New Roman" panose="02020603050405020304" pitchFamily="18" charset="0"/>
               </a:rPr>
               <a:t>epochs</a:t>
             </a:r>
             <a:r>
               <a:rPr lang="es-CO" sz="3200" dirty="0">
-                <a:solidFill>
-                  <a:schemeClr val="dk1"/>
-                </a:solidFill>
-                <a:latin typeface="Calibri"/>
-                <a:ea typeface="Calibri"/>
-                <a:cs typeface="Calibri"/>
-                <a:sym typeface="Calibri"/>
+                <a:effectLst/>
+                <a:latin typeface="Calibri" panose="020F0502020204030204" pitchFamily="34" charset="0"/>
+                <a:ea typeface="Calibri" panose="020F0502020204030204" pitchFamily="34" charset="0"/>
+                <a:cs typeface="Times New Roman" panose="02020603050405020304" pitchFamily="18" charset="0"/>
               </a:rPr>
               <a:t> obtiene un puntaje superior con 98.8% en comparación a la red neuronal de 6 capas y 20 </a:t>
             </a:r>
             <a:r>
               <a:rPr lang="es-CO" sz="3200" dirty="0" err="1">
-                <a:solidFill>
-                  <a:schemeClr val="dk1"/>
-                </a:solidFill>
-                <a:latin typeface="Calibri"/>
-                <a:ea typeface="Calibri"/>
-                <a:cs typeface="Calibri"/>
-                <a:sym typeface="Calibri"/>
+                <a:effectLst/>
+                <a:latin typeface="Calibri" panose="020F0502020204030204" pitchFamily="34" charset="0"/>
+                <a:ea typeface="Calibri" panose="020F0502020204030204" pitchFamily="34" charset="0"/>
+                <a:cs typeface="Times New Roman" panose="02020603050405020304" pitchFamily="18" charset="0"/>
               </a:rPr>
               <a:t>epochs</a:t>
             </a:r>
             <a:r>
               <a:rPr lang="es-CO" sz="3200" dirty="0">
-                <a:solidFill>
-                  <a:schemeClr val="dk1"/>
-                </a:solidFill>
-                <a:latin typeface="Calibri"/>
-                <a:ea typeface="Calibri"/>
-                <a:cs typeface="Calibri"/>
-                <a:sym typeface="Calibri"/>
+                <a:effectLst/>
+                <a:latin typeface="Calibri" panose="020F0502020204030204" pitchFamily="34" charset="0"/>
+                <a:ea typeface="Calibri" panose="020F0502020204030204" pitchFamily="34" charset="0"/>
+                <a:cs typeface="Times New Roman" panose="02020603050405020304" pitchFamily="18" charset="0"/>
               </a:rPr>
               <a:t>. </a:t>
             </a:r>
           </a:p>
           <a:p>
-            <a:pPr marL="0" marR="0" lvl="0" indent="0" algn="just" rtl="0">
-              <a:spcBef>
-                <a:spcPts val="0"/>
-              </a:spcBef>
-              <a:spcAft>
-                <a:spcPts val="0"/>
-              </a:spcAft>
-              <a:buNone/>
+            <a:pPr algn="just">
+              <a:lnSpc>
+                <a:spcPct val="107000"/>
+              </a:lnSpc>
+              <a:spcAft>
+                <a:spcPts val="800"/>
+              </a:spcAft>
+            </a:pPr>
+            <a:r>
+              <a:rPr lang="es-CO" sz="3200" dirty="0">
+                <a:effectLst/>
+                <a:latin typeface="Calibri" panose="020F0502020204030204" pitchFamily="34" charset="0"/>
+                <a:ea typeface="Calibri" panose="020F0502020204030204" pitchFamily="34" charset="0"/>
+                <a:cs typeface="Times New Roman" panose="02020603050405020304" pitchFamily="18" charset="0"/>
+              </a:rPr>
+              <a:t>Sin embargo, el clasificador con menor puntaje que en este caso es </a:t>
+            </a:r>
+            <a:r>
+              <a:rPr lang="es-CO" sz="3200" dirty="0" err="1">
+                <a:effectLst/>
+                <a:latin typeface="Calibri" panose="020F0502020204030204" pitchFamily="34" charset="0"/>
+                <a:ea typeface="Calibri" panose="020F0502020204030204" pitchFamily="34" charset="0"/>
+                <a:cs typeface="Times New Roman" panose="02020603050405020304" pitchFamily="18" charset="0"/>
+              </a:rPr>
+              <a:t>Naive</a:t>
+            </a:r>
+            <a:r>
+              <a:rPr lang="es-CO" sz="3200" dirty="0">
+                <a:effectLst/>
+                <a:latin typeface="Calibri" panose="020F0502020204030204" pitchFamily="34" charset="0"/>
+                <a:ea typeface="Calibri" panose="020F0502020204030204" pitchFamily="34" charset="0"/>
+                <a:cs typeface="Times New Roman" panose="02020603050405020304" pitchFamily="18" charset="0"/>
+              </a:rPr>
+              <a:t> Bayes, obtuvo 93.2% de precisión que sigue siendo un buen puntaje, pero está bastante alejado de la media en comparación al resto de puntajes, ya que tomando en cuenta los 4 clasificadores y las 2 redes neuronales se logra una media de 97,47%.  Se obtuvieron estos resultados tan acertados debido a el balance del </a:t>
+            </a:r>
+            <a:r>
+              <a:rPr lang="es-CO" sz="3200" dirty="0" err="1">
+                <a:effectLst/>
+                <a:latin typeface="Calibri" panose="020F0502020204030204" pitchFamily="34" charset="0"/>
+                <a:ea typeface="Calibri" panose="020F0502020204030204" pitchFamily="34" charset="0"/>
+                <a:cs typeface="Times New Roman" panose="02020603050405020304" pitchFamily="18" charset="0"/>
+              </a:rPr>
+              <a:t>dataset</a:t>
+            </a:r>
+            <a:r>
+              <a:rPr lang="es-CO" sz="3200" dirty="0">
+                <a:effectLst/>
+                <a:latin typeface="Calibri" panose="020F0502020204030204" pitchFamily="34" charset="0"/>
+                <a:ea typeface="Calibri" panose="020F0502020204030204" pitchFamily="34" charset="0"/>
+                <a:cs typeface="Times New Roman" panose="02020603050405020304" pitchFamily="18" charset="0"/>
+              </a:rPr>
+              <a:t> y el preprocesamiento de los datos, ya que adicionalmente estandarizamos los datos y seleccionamos las características más importantes para evitar redundancias.</a:t>
+            </a:r>
+          </a:p>
+          <a:p>
+            <a:pPr algn="just">
+              <a:lnSpc>
+                <a:spcPct val="107000"/>
+              </a:lnSpc>
+              <a:spcAft>
+                <a:spcPts val="800"/>
+              </a:spcAft>
             </a:pPr>
             <a:endParaRPr lang="es-CO" sz="3200" dirty="0">
-              <a:solidFill>
-                <a:schemeClr val="dk1"/>
-              </a:solidFill>
-              <a:latin typeface="Calibri"/>
-              <a:ea typeface="Calibri"/>
-              <a:cs typeface="Calibri"/>
-              <a:sym typeface="Calibri"/>
+              <a:effectLst/>
+              <a:latin typeface="Calibri" panose="020F0502020204030204" pitchFamily="34" charset="0"/>
+              <a:ea typeface="Calibri" panose="020F0502020204030204" pitchFamily="34" charset="0"/>
+              <a:cs typeface="Times New Roman" panose="02020603050405020304" pitchFamily="18" charset="0"/>
             </a:endParaRPr>
           </a:p>
           <a:p>
-            <a:pPr marL="0" marR="0" lvl="0" indent="0" algn="just" rtl="0">
-              <a:spcBef>
-                <a:spcPts val="0"/>
-              </a:spcBef>
-              <a:spcAft>
-                <a:spcPts val="0"/>
-              </a:spcAft>
-              <a:buNone/>
+            <a:pPr algn="just">
+              <a:lnSpc>
+                <a:spcPct val="107000"/>
+              </a:lnSpc>
+              <a:spcAft>
+                <a:spcPts val="800"/>
+              </a:spcAft>
             </a:pPr>
             <a:r>
               <a:rPr lang="es-CO" sz="3200" dirty="0">
-                <a:solidFill>
-                  <a:schemeClr val="dk1"/>
-                </a:solidFill>
-                <a:latin typeface="Calibri"/>
-                <a:ea typeface="Calibri"/>
-                <a:cs typeface="Calibri"/>
-                <a:sym typeface="Calibri"/>
-              </a:rPr>
-              <a:t>Sin embargo el clasificador con menor puntaje que en este caso es </a:t>
-            </a:r>
-            <a:r>
-              <a:rPr lang="es-CO" sz="3200" dirty="0" err="1">
-                <a:solidFill>
-                  <a:schemeClr val="dk1"/>
-                </a:solidFill>
-                <a:latin typeface="Calibri"/>
-                <a:ea typeface="Calibri"/>
-                <a:cs typeface="Calibri"/>
-                <a:sym typeface="Calibri"/>
-              </a:rPr>
-              <a:t>Naive</a:t>
-            </a:r>
-            <a:r>
-              <a:rPr lang="es-CO" sz="3200" dirty="0">
-                <a:solidFill>
-                  <a:schemeClr val="dk1"/>
-                </a:solidFill>
-                <a:latin typeface="Calibri"/>
-                <a:ea typeface="Calibri"/>
-                <a:cs typeface="Calibri"/>
-                <a:sym typeface="Calibri"/>
-              </a:rPr>
-              <a:t> Bayes, obtuvo 93.2% de precisión que sigue siendo un buen puntaje pero esta bastante alejado de la media en comparación al resto de puntajes, ya que tomando en cuenta los 4 clasificadores y las 2 redes neuronales se logra una media de 97,47%.  Se obtuvieron estos resultados tan acertados debido a el balance del </a:t>
-            </a:r>
-            <a:r>
-              <a:rPr lang="es-CO" sz="3200" dirty="0" err="1">
-                <a:solidFill>
-                  <a:schemeClr val="dk1"/>
-                </a:solidFill>
-                <a:latin typeface="Calibri"/>
-                <a:ea typeface="Calibri"/>
-                <a:cs typeface="Calibri"/>
-                <a:sym typeface="Calibri"/>
-              </a:rPr>
-              <a:t>dataset</a:t>
-            </a:r>
-            <a:r>
-              <a:rPr lang="es-CO" sz="3200" dirty="0">
-                <a:solidFill>
-                  <a:schemeClr val="dk1"/>
-                </a:solidFill>
-                <a:latin typeface="Calibri"/>
-                <a:ea typeface="Calibri"/>
-                <a:cs typeface="Calibri"/>
-                <a:sym typeface="Calibri"/>
-              </a:rPr>
-              <a:t> y el preprocesamiento de los datos, ya que adicionalmente estandarizamos los datos y seleccionamos las características mas importantes para evitar redundancias.</a:t>
+                <a:effectLst/>
+                <a:latin typeface="Calibri" panose="020F0502020204030204" pitchFamily="34" charset="0"/>
+                <a:ea typeface="Calibri" panose="020F0502020204030204" pitchFamily="34" charset="0"/>
+                <a:cs typeface="Times New Roman" panose="02020603050405020304" pitchFamily="18" charset="0"/>
+              </a:rPr>
+              <a:t>En la tabla 1 se puede observar con precisión el puntaje obtenido por cada clasificador y las redes neuronales.</a:t>
             </a:r>
           </a:p>
           <a:p>
-            <a:pPr marL="0" marR="0" lvl="0" indent="0" algn="just" rtl="0">
-              <a:spcBef>
-                <a:spcPts val="0"/>
-              </a:spcBef>
-              <a:spcAft>
-                <a:spcPts val="0"/>
-              </a:spcAft>
-              <a:buNone/>
+            <a:pPr algn="just">
+              <a:lnSpc>
+                <a:spcPct val="107000"/>
+              </a:lnSpc>
+              <a:spcAft>
+                <a:spcPts val="800"/>
+              </a:spcAft>
             </a:pPr>
             <a:endParaRPr lang="es-CO" sz="3200" dirty="0">
-              <a:solidFill>
-                <a:schemeClr val="dk1"/>
-              </a:solidFill>
-              <a:latin typeface="Calibri"/>
-              <a:ea typeface="Calibri"/>
-              <a:cs typeface="Calibri"/>
-              <a:sym typeface="Calibri"/>
+              <a:effectLst/>
+              <a:latin typeface="Calibri" panose="020F0502020204030204" pitchFamily="34" charset="0"/>
+              <a:ea typeface="Calibri" panose="020F0502020204030204" pitchFamily="34" charset="0"/>
+              <a:cs typeface="Times New Roman" panose="02020603050405020304" pitchFamily="18" charset="0"/>
             </a:endParaRPr>
           </a:p>
           <a:p>
-            <a:pPr marL="0" marR="0" lvl="0" indent="0" algn="just" rtl="0">
-              <a:spcBef>
-                <a:spcPts val="0"/>
-              </a:spcBef>
-              <a:spcAft>
-                <a:spcPts val="0"/>
-              </a:spcAft>
-              <a:buNone/>
+            <a:pPr algn="just">
+              <a:lnSpc>
+                <a:spcPct val="107000"/>
+              </a:lnSpc>
+              <a:spcAft>
+                <a:spcPts val="800"/>
+              </a:spcAft>
             </a:pPr>
             <a:r>
               <a:rPr lang="es-CO" sz="3200" dirty="0">
-                <a:solidFill>
-                  <a:schemeClr val="dk1"/>
-                </a:solidFill>
-                <a:latin typeface="Calibri"/>
-                <a:ea typeface="Calibri"/>
-                <a:cs typeface="Calibri"/>
-                <a:sym typeface="Calibri"/>
-              </a:rPr>
-              <a:t>En la tabla 1 se puede observar con precisión el puntaje obtenido por cada clasificador y las redes neuronales.</a:t>
-            </a:r>
-          </a:p>
-          <a:p>
-            <a:pPr marL="0" marR="0" lvl="0" indent="0" algn="just" rtl="0">
-              <a:spcBef>
-                <a:spcPts val="0"/>
-              </a:spcBef>
-              <a:spcAft>
-                <a:spcPts val="0"/>
-              </a:spcAft>
-              <a:buNone/>
-            </a:pPr>
-            <a:endParaRPr lang="es-CO" sz="3200" dirty="0">
-              <a:solidFill>
-                <a:schemeClr val="dk1"/>
-              </a:solidFill>
-              <a:latin typeface="Calibri"/>
-              <a:ea typeface="Calibri"/>
-              <a:cs typeface="Calibri"/>
-              <a:sym typeface="Calibri"/>
-            </a:endParaRPr>
-          </a:p>
-          <a:p>
-            <a:pPr marL="0" marR="0" lvl="0" indent="0" algn="just" rtl="0">
-              <a:spcBef>
-                <a:spcPts val="0"/>
-              </a:spcBef>
-              <a:spcAft>
-                <a:spcPts val="0"/>
-              </a:spcAft>
-              <a:buNone/>
-            </a:pPr>
-            <a:r>
-              <a:rPr lang="es-CO" sz="3200" dirty="0">
-                <a:solidFill>
-                  <a:schemeClr val="dk1"/>
-                </a:solidFill>
-                <a:latin typeface="Calibri"/>
-                <a:ea typeface="Calibri"/>
-                <a:cs typeface="Calibri"/>
-                <a:sym typeface="Calibri"/>
-              </a:rPr>
-              <a:t>En el grafico 1 se puede comparar de manera grafica el resultado de los clasificadores en este problema.</a:t>
+                <a:effectLst/>
+                <a:latin typeface="Calibri" panose="020F0502020204030204" pitchFamily="34" charset="0"/>
+                <a:ea typeface="Calibri" panose="020F0502020204030204" pitchFamily="34" charset="0"/>
+                <a:cs typeface="Times New Roman" panose="02020603050405020304" pitchFamily="18" charset="0"/>
+              </a:rPr>
+              <a:t>En el grafico 1 se puede comparar de manera gráfica el resultado de los clasificadores en este problema.</a:t>
             </a:r>
           </a:p>
         </p:txBody>
@@ -6103,7 +5987,7 @@
               <a:buNone/>
             </a:pPr>
             <a:r>
-              <a:rPr lang="es-CO" sz="3200" dirty="0" smtClean="0">
+              <a:rPr lang="es-CO" sz="3200" dirty="0">
                 <a:solidFill>
                   <a:schemeClr val="dk1"/>
                 </a:solidFill>
@@ -6171,7 +6055,7 @@
               <a:buChar char="●"/>
             </a:pPr>
             <a:r>
-              <a:rPr lang="es-CO" sz="3200" dirty="0" smtClean="0">
+              <a:rPr lang="es-CO" sz="3200" dirty="0">
                 <a:solidFill>
                   <a:schemeClr val="dk1"/>
                 </a:solidFill>
@@ -6183,7 +6067,7 @@
               <a:t>Se usa el </a:t>
             </a:r>
             <a:r>
-              <a:rPr lang="es-CO" sz="3200" dirty="0" err="1" smtClean="0">
+              <a:rPr lang="es-CO" sz="3200" dirty="0" err="1">
                 <a:solidFill>
                   <a:schemeClr val="dk1"/>
                 </a:solidFill>
@@ -6195,7 +6079,7 @@
               <a:t>dataset</a:t>
             </a:r>
             <a:r>
-              <a:rPr lang="es-CO" sz="3200" dirty="0" smtClean="0">
+              <a:rPr lang="es-CO" sz="3200" dirty="0">
                 <a:solidFill>
                   <a:schemeClr val="dk1"/>
                 </a:solidFill>
@@ -6206,15 +6090,6 @@
               </a:rPr>
               <a:t> de las grabaciones de las personas las cuales  se clasifican como hombre o mujer</a:t>
             </a:r>
-            <a:endParaRPr lang="es-CO" sz="3200" dirty="0">
-              <a:solidFill>
-                <a:schemeClr val="dk1"/>
-              </a:solidFill>
-              <a:latin typeface="Calibri"/>
-              <a:ea typeface="Calibri"/>
-              <a:cs typeface="Calibri"/>
-              <a:sym typeface="Calibri"/>
-            </a:endParaRPr>
           </a:p>
           <a:p>
             <a:pPr marL="457200" marR="0" lvl="0" indent="-431800" algn="just" rtl="0">
@@ -6232,7 +6107,7 @@
               <a:buChar char="●"/>
             </a:pPr>
             <a:r>
-              <a:rPr lang="es-CO" sz="3200" dirty="0" smtClean="0">
+              <a:rPr lang="es-CO" sz="3200" dirty="0">
                 <a:solidFill>
                   <a:schemeClr val="dk1"/>
                 </a:solidFill>
@@ -6244,7 +6119,7 @@
               <a:t>El </a:t>
             </a:r>
             <a:r>
-              <a:rPr lang="es-CO" sz="3200" dirty="0" err="1" smtClean="0">
+              <a:rPr lang="es-CO" sz="3200" dirty="0" err="1">
                 <a:solidFill>
                   <a:schemeClr val="dk1"/>
                 </a:solidFill>
@@ -6256,7 +6131,7 @@
               <a:t>dataset</a:t>
             </a:r>
             <a:r>
-              <a:rPr lang="es-CO" sz="3200" dirty="0" smtClean="0">
+              <a:rPr lang="es-CO" sz="3200" dirty="0">
                 <a:solidFill>
                   <a:schemeClr val="dk1"/>
                 </a:solidFill>
@@ -6291,41 +6166,8 @@
                 <a:cs typeface="Calibri"/>
                 <a:sym typeface="Calibri"/>
               </a:rPr>
-              <a:t> </a:t>
-            </a:r>
-            <a:r>
-              <a:rPr lang="es-CO" sz="3200" dirty="0" smtClean="0">
-                <a:solidFill>
-                  <a:schemeClr val="dk1"/>
-                </a:solidFill>
-                <a:latin typeface="Calibri"/>
-                <a:ea typeface="Calibri"/>
-                <a:cs typeface="Calibri"/>
-                <a:sym typeface="Calibri"/>
-              </a:rPr>
-              <a:t>    </a:t>
-            </a:r>
-            <a:r>
-              <a:rPr lang="es-CO" sz="3200" dirty="0" smtClean="0">
-                <a:solidFill>
-                  <a:schemeClr val="dk1"/>
-                </a:solidFill>
-                <a:latin typeface="Calibri"/>
-                <a:ea typeface="Calibri"/>
-                <a:cs typeface="Calibri"/>
-                <a:sym typeface="Calibri"/>
-              </a:rPr>
-              <a:t>son hombres y la otra mitad mujeres</a:t>
-            </a:r>
-            <a:endParaRPr lang="es-CO" sz="3200" dirty="0">
-              <a:solidFill>
-                <a:schemeClr val="dk1"/>
-              </a:solidFill>
-              <a:latin typeface="Calibri"/>
-              <a:ea typeface="Calibri"/>
-              <a:cs typeface="Calibri"/>
-              <a:sym typeface="Calibri"/>
-            </a:endParaRPr>
+              <a:t>     son hombres y la otra mitad mujeres</a:t>
+            </a:r>
           </a:p>
           <a:p>
             <a:pPr marL="457200" marR="0" lvl="0" indent="-431800" algn="just" rtl="0">
@@ -6343,7 +6185,7 @@
               <a:buChar char="●"/>
             </a:pPr>
             <a:r>
-              <a:rPr lang="es-CO" sz="3200" dirty="0" smtClean="0">
+              <a:rPr lang="es-CO" sz="3200" dirty="0">
                 <a:solidFill>
                   <a:schemeClr val="dk1"/>
                 </a:solidFill>
@@ -6367,31 +6209,7 @@
                 <a:cs typeface="Calibri"/>
                 <a:sym typeface="Calibri"/>
               </a:rPr>
-              <a:t> </a:t>
-            </a:r>
-            <a:r>
-              <a:rPr lang="es-CO" sz="3200" dirty="0" smtClean="0">
-                <a:solidFill>
-                  <a:schemeClr val="dk1"/>
-                </a:solidFill>
-                <a:latin typeface="Calibri"/>
-                <a:ea typeface="Calibri"/>
-                <a:cs typeface="Calibri"/>
-                <a:sym typeface="Calibri"/>
-              </a:rPr>
-              <a:t>    en R </a:t>
-            </a:r>
-            <a:r>
-              <a:rPr lang="es-CO" sz="3200" dirty="0" smtClean="0">
-                <a:solidFill>
-                  <a:schemeClr val="dk1"/>
-                </a:solidFill>
-                <a:latin typeface="Calibri"/>
-                <a:ea typeface="Calibri"/>
-                <a:cs typeface="Calibri"/>
-                <a:sym typeface="Calibri"/>
-              </a:rPr>
-              <a:t>usando los paquetes </a:t>
+              <a:t>     en R usando los paquetes </a:t>
             </a:r>
             <a:r>
               <a:rPr lang="es-ES" sz="3200" dirty="0" err="1">
@@ -6445,18 +6263,6 @@
           <a:p>
             <a:pPr lvl="0" algn="just"/>
             <a:r>
-              <a:rPr lang="es-ES" sz="3200" dirty="0" smtClean="0">
-                <a:solidFill>
-                  <a:schemeClr val="dk1"/>
-                </a:solidFill>
-                <a:latin typeface="Calibri"/>
-                <a:ea typeface="Calibri"/>
-                <a:cs typeface="Calibri"/>
-                <a:sym typeface="Calibri"/>
-              </a:rPr>
-              <a:t>     de </a:t>
-            </a:r>
-            <a:r>
               <a:rPr lang="es-ES" sz="3200" dirty="0">
                 <a:solidFill>
                   <a:schemeClr val="dk1"/>
@@ -6466,21 +6272,9 @@
                 <a:cs typeface="Calibri"/>
                 <a:sym typeface="Calibri"/>
               </a:rPr>
-              <a:t>frecuencia de </a:t>
-            </a:r>
-            <a:r>
-              <a:rPr lang="es-ES" sz="3200" dirty="0" smtClean="0">
-                <a:solidFill>
-                  <a:schemeClr val="dk1"/>
-                </a:solidFill>
-                <a:latin typeface="Calibri"/>
-                <a:ea typeface="Calibri"/>
-                <a:cs typeface="Calibri"/>
-                <a:sym typeface="Calibri"/>
-              </a:rPr>
-              <a:t>0hz-280hz.</a:t>
-            </a:r>
-            <a:endParaRPr lang="es-CO" sz="3200" dirty="0" smtClean="0">
+              <a:t>     de frecuencia de 0hz-280hz.</a:t>
+            </a:r>
+            <a:endParaRPr lang="es-CO" sz="3200" dirty="0">
               <a:solidFill>
                 <a:schemeClr val="dk1"/>
               </a:solidFill>
@@ -6583,295 +6377,199 @@
           </a:bodyPr>
           <a:lstStyle/>
           <a:p>
-            <a:pPr lvl="0" algn="just"/>
+            <a:pPr algn="just">
+              <a:lnSpc>
+                <a:spcPct val="107000"/>
+              </a:lnSpc>
+              <a:spcAft>
+                <a:spcPts val="800"/>
+              </a:spcAft>
+            </a:pPr>
             <a:r>
               <a:rPr lang="es-CO" sz="3200" dirty="0">
-                <a:solidFill>
-                  <a:schemeClr val="dk1"/>
-                </a:solidFill>
-                <a:latin typeface="Calibri"/>
-                <a:ea typeface="Calibri"/>
-                <a:cs typeface="Calibri"/>
-                <a:sym typeface="Calibri"/>
+                <a:effectLst/>
+                <a:latin typeface="Calibri" panose="020F0502020204030204" pitchFamily="34" charset="0"/>
+                <a:ea typeface="Calibri" panose="020F0502020204030204" pitchFamily="34" charset="0"/>
+                <a:cs typeface="Times New Roman" panose="02020603050405020304" pitchFamily="18" charset="0"/>
               </a:rPr>
               <a:t>En este proyecto podemos concluir que tanto las redes neuronales como los clasificadores son viables ya que tienen un comportamiento muy similar y por lo tanto resultados similares.</a:t>
             </a:r>
           </a:p>
           <a:p>
-            <a:pPr lvl="0" algn="just"/>
-            <a:endParaRPr lang="es-CO" sz="3200" dirty="0">
-              <a:solidFill>
-                <a:schemeClr val="dk1"/>
-              </a:solidFill>
-              <a:latin typeface="Calibri"/>
-              <a:ea typeface="Calibri"/>
-              <a:cs typeface="Calibri"/>
-              <a:sym typeface="Calibri"/>
-            </a:endParaRPr>
+            <a:pPr algn="just">
+              <a:lnSpc>
+                <a:spcPct val="107000"/>
+              </a:lnSpc>
+              <a:spcAft>
+                <a:spcPts val="800"/>
+              </a:spcAft>
+            </a:pPr>
+            <a:r>
+              <a:rPr lang="es-CO" sz="3200" dirty="0">
+                <a:effectLst/>
+                <a:latin typeface="Calibri" panose="020F0502020204030204" pitchFamily="34" charset="0"/>
+                <a:ea typeface="Calibri" panose="020F0502020204030204" pitchFamily="34" charset="0"/>
+                <a:cs typeface="Times New Roman" panose="02020603050405020304" pitchFamily="18" charset="0"/>
+              </a:rPr>
+              <a:t>También podemos concluir que tanto los clasificadores y las redes neuronales obtuvieron resultados muy elevados debido a que el </a:t>
+            </a:r>
+            <a:r>
+              <a:rPr lang="es-CO" sz="3200" dirty="0" err="1">
+                <a:effectLst/>
+                <a:latin typeface="Calibri" panose="020F0502020204030204" pitchFamily="34" charset="0"/>
+                <a:ea typeface="Calibri" panose="020F0502020204030204" pitchFamily="34" charset="0"/>
+                <a:cs typeface="Times New Roman" panose="02020603050405020304" pitchFamily="18" charset="0"/>
+              </a:rPr>
+              <a:t>dataset</a:t>
+            </a:r>
+            <a:r>
+              <a:rPr lang="es-CO" sz="3200" dirty="0">
+                <a:effectLst/>
+                <a:latin typeface="Calibri" panose="020F0502020204030204" pitchFamily="34" charset="0"/>
+                <a:ea typeface="Calibri" panose="020F0502020204030204" pitchFamily="34" charset="0"/>
+                <a:cs typeface="Times New Roman" panose="02020603050405020304" pitchFamily="18" charset="0"/>
+              </a:rPr>
+              <a:t> está perfectamente balanceado. Es decir, exactamente la mitad del </a:t>
+            </a:r>
+            <a:r>
+              <a:rPr lang="es-CO" sz="3200" dirty="0" err="1">
+                <a:effectLst/>
+                <a:latin typeface="Calibri" panose="020F0502020204030204" pitchFamily="34" charset="0"/>
+                <a:ea typeface="Calibri" panose="020F0502020204030204" pitchFamily="34" charset="0"/>
+                <a:cs typeface="Times New Roman" panose="02020603050405020304" pitchFamily="18" charset="0"/>
+              </a:rPr>
+              <a:t>dataset</a:t>
+            </a:r>
+            <a:r>
+              <a:rPr lang="es-CO" sz="3200" dirty="0">
+                <a:effectLst/>
+                <a:latin typeface="Calibri" panose="020F0502020204030204" pitchFamily="34" charset="0"/>
+                <a:ea typeface="Calibri" panose="020F0502020204030204" pitchFamily="34" charset="0"/>
+                <a:cs typeface="Times New Roman" panose="02020603050405020304" pitchFamily="18" charset="0"/>
+              </a:rPr>
+              <a:t> es de una clase y la otra mitad de la otra, además de que se realizó preprocesamiento de los datos.</a:t>
+            </a:r>
           </a:p>
           <a:p>
-            <a:pPr lvl="0" algn="just"/>
+            <a:pPr algn="just">
+              <a:lnSpc>
+                <a:spcPct val="107000"/>
+              </a:lnSpc>
+              <a:spcAft>
+                <a:spcPts val="800"/>
+              </a:spcAft>
+            </a:pPr>
             <a:r>
               <a:rPr lang="es-CO" sz="3200" dirty="0">
-                <a:solidFill>
-                  <a:schemeClr val="dk1"/>
-                </a:solidFill>
-                <a:latin typeface="Calibri"/>
-                <a:ea typeface="Calibri"/>
-                <a:cs typeface="Calibri"/>
-                <a:sym typeface="Calibri"/>
-              </a:rPr>
-              <a:t>También podemos concluir que tanto los clasificadores y las redes neuronales obtuvieron resultados muy elevados debido a que el </a:t>
+                <a:effectLst/>
+                <a:latin typeface="Calibri" panose="020F0502020204030204" pitchFamily="34" charset="0"/>
+                <a:ea typeface="Calibri" panose="020F0502020204030204" pitchFamily="34" charset="0"/>
+                <a:cs typeface="Times New Roman" panose="02020603050405020304" pitchFamily="18" charset="0"/>
+              </a:rPr>
+              <a:t>Teniendo esto en cuenta. La clasificación con mayor puntaje y por lo tanto más idóneo para trabajar con este </a:t>
             </a:r>
             <a:r>
               <a:rPr lang="es-CO" sz="3200" dirty="0" err="1">
-                <a:solidFill>
-                  <a:schemeClr val="dk1"/>
-                </a:solidFill>
-                <a:latin typeface="Calibri"/>
-                <a:ea typeface="Calibri"/>
-                <a:cs typeface="Calibri"/>
-                <a:sym typeface="Calibri"/>
+                <a:effectLst/>
+                <a:latin typeface="Calibri" panose="020F0502020204030204" pitchFamily="34" charset="0"/>
+                <a:ea typeface="Calibri" panose="020F0502020204030204" pitchFamily="34" charset="0"/>
+                <a:cs typeface="Times New Roman" panose="02020603050405020304" pitchFamily="18" charset="0"/>
               </a:rPr>
               <a:t>dataset</a:t>
             </a:r>
             <a:r>
               <a:rPr lang="es-CO" sz="3200" dirty="0">
-                <a:solidFill>
-                  <a:schemeClr val="dk1"/>
-                </a:solidFill>
-                <a:latin typeface="Calibri"/>
-                <a:ea typeface="Calibri"/>
-                <a:cs typeface="Calibri"/>
-                <a:sym typeface="Calibri"/>
-              </a:rPr>
-              <a:t> esta perfectamente balanceado. Es decir exactamente la mitad del </a:t>
+                <a:effectLst/>
+                <a:latin typeface="Calibri" panose="020F0502020204030204" pitchFamily="34" charset="0"/>
+                <a:ea typeface="Calibri" panose="020F0502020204030204" pitchFamily="34" charset="0"/>
+                <a:cs typeface="Times New Roman" panose="02020603050405020304" pitchFamily="18" charset="0"/>
+              </a:rPr>
+              <a:t> es la red neuronal con 3 capas y 50 </a:t>
             </a:r>
             <a:r>
               <a:rPr lang="es-CO" sz="3200" dirty="0" err="1">
-                <a:solidFill>
-                  <a:schemeClr val="dk1"/>
-                </a:solidFill>
-                <a:latin typeface="Calibri"/>
-                <a:ea typeface="Calibri"/>
-                <a:cs typeface="Calibri"/>
-                <a:sym typeface="Calibri"/>
-              </a:rPr>
-              <a:t>dataset</a:t>
+                <a:effectLst/>
+                <a:latin typeface="Calibri" panose="020F0502020204030204" pitchFamily="34" charset="0"/>
+                <a:ea typeface="Calibri" panose="020F0502020204030204" pitchFamily="34" charset="0"/>
+                <a:cs typeface="Times New Roman" panose="02020603050405020304" pitchFamily="18" charset="0"/>
+              </a:rPr>
+              <a:t>epochs</a:t>
             </a:r>
             <a:r>
               <a:rPr lang="es-CO" sz="3200" dirty="0">
-                <a:solidFill>
-                  <a:schemeClr val="dk1"/>
-                </a:solidFill>
-                <a:latin typeface="Calibri"/>
-                <a:ea typeface="Calibri"/>
-                <a:cs typeface="Calibri"/>
-                <a:sym typeface="Calibri"/>
-              </a:rPr>
-              <a:t> es de una clase y la otra mitad de la otra, además de que se realizo preprocesamiento de los datos.</a:t>
+                <a:effectLst/>
+                <a:latin typeface="Calibri" panose="020F0502020204030204" pitchFamily="34" charset="0"/>
+                <a:ea typeface="Calibri" panose="020F0502020204030204" pitchFamily="34" charset="0"/>
+                <a:cs typeface="Times New Roman" panose="02020603050405020304" pitchFamily="18" charset="0"/>
+              </a:rPr>
+              <a:t>, esta red neuronal cuenta con una capa de entrada, una capa densa de 1000 neuronas con la función de activación </a:t>
+            </a:r>
+            <a:r>
+              <a:rPr lang="es-CO" sz="3200" dirty="0" err="1">
+                <a:effectLst/>
+                <a:latin typeface="Calibri" panose="020F0502020204030204" pitchFamily="34" charset="0"/>
+                <a:ea typeface="Calibri" panose="020F0502020204030204" pitchFamily="34" charset="0"/>
+                <a:cs typeface="Times New Roman" panose="02020603050405020304" pitchFamily="18" charset="0"/>
+              </a:rPr>
+              <a:t>relu</a:t>
+            </a:r>
+            <a:r>
+              <a:rPr lang="es-CO" sz="3200" dirty="0">
+                <a:effectLst/>
+                <a:latin typeface="Calibri" panose="020F0502020204030204" pitchFamily="34" charset="0"/>
+                <a:ea typeface="Calibri" panose="020F0502020204030204" pitchFamily="34" charset="0"/>
+                <a:cs typeface="Times New Roman" panose="02020603050405020304" pitchFamily="18" charset="0"/>
+              </a:rPr>
+              <a:t> y una capa de salida con la función de activación sigmoide y se entrenó con 50 </a:t>
+            </a:r>
+            <a:r>
+              <a:rPr lang="es-CO" sz="3200" dirty="0" err="1">
+                <a:effectLst/>
+                <a:latin typeface="Calibri" panose="020F0502020204030204" pitchFamily="34" charset="0"/>
+                <a:ea typeface="Calibri" panose="020F0502020204030204" pitchFamily="34" charset="0"/>
+                <a:cs typeface="Times New Roman" panose="02020603050405020304" pitchFamily="18" charset="0"/>
+              </a:rPr>
+              <a:t>epochs</a:t>
+            </a:r>
+            <a:r>
+              <a:rPr lang="es-CO" sz="3200" dirty="0">
+                <a:effectLst/>
+                <a:latin typeface="Calibri" panose="020F0502020204030204" pitchFamily="34" charset="0"/>
+                <a:ea typeface="Calibri" panose="020F0502020204030204" pitchFamily="34" charset="0"/>
+                <a:cs typeface="Times New Roman" panose="02020603050405020304" pitchFamily="18" charset="0"/>
+              </a:rPr>
+              <a:t>. Obteniendo un puntaje de 98.81%.</a:t>
             </a:r>
           </a:p>
           <a:p>
-            <a:pPr lvl="0" algn="just"/>
-            <a:endParaRPr lang="es-CO" sz="3200" dirty="0">
-              <a:solidFill>
-                <a:schemeClr val="dk1"/>
-              </a:solidFill>
-              <a:latin typeface="Calibri"/>
-              <a:ea typeface="Calibri"/>
-              <a:cs typeface="Calibri"/>
-              <a:sym typeface="Calibri"/>
-            </a:endParaRPr>
-          </a:p>
-          <a:p>
-            <a:pPr lvl="0" algn="just"/>
+            <a:pPr algn="just"/>
             <a:r>
               <a:rPr lang="es-CO" sz="3200" dirty="0">
-                <a:solidFill>
-                  <a:schemeClr val="dk1"/>
-                </a:solidFill>
-                <a:latin typeface="Calibri"/>
-                <a:ea typeface="Calibri"/>
-                <a:cs typeface="Calibri"/>
-                <a:sym typeface="Calibri"/>
-              </a:rPr>
-              <a:t>Teniendo esto en cuenta. La </a:t>
+                <a:effectLst/>
+                <a:latin typeface="Calibri" panose="020F0502020204030204" pitchFamily="34" charset="0"/>
+                <a:ea typeface="Calibri" panose="020F0502020204030204" pitchFamily="34" charset="0"/>
+                <a:cs typeface="Times New Roman" panose="02020603050405020304" pitchFamily="18" charset="0"/>
+              </a:rPr>
+              <a:t>La segunda alternativa es trabajar el </a:t>
             </a:r>
             <a:r>
               <a:rPr lang="es-CO" sz="3200" dirty="0" err="1">
-                <a:solidFill>
-                  <a:schemeClr val="dk1"/>
-                </a:solidFill>
-                <a:latin typeface="Calibri"/>
-                <a:ea typeface="Calibri"/>
-                <a:cs typeface="Calibri"/>
-                <a:sym typeface="Calibri"/>
-              </a:rPr>
-              <a:t>clasificacion</a:t>
+                <a:effectLst/>
+                <a:latin typeface="Calibri" panose="020F0502020204030204" pitchFamily="34" charset="0"/>
+                <a:ea typeface="Calibri" panose="020F0502020204030204" pitchFamily="34" charset="0"/>
+                <a:cs typeface="Times New Roman" panose="02020603050405020304" pitchFamily="18" charset="0"/>
+              </a:rPr>
+              <a:t>dataset</a:t>
             </a:r>
             <a:r>
               <a:rPr lang="es-CO" sz="3200" dirty="0">
-                <a:solidFill>
-                  <a:schemeClr val="dk1"/>
-                </a:solidFill>
-                <a:latin typeface="Calibri"/>
-                <a:ea typeface="Calibri"/>
-                <a:cs typeface="Calibri"/>
-                <a:sym typeface="Calibri"/>
-              </a:rPr>
-              <a:t> con mayor puntaje y por lo tanto mas idóneo para trabajar con este </a:t>
-            </a:r>
-            <a:r>
-              <a:rPr lang="es-CO" sz="3200" dirty="0" err="1">
-                <a:solidFill>
-                  <a:schemeClr val="dk1"/>
-                </a:solidFill>
-                <a:latin typeface="Calibri"/>
-                <a:ea typeface="Calibri"/>
-                <a:cs typeface="Calibri"/>
-                <a:sym typeface="Calibri"/>
-              </a:rPr>
-              <a:t>dataset</a:t>
-            </a:r>
-            <a:r>
-              <a:rPr lang="es-CO" sz="3200" dirty="0">
-                <a:solidFill>
-                  <a:schemeClr val="dk1"/>
-                </a:solidFill>
-                <a:latin typeface="Calibri"/>
-                <a:ea typeface="Calibri"/>
-                <a:cs typeface="Calibri"/>
-                <a:sym typeface="Calibri"/>
-              </a:rPr>
-              <a:t> es la red neuronal con 3 capas y 50 </a:t>
-            </a:r>
-            <a:r>
-              <a:rPr lang="es-CO" sz="3200" dirty="0" err="1">
-                <a:solidFill>
-                  <a:schemeClr val="dk1"/>
-                </a:solidFill>
-                <a:latin typeface="Calibri"/>
-                <a:ea typeface="Calibri"/>
-                <a:cs typeface="Calibri"/>
-                <a:sym typeface="Calibri"/>
-              </a:rPr>
-              <a:t>epochs</a:t>
-            </a:r>
-            <a:r>
-              <a:rPr lang="es-CO" sz="3200" dirty="0">
-                <a:solidFill>
-                  <a:schemeClr val="dk1"/>
-                </a:solidFill>
-                <a:latin typeface="Calibri"/>
-                <a:ea typeface="Calibri"/>
-                <a:cs typeface="Calibri"/>
-                <a:sym typeface="Calibri"/>
-              </a:rPr>
-              <a:t>, esta red neuronal cuenta con una capa de entrada, una capa densa de 1000 neuronas con la función de activación </a:t>
-            </a:r>
-            <a:r>
-              <a:rPr lang="es-CO" sz="3200" dirty="0" err="1">
-                <a:solidFill>
-                  <a:schemeClr val="dk1"/>
-                </a:solidFill>
-                <a:latin typeface="Calibri"/>
-                <a:ea typeface="Calibri"/>
-                <a:cs typeface="Calibri"/>
-                <a:sym typeface="Calibri"/>
-              </a:rPr>
-              <a:t>relu</a:t>
-            </a:r>
-            <a:r>
-              <a:rPr lang="es-CO" sz="3200" dirty="0">
-                <a:solidFill>
-                  <a:schemeClr val="dk1"/>
-                </a:solidFill>
-                <a:latin typeface="Calibri"/>
-                <a:ea typeface="Calibri"/>
-                <a:cs typeface="Calibri"/>
-                <a:sym typeface="Calibri"/>
-              </a:rPr>
-              <a:t> y una capa de salida con la función de activación sigmoide y se entreno con 50 </a:t>
-            </a:r>
-            <a:r>
-              <a:rPr lang="es-CO" sz="3200" dirty="0" err="1">
-                <a:solidFill>
-                  <a:schemeClr val="dk1"/>
-                </a:solidFill>
-                <a:latin typeface="Calibri"/>
-                <a:ea typeface="Calibri"/>
-                <a:cs typeface="Calibri"/>
-                <a:sym typeface="Calibri"/>
-              </a:rPr>
-              <a:t>epochs</a:t>
-            </a:r>
-            <a:r>
-              <a:rPr lang="es-CO" sz="3200" dirty="0">
-                <a:solidFill>
-                  <a:schemeClr val="dk1"/>
-                </a:solidFill>
-                <a:latin typeface="Calibri"/>
-                <a:ea typeface="Calibri"/>
-                <a:cs typeface="Calibri"/>
-                <a:sym typeface="Calibri"/>
-              </a:rPr>
-              <a:t>. Obteniendo un puntaje de 98.81%.</a:t>
-            </a:r>
-          </a:p>
-          <a:p>
-            <a:pPr lvl="0" algn="just"/>
-            <a:endParaRPr lang="es-CO" sz="3200" dirty="0">
-              <a:solidFill>
-                <a:schemeClr val="dk1"/>
-              </a:solidFill>
-              <a:latin typeface="Calibri"/>
-              <a:ea typeface="Calibri"/>
-              <a:cs typeface="Calibri"/>
-              <a:sym typeface="Calibri"/>
-            </a:endParaRPr>
-          </a:p>
-          <a:p>
-            <a:pPr lvl="0" algn="just"/>
-            <a:r>
-              <a:rPr lang="es-CO" sz="3200" dirty="0">
-                <a:solidFill>
-                  <a:schemeClr val="dk1"/>
-                </a:solidFill>
-                <a:latin typeface="Calibri"/>
-                <a:ea typeface="Calibri"/>
-                <a:cs typeface="Calibri"/>
-                <a:sym typeface="Calibri"/>
-              </a:rPr>
-              <a:t>La segunda alternativa es trabajar el </a:t>
-            </a:r>
-            <a:r>
-              <a:rPr lang="es-CO" sz="3200" dirty="0" err="1">
-                <a:solidFill>
-                  <a:schemeClr val="dk1"/>
-                </a:solidFill>
-                <a:latin typeface="Calibri"/>
-                <a:ea typeface="Calibri"/>
-                <a:cs typeface="Calibri"/>
-                <a:sym typeface="Calibri"/>
-              </a:rPr>
-              <a:t>dataset</a:t>
-            </a:r>
-            <a:r>
-              <a:rPr lang="es-CO" sz="3200" dirty="0">
-                <a:solidFill>
-                  <a:schemeClr val="dk1"/>
-                </a:solidFill>
-                <a:latin typeface="Calibri"/>
-                <a:ea typeface="Calibri"/>
-                <a:cs typeface="Calibri"/>
-                <a:sym typeface="Calibri"/>
+                <a:effectLst/>
+                <a:latin typeface="Calibri" panose="020F0502020204030204" pitchFamily="34" charset="0"/>
+                <a:ea typeface="Calibri" panose="020F0502020204030204" pitchFamily="34" charset="0"/>
+                <a:cs typeface="Times New Roman" panose="02020603050405020304" pitchFamily="18" charset="0"/>
               </a:rPr>
               <a:t> con SVM ya que logro un puntaje de 98.73% que es el segundo mejor puntaje logrado en este trabajo.</a:t>
             </a:r>
-          </a:p>
-          <a:p>
-            <a:pPr lvl="0" algn="just"/>
             <a:endParaRPr lang="es-CO" sz="3200" dirty="0">
               <a:solidFill>
                 <a:schemeClr val="dk1"/>
@@ -7895,7 +7593,7 @@
                 <a:cs typeface="Calibri"/>
                 <a:sym typeface="Calibri"/>
               </a:rPr>
-              <a:t>Comparacion</a:t>
+              <a:t>Comparación</a:t>
             </a:r>
             <a:r>
               <a:rPr lang="en-US" sz="2400" dirty="0">
@@ -7978,7 +7676,7 @@
               <a:buNone/>
             </a:pPr>
             <a:r>
-              <a:rPr lang="es-CO" sz="3200" dirty="0" smtClean="0">
+              <a:rPr lang="es-CO" sz="3200" dirty="0">
                 <a:solidFill>
                   <a:schemeClr val="dk1"/>
                 </a:solidFill>
@@ -9179,21 +8877,6 @@
 </file>
 
 <file path=customXml/item1.xml><?xml version="1.0" encoding="utf-8"?>
-<p:properties xmlns:p="http://schemas.microsoft.com/office/2006/metadata/properties" xmlns:xsi="http://www.w3.org/2001/XMLSchema-instance" xmlns:pc="http://schemas.microsoft.com/office/infopath/2007/PartnerControls">
-  <documentManagement/>
-</p:properties>
-</file>
-
-<file path=customXml/item2.xml><?xml version="1.0" encoding="utf-8"?>
-<?mso-contentType ?>
-<FormTemplates xmlns="http://schemas.microsoft.com/sharepoint/v3/contenttype/forms">
-  <Display>DocumentLibraryForm</Display>
-  <Edit>DocumentLibraryForm</Edit>
-  <New>DocumentLibraryForm</New>
-</FormTemplates>
-</file>
-
-<file path=customXml/item3.xml><?xml version="1.0" encoding="utf-8"?>
 <ct:contentTypeSchema xmlns:ct="http://schemas.microsoft.com/office/2006/metadata/contentType" xmlns:ma="http://schemas.microsoft.com/office/2006/metadata/properties/metaAttributes" ct:_="" ma:_="" ma:contentTypeName="Documento" ma:contentTypeID="0x0101007228C2A1DD830841B81CFDEE76E36F01" ma:contentTypeVersion="8" ma:contentTypeDescription="Crear nuevo documento." ma:contentTypeScope="" ma:versionID="5b4db549523a0a29bdd783dcede98f20">
   <xsd:schema xmlns:xsd="http://www.w3.org/2001/XMLSchema" xmlns:xs="http://www.w3.org/2001/XMLSchema" xmlns:p="http://schemas.microsoft.com/office/2006/metadata/properties" xmlns:ns2="2d405435-45be-43e4-8998-645d85a018d9" targetNamespace="http://schemas.microsoft.com/office/2006/metadata/properties" ma:root="true" ma:fieldsID="46994ad050463fad6ab80e45ba309368" ns2:_="">
     <xsd:import namespace="2d405435-45be-43e4-8998-645d85a018d9"/>
@@ -9365,24 +9048,22 @@
 </ct:contentTypeSchema>
 </file>
 
-<file path=customXml/itemProps1.xml><?xml version="1.0" encoding="utf-8"?>
-<ds:datastoreItem xmlns:ds="http://schemas.openxmlformats.org/officeDocument/2006/customXml" ds:itemID="{1E97E41D-B09E-4D3D-82C8-D317E003E535}">
-  <ds:schemaRefs>
-    <ds:schemaRef ds:uri="http://schemas.microsoft.com/office/2006/metadata/properties"/>
-    <ds:schemaRef ds:uri="http://schemas.microsoft.com/office/infopath/2007/PartnerControls"/>
-  </ds:schemaRefs>
-</ds:datastoreItem>
+<file path=customXml/item2.xml><?xml version="1.0" encoding="utf-8"?>
+<?mso-contentType ?>
+<FormTemplates xmlns="http://schemas.microsoft.com/sharepoint/v3/contenttype/forms">
+  <Display>DocumentLibraryForm</Display>
+  <Edit>DocumentLibraryForm</Edit>
+  <New>DocumentLibraryForm</New>
+</FormTemplates>
 </file>
 
-<file path=customXml/itemProps2.xml><?xml version="1.0" encoding="utf-8"?>
-<ds:datastoreItem xmlns:ds="http://schemas.openxmlformats.org/officeDocument/2006/customXml" ds:itemID="{3BF0E178-1F1F-49D9-BA72-76510F1C1AB3}">
-  <ds:schemaRefs>
-    <ds:schemaRef ds:uri="http://schemas.microsoft.com/sharepoint/v3/contenttype/forms"/>
-  </ds:schemaRefs>
-</ds:datastoreItem>
+<file path=customXml/item3.xml><?xml version="1.0" encoding="utf-8"?>
+<p:properties xmlns:p="http://schemas.microsoft.com/office/2006/metadata/properties" xmlns:xsi="http://www.w3.org/2001/XMLSchema-instance" xmlns:pc="http://schemas.microsoft.com/office/infopath/2007/PartnerControls">
+  <documentManagement/>
+</p:properties>
 </file>
 
-<file path=customXml/itemProps3.xml><?xml version="1.0" encoding="utf-8"?>
+<file path=customXml/itemProps1.xml><?xml version="1.0" encoding="utf-8"?>
 <ds:datastoreItem xmlns:ds="http://schemas.openxmlformats.org/officeDocument/2006/customXml" ds:itemID="{4501F22B-80A4-4690-92F4-7702F861606D}">
   <ds:schemaRefs>
     <ds:schemaRef ds:uri="http://schemas.microsoft.com/office/2006/metadata/contentType"/>
@@ -9398,4 +9079,21 @@
     <ds:schemaRef ds:uri="http://schemas.microsoft.com/internal/obd"/>
   </ds:schemaRefs>
 </ds:datastoreItem>
+</file>
+
+<file path=customXml/itemProps2.xml><?xml version="1.0" encoding="utf-8"?>
+<ds:datastoreItem xmlns:ds="http://schemas.openxmlformats.org/officeDocument/2006/customXml" ds:itemID="{3BF0E178-1F1F-49D9-BA72-76510F1C1AB3}">
+  <ds:schemaRefs>
+    <ds:schemaRef ds:uri="http://schemas.microsoft.com/sharepoint/v3/contenttype/forms"/>
+  </ds:schemaRefs>
+</ds:datastoreItem>
+</file>
+
+<file path=customXml/itemProps3.xml><?xml version="1.0" encoding="utf-8"?>
+<ds:datastoreItem xmlns:ds="http://schemas.openxmlformats.org/officeDocument/2006/customXml" ds:itemID="{1E97E41D-B09E-4D3D-82C8-D317E003E535}">
+  <ds:schemaRefs>
+    <ds:schemaRef ds:uri="http://schemas.microsoft.com/office/2006/metadata/properties"/>
+    <ds:schemaRef ds:uri="http://schemas.microsoft.com/office/infopath/2007/PartnerControls"/>
+  </ds:schemaRefs>
+</ds:datastoreItem>
 </file>
--- a/Poster/TemplateSystemsFest_IA2020-1 (2).pptx
+++ b/Poster/TemplateSystemsFest_IA2020-1 (2).pptx
@@ -4295,7 +4295,69 @@
                 <a:cs typeface="Calibri"/>
                 <a:sym typeface="Calibri"/>
               </a:rPr>
-              <a:t> Autor 1, Email:</a:t>
+              <a:t> Nicolas Galvan Alvarez, Email: nicogalvan1@hotmail.com</a:t>
+            </a:r>
+          </a:p>
+          <a:p>
+            <a:pPr marL="0" lvl="0" indent="0" algn="just" rtl="0">
+              <a:lnSpc>
+                <a:spcPct val="90000"/>
+              </a:lnSpc>
+              <a:spcBef>
+                <a:spcPts val="0"/>
+              </a:spcBef>
+              <a:spcAft>
+                <a:spcPts val="0"/>
+              </a:spcAft>
+              <a:buNone/>
+            </a:pPr>
+            <a:r>
+              <a:rPr lang="en-US" sz="2800" dirty="0" err="1">
+                <a:solidFill>
+                  <a:schemeClr val="bg1"/>
+                </a:solidFill>
+                <a:latin typeface="Candara" panose="020E0502030303020204" pitchFamily="34" charset="0"/>
+                <a:ea typeface="Calibri"/>
+                <a:cs typeface="Calibri"/>
+                <a:sym typeface="Calibri"/>
+              </a:rPr>
+              <a:t>Nombre</a:t>
+            </a:r>
+            <a:r>
+              <a:rPr lang="en-US" sz="2800" dirty="0">
+                <a:solidFill>
+                  <a:schemeClr val="bg1"/>
+                </a:solidFill>
+                <a:latin typeface="Candara" panose="020E0502030303020204" pitchFamily="34" charset="0"/>
+                <a:ea typeface="Calibri"/>
+                <a:cs typeface="Calibri"/>
+                <a:sym typeface="Calibri"/>
+              </a:rPr>
+              <a:t> Hazel David </a:t>
+            </a:r>
+            <a:r>
+              <a:rPr lang="en-US" sz="2800" dirty="0" err="1">
+                <a:solidFill>
+                  <a:schemeClr val="bg1"/>
+                </a:solidFill>
+                <a:latin typeface="Candara" panose="020E0502030303020204" pitchFamily="34" charset="0"/>
+                <a:ea typeface="Calibri"/>
+                <a:cs typeface="Calibri"/>
+                <a:sym typeface="Calibri"/>
+              </a:rPr>
+              <a:t>Pinzón</a:t>
+            </a:r>
+            <a:r>
+              <a:rPr lang="en-US" sz="2800" dirty="0">
+                <a:solidFill>
+                  <a:schemeClr val="bg1"/>
+                </a:solidFill>
+                <a:latin typeface="Candara" panose="020E0502030303020204" pitchFamily="34" charset="0"/>
+                <a:ea typeface="Calibri"/>
+                <a:cs typeface="Calibri"/>
+                <a:sym typeface="Calibri"/>
+              </a:rPr>
+              <a:t> Uribe, Email: hazelpinzon13@gmail.com</a:t>
             </a:r>
             <a:endParaRPr sz="2800" dirty="0">
               <a:solidFill>
@@ -4342,54 +4404,7 @@
                 <a:cs typeface="Calibri"/>
                 <a:sym typeface="Calibri"/>
               </a:rPr>
-              <a:t> Autor 2, Email:</a:t>
-            </a:r>
-            <a:endParaRPr sz="2800" dirty="0">
-              <a:solidFill>
-                <a:schemeClr val="bg1"/>
-              </a:solidFill>
-              <a:latin typeface="Candara" panose="020E0502030303020204" pitchFamily="34" charset="0"/>
-              <a:ea typeface="Calibri"/>
-              <a:cs typeface="Calibri"/>
-              <a:sym typeface="Calibri"/>
-            </a:endParaRPr>
-          </a:p>
-          <a:p>
-            <a:pPr marL="0" lvl="0" indent="0" algn="just" rtl="0">
-              <a:lnSpc>
-                <a:spcPct val="90000"/>
-              </a:lnSpc>
-              <a:spcBef>
-                <a:spcPts val="0"/>
-              </a:spcBef>
-              <a:spcAft>
-                <a:spcPts val="0"/>
-              </a:spcAft>
-              <a:buNone/>
-            </a:pPr>
-            <a:r>
-              <a:rPr lang="en-US" sz="2800" dirty="0" err="1">
-                <a:solidFill>
-                  <a:schemeClr val="bg1"/>
-                </a:solidFill>
-                <a:latin typeface="Candara" panose="020E0502030303020204" pitchFamily="34" charset="0"/>
-                <a:ea typeface="Calibri"/>
-                <a:cs typeface="Calibri"/>
-                <a:sym typeface="Calibri"/>
-              </a:rPr>
-              <a:t>Nombre</a:t>
-            </a:r>
-            <a:r>
-              <a:rPr lang="en-US" sz="2800" dirty="0">
-                <a:solidFill>
-                  <a:schemeClr val="bg1"/>
-                </a:solidFill>
-                <a:latin typeface="Candara" panose="020E0502030303020204" pitchFamily="34" charset="0"/>
-                <a:ea typeface="Calibri"/>
-                <a:cs typeface="Calibri"/>
-                <a:sym typeface="Calibri"/>
-              </a:rPr>
-              <a:t> Autor 3, Email:</a:t>
+              <a:t> Mateo Orozco Ardila, Email: oromateo@hotmail.com</a:t>
             </a:r>
             <a:endParaRPr sz="2800" dirty="0">
               <a:solidFill>
@@ -4592,13 +4607,7 @@
           </a:bodyPr>
           <a:lstStyle/>
           <a:p>
-            <a:pPr marL="342842" marR="0" lvl="0" indent="-342842" algn="l" rtl="0">
-              <a:spcBef>
-                <a:spcPts val="0"/>
-              </a:spcBef>
-              <a:spcAft>
-                <a:spcPts val="0"/>
-              </a:spcAft>
+            <a:pPr marL="342842" indent="-342842">
               <a:buClr>
                 <a:schemeClr val="dk1"/>
               </a:buClr>
@@ -4607,6 +4616,116 @@
               <a:buAutoNum type="arabicPeriod"/>
             </a:pPr>
             <a:r>
+              <a:rPr lang="es-ES" sz="1600" dirty="0">
+                <a:solidFill>
+                  <a:schemeClr val="bg1"/>
+                </a:solidFill>
+                <a:latin typeface="Calibri"/>
+                <a:cs typeface="Calibri"/>
+                <a:sym typeface="Calibri"/>
+              </a:rPr>
+              <a:t>José Luis, Sergio Suárez. (2006). Algoritmos y Métodos para el Reconocimiento de Voz en Español Mediante Silabas. Computación y Sistemas </a:t>
+            </a:r>
+            <a:r>
+              <a:rPr lang="es-ES" sz="1600" dirty="0" err="1">
+                <a:solidFill>
+                  <a:schemeClr val="bg1"/>
+                </a:solidFill>
+                <a:latin typeface="Calibri"/>
+                <a:cs typeface="Calibri"/>
+                <a:sym typeface="Calibri"/>
+              </a:rPr>
+              <a:t>Vol</a:t>
+            </a:r>
+            <a:r>
+              <a:rPr lang="es-ES" sz="1600" dirty="0">
+                <a:solidFill>
+                  <a:schemeClr val="bg1"/>
+                </a:solidFill>
+                <a:latin typeface="Calibri"/>
+                <a:cs typeface="Calibri"/>
+                <a:sym typeface="Calibri"/>
+              </a:rPr>
+              <a:t> 9 </a:t>
+            </a:r>
+            <a:r>
+              <a:rPr lang="es-ES" sz="1600" dirty="0" err="1">
+                <a:solidFill>
+                  <a:schemeClr val="bg1"/>
+                </a:solidFill>
+                <a:latin typeface="Calibri"/>
+                <a:cs typeface="Calibri"/>
+                <a:sym typeface="Calibri"/>
+              </a:rPr>
+              <a:t>Núm</a:t>
+            </a:r>
+            <a:r>
+              <a:rPr lang="es-ES" sz="1600" dirty="0">
+                <a:solidFill>
+                  <a:schemeClr val="bg1"/>
+                </a:solidFill>
+                <a:latin typeface="Calibri"/>
+                <a:cs typeface="Calibri"/>
+                <a:sym typeface="Calibri"/>
+              </a:rPr>
+              <a:t> 3 </a:t>
+            </a:r>
+            <a:r>
+              <a:rPr lang="es-ES" sz="1600" dirty="0" err="1">
+                <a:solidFill>
+                  <a:schemeClr val="bg1"/>
+                </a:solidFill>
+                <a:latin typeface="Calibri"/>
+                <a:cs typeface="Calibri"/>
+                <a:sym typeface="Calibri"/>
+              </a:rPr>
+              <a:t>pp</a:t>
+            </a:r>
+            <a:r>
+              <a:rPr lang="es-ES" sz="1600" dirty="0">
+                <a:solidFill>
+                  <a:schemeClr val="bg1"/>
+                </a:solidFill>
+                <a:latin typeface="Calibri"/>
+                <a:cs typeface="Calibri"/>
+                <a:sym typeface="Calibri"/>
+              </a:rPr>
+              <a:t> 270-286. Recuperado en 06 de septiembre de 2020, de http://www.scielo.org.mx/pdf/cys/v9n3/v9n3a7.pdf.</a:t>
+            </a:r>
+            <a:endParaRPr lang="es-ES" sz="1600" dirty="0">
+              <a:solidFill>
+                <a:schemeClr val="bg1"/>
+              </a:solidFill>
+            </a:endParaRPr>
+          </a:p>
+          <a:p>
+            <a:pPr marL="342842" marR="0" lvl="0" indent="-342842" algn="l" rtl="0">
+              <a:spcBef>
+                <a:spcPts val="0"/>
+              </a:spcBef>
+              <a:spcAft>
+                <a:spcPts val="0"/>
+              </a:spcAft>
+              <a:buClr>
+                <a:schemeClr val="dk1"/>
+              </a:buClr>
+              <a:buSzPts val="1600"/>
+              <a:buFont typeface="Calibri"/>
+              <a:buAutoNum type="arabicPeriod"/>
+            </a:pPr>
+            <a:r>
+              <a:rPr lang="en-US" sz="1600" dirty="0" err="1">
+                <a:solidFill>
+                  <a:schemeClr val="bg1"/>
+                </a:solidFill>
+                <a:latin typeface="Calibri"/>
+                <a:ea typeface="Calibri"/>
+                <a:cs typeface="Calibri"/>
+                <a:sym typeface="Calibri"/>
+              </a:rPr>
+              <a:t>Fosler</a:t>
+            </a:r>
+            <a:r>
               <a:rPr lang="en-US" sz="1600" dirty="0">
                 <a:solidFill>
                   <a:schemeClr val="bg1"/>
@@ -4616,7 +4735,7 @@
                 <a:cs typeface="Calibri"/>
                 <a:sym typeface="Calibri"/>
               </a:rPr>
-              <a:t>Lam Díaz, Rosa María. (2016). La </a:t>
+              <a:t> et al. (1999). </a:t>
             </a:r>
             <a:r>
               <a:rPr lang="en-US" sz="1600" dirty="0" err="1">
@@ -4628,7 +4747,7 @@
                 <a:cs typeface="Calibri"/>
                 <a:sym typeface="Calibri"/>
               </a:rPr>
-              <a:t>redacción</a:t>
+              <a:t>Fosler</a:t>
             </a:r>
             <a:r>
               <a:rPr lang="en-US" sz="1600" dirty="0">
@@ -4640,247 +4759,7 @@
                 <a:cs typeface="Calibri"/>
                 <a:sym typeface="Calibri"/>
               </a:rPr>
-              <a:t> de un </a:t>
-            </a:r>
-            <a:r>
-              <a:rPr lang="en-US" sz="1600" dirty="0" err="1">
-                <a:solidFill>
-                  <a:schemeClr val="bg1"/>
-                </a:solidFill>
-                <a:latin typeface="Calibri"/>
-                <a:ea typeface="Calibri"/>
-                <a:cs typeface="Calibri"/>
-                <a:sym typeface="Calibri"/>
-              </a:rPr>
-              <a:t>artículo</a:t>
-            </a:r>
-            <a:r>
-              <a:rPr lang="en-US" sz="1600" dirty="0">
-                <a:solidFill>
-                  <a:schemeClr val="bg1"/>
-                </a:solidFill>
-                <a:latin typeface="Calibri"/>
-                <a:ea typeface="Calibri"/>
-                <a:cs typeface="Calibri"/>
-                <a:sym typeface="Calibri"/>
-              </a:rPr>
-              <a:t> </a:t>
-            </a:r>
-            <a:r>
-              <a:rPr lang="en-US" sz="1600" dirty="0" err="1">
-                <a:solidFill>
-                  <a:schemeClr val="bg1"/>
-                </a:solidFill>
-                <a:latin typeface="Calibri"/>
-                <a:ea typeface="Calibri"/>
-                <a:cs typeface="Calibri"/>
-                <a:sym typeface="Calibri"/>
-              </a:rPr>
-              <a:t>científico</a:t>
-            </a:r>
-            <a:r>
-              <a:rPr lang="en-US" sz="1600" dirty="0">
-                <a:solidFill>
-                  <a:schemeClr val="bg1"/>
-                </a:solidFill>
-                <a:latin typeface="Calibri"/>
-                <a:ea typeface="Calibri"/>
-                <a:cs typeface="Calibri"/>
-                <a:sym typeface="Calibri"/>
-              </a:rPr>
-              <a:t>. </a:t>
-            </a:r>
-            <a:r>
-              <a:rPr lang="en-US" sz="1600" dirty="0" err="1">
-                <a:solidFill>
-                  <a:schemeClr val="bg1"/>
-                </a:solidFill>
-                <a:latin typeface="Calibri"/>
-                <a:ea typeface="Calibri"/>
-                <a:cs typeface="Calibri"/>
-                <a:sym typeface="Calibri"/>
-              </a:rPr>
-              <a:t>Revista</a:t>
-            </a:r>
-            <a:r>
-              <a:rPr lang="en-US" sz="1600" dirty="0">
-                <a:solidFill>
-                  <a:schemeClr val="bg1"/>
-                </a:solidFill>
-                <a:latin typeface="Calibri"/>
-                <a:ea typeface="Calibri"/>
-                <a:cs typeface="Calibri"/>
-                <a:sym typeface="Calibri"/>
-              </a:rPr>
-              <a:t> </a:t>
-            </a:r>
-            <a:r>
-              <a:rPr lang="en-US" sz="1600" dirty="0" err="1">
-                <a:solidFill>
-                  <a:schemeClr val="bg1"/>
-                </a:solidFill>
-                <a:latin typeface="Calibri"/>
-                <a:ea typeface="Calibri"/>
-                <a:cs typeface="Calibri"/>
-                <a:sym typeface="Calibri"/>
-              </a:rPr>
-              <a:t>Cubana</a:t>
-            </a:r>
-            <a:r>
-              <a:rPr lang="en-US" sz="1600" dirty="0">
-                <a:solidFill>
-                  <a:schemeClr val="bg1"/>
-                </a:solidFill>
-                <a:latin typeface="Calibri"/>
-                <a:ea typeface="Calibri"/>
-                <a:cs typeface="Calibri"/>
-                <a:sym typeface="Calibri"/>
-              </a:rPr>
-              <a:t> de </a:t>
-            </a:r>
-            <a:r>
-              <a:rPr lang="en-US" sz="1600" dirty="0" err="1">
-                <a:solidFill>
-                  <a:schemeClr val="bg1"/>
-                </a:solidFill>
-                <a:latin typeface="Calibri"/>
-                <a:ea typeface="Calibri"/>
-                <a:cs typeface="Calibri"/>
-                <a:sym typeface="Calibri"/>
-              </a:rPr>
-              <a:t>Hematología</a:t>
-            </a:r>
-            <a:r>
-              <a:rPr lang="en-US" sz="1600" dirty="0">
-                <a:solidFill>
-                  <a:schemeClr val="bg1"/>
-                </a:solidFill>
-                <a:latin typeface="Calibri"/>
-                <a:ea typeface="Calibri"/>
-                <a:cs typeface="Calibri"/>
-                <a:sym typeface="Calibri"/>
-              </a:rPr>
-              <a:t>, </a:t>
-            </a:r>
-            <a:r>
-              <a:rPr lang="en-US" sz="1600" dirty="0" err="1">
-                <a:solidFill>
-                  <a:schemeClr val="bg1"/>
-                </a:solidFill>
-                <a:latin typeface="Calibri"/>
-                <a:ea typeface="Calibri"/>
-                <a:cs typeface="Calibri"/>
-                <a:sym typeface="Calibri"/>
-              </a:rPr>
-              <a:t>Inmunología</a:t>
-            </a:r>
-            <a:r>
-              <a:rPr lang="en-US" sz="1600" dirty="0">
-                <a:solidFill>
-                  <a:schemeClr val="bg1"/>
-                </a:solidFill>
-                <a:latin typeface="Calibri"/>
-                <a:ea typeface="Calibri"/>
-                <a:cs typeface="Calibri"/>
-                <a:sym typeface="Calibri"/>
-              </a:rPr>
-              <a:t> y </a:t>
-            </a:r>
-            <a:r>
-              <a:rPr lang="en-US" sz="1600" dirty="0" err="1">
-                <a:solidFill>
-                  <a:schemeClr val="bg1"/>
-                </a:solidFill>
-                <a:latin typeface="Calibri"/>
-                <a:ea typeface="Calibri"/>
-                <a:cs typeface="Calibri"/>
-                <a:sym typeface="Calibri"/>
-              </a:rPr>
-              <a:t>Hemoterapia</a:t>
-            </a:r>
-            <a:r>
-              <a:rPr lang="en-US" sz="1600" dirty="0">
-                <a:solidFill>
-                  <a:schemeClr val="bg1"/>
-                </a:solidFill>
-                <a:latin typeface="Calibri"/>
-                <a:ea typeface="Calibri"/>
-                <a:cs typeface="Calibri"/>
-                <a:sym typeface="Calibri"/>
-              </a:rPr>
-              <a:t>, 32(1), 57-69. </a:t>
-            </a:r>
-            <a:r>
-              <a:rPr lang="en-US" sz="1600" dirty="0" err="1">
-                <a:solidFill>
-                  <a:schemeClr val="bg1"/>
-                </a:solidFill>
-                <a:latin typeface="Calibri"/>
-                <a:ea typeface="Calibri"/>
-                <a:cs typeface="Calibri"/>
-                <a:sym typeface="Calibri"/>
-              </a:rPr>
-              <a:t>Recuperado</a:t>
-            </a:r>
-            <a:r>
-              <a:rPr lang="en-US" sz="1600" dirty="0">
-                <a:solidFill>
-                  <a:schemeClr val="bg1"/>
-                </a:solidFill>
-                <a:latin typeface="Calibri"/>
-                <a:ea typeface="Calibri"/>
-                <a:cs typeface="Calibri"/>
-                <a:sym typeface="Calibri"/>
-              </a:rPr>
-              <a:t> </a:t>
-            </a:r>
-            <a:r>
-              <a:rPr lang="en-US" sz="1600" dirty="0" err="1">
-                <a:solidFill>
-                  <a:schemeClr val="bg1"/>
-                </a:solidFill>
-                <a:latin typeface="Calibri"/>
-                <a:ea typeface="Calibri"/>
-                <a:cs typeface="Calibri"/>
-                <a:sym typeface="Calibri"/>
-              </a:rPr>
-              <a:t>en</a:t>
-            </a:r>
-            <a:r>
-              <a:rPr lang="en-US" sz="1600" dirty="0">
-                <a:solidFill>
-                  <a:schemeClr val="bg1"/>
-                </a:solidFill>
-                <a:latin typeface="Calibri"/>
-                <a:ea typeface="Calibri"/>
-                <a:cs typeface="Calibri"/>
-                <a:sym typeface="Calibri"/>
-              </a:rPr>
-              <a:t> 09 de </a:t>
-            </a:r>
-            <a:r>
-              <a:rPr lang="en-US" sz="1600" dirty="0" err="1">
-                <a:solidFill>
-                  <a:schemeClr val="bg1"/>
-                </a:solidFill>
-                <a:latin typeface="Calibri"/>
-                <a:ea typeface="Calibri"/>
-                <a:cs typeface="Calibri"/>
-                <a:sym typeface="Calibri"/>
-              </a:rPr>
-              <a:t>agosto</a:t>
-            </a:r>
-            <a:r>
-              <a:rPr lang="en-US" sz="1600" dirty="0">
-                <a:solidFill>
-                  <a:schemeClr val="bg1"/>
-                </a:solidFill>
-                <a:latin typeface="Calibri"/>
-                <a:ea typeface="Calibri"/>
-                <a:cs typeface="Calibri"/>
-                <a:sym typeface="Calibri"/>
-              </a:rPr>
-              <a:t> de 2020, de http://scielo.sld.cu/scielo.php?script=sci_arttext&amp;pid=S0864-02892016000100006&amp;lng=es&amp;tlng=es. </a:t>
+              <a:t>-Lussier E., Greenberg S., Morgan N., “Incorporating Contextual Phonetics into Automatic Speech Recognition”. XIV International Congress of Phonetic Sciences, pp. 611-614, San Francisco,1999.</a:t>
             </a:r>
             <a:endParaRPr dirty="0">
               <a:solidFill>
@@ -4904,6 +4783,18 @@
               <a:buAutoNum type="arabicPeriod"/>
             </a:pPr>
             <a:r>
+              <a:rPr lang="en-US" sz="1600" dirty="0" err="1">
+                <a:solidFill>
+                  <a:schemeClr val="bg1"/>
+                </a:solidFill>
+                <a:latin typeface="Calibri"/>
+                <a:ea typeface="Calibri"/>
+                <a:cs typeface="Calibri"/>
+                <a:sym typeface="Calibri"/>
+              </a:rPr>
+              <a:t>Kirschning</a:t>
+            </a:r>
+            <a:r>
               <a:rPr lang="en-US" sz="1600" dirty="0">
                 <a:solidFill>
                   <a:schemeClr val="bg1"/>
@@ -4913,7 +4804,31 @@
                 <a:cs typeface="Calibri"/>
                 <a:sym typeface="Calibri"/>
               </a:rPr>
-              <a:t> </a:t>
+              <a:t> (1998). </a:t>
+            </a:r>
+            <a:r>
+              <a:rPr lang="en-US" sz="1600" dirty="0" err="1">
+                <a:solidFill>
+                  <a:schemeClr val="bg1"/>
+                </a:solidFill>
+                <a:latin typeface="Calibri"/>
+                <a:ea typeface="Calibri"/>
+                <a:cs typeface="Calibri"/>
+                <a:sym typeface="Calibri"/>
+              </a:rPr>
+              <a:t>Kirschning</a:t>
+            </a:r>
+            <a:r>
+              <a:rPr lang="en-US" sz="1600" dirty="0">
+                <a:solidFill>
+                  <a:schemeClr val="bg1"/>
+                </a:solidFill>
+                <a:latin typeface="Calibri"/>
+                <a:ea typeface="Calibri"/>
+                <a:cs typeface="Calibri"/>
+                <a:sym typeface="Calibri"/>
+              </a:rPr>
+              <a:t> Albers Ingrid, "Automatic Speech Recognition with the Parallel Cascade Neural Network", PhD Thesis, Tokyo Japan, March 1998. </a:t>
             </a:r>
             <a:endParaRPr dirty="0">
               <a:solidFill>
@@ -4937,6 +4852,18 @@
               <a:buAutoNum type="arabicPeriod"/>
             </a:pPr>
             <a:r>
+              <a:rPr lang="en-US" sz="1600" dirty="0" err="1">
+                <a:solidFill>
+                  <a:schemeClr val="bg1"/>
+                </a:solidFill>
+                <a:latin typeface="Calibri"/>
+                <a:ea typeface="Calibri"/>
+                <a:cs typeface="Calibri"/>
+                <a:sym typeface="Calibri"/>
+              </a:rPr>
+              <a:t>Kosko</a:t>
+            </a:r>
+            <a:r>
               <a:rPr lang="en-US" sz="1600" dirty="0">
                 <a:solidFill>
                   <a:schemeClr val="bg1"/>
@@ -4946,29 +4873,20 @@
                 <a:cs typeface="Calibri"/>
                 <a:sym typeface="Calibri"/>
               </a:rPr>
-              <a:t> </a:t>
-            </a:r>
-            <a:endParaRPr dirty="0">
-              <a:solidFill>
-                <a:schemeClr val="bg1"/>
-              </a:solidFill>
-            </a:endParaRPr>
-          </a:p>
-          <a:p>
-            <a:pPr marL="342842" marR="0" lvl="0" indent="-342842" algn="l" rtl="0">
-              <a:spcBef>
-                <a:spcPts val="0"/>
-              </a:spcBef>
-              <a:spcAft>
-                <a:spcPts val="0"/>
-              </a:spcAft>
-              <a:buClr>
-                <a:schemeClr val="dk1"/>
-              </a:buClr>
-              <a:buSzPts val="1600"/>
-              <a:buFont typeface="Calibri"/>
-              <a:buAutoNum type="arabicPeriod"/>
-            </a:pPr>
+              <a:t> (1992). </a:t>
+            </a:r>
+            <a:r>
+              <a:rPr lang="en-US" sz="1600" dirty="0" err="1">
+                <a:solidFill>
+                  <a:schemeClr val="bg1"/>
+                </a:solidFill>
+                <a:latin typeface="Calibri"/>
+                <a:ea typeface="Calibri"/>
+                <a:cs typeface="Calibri"/>
+                <a:sym typeface="Calibri"/>
+              </a:rPr>
+              <a:t>Kosko</a:t>
+            </a:r>
             <a:r>
               <a:rPr lang="en-US" sz="1600" dirty="0">
                 <a:solidFill>
@@ -4979,29 +4897,20 @@
                 <a:cs typeface="Calibri"/>
                 <a:sym typeface="Calibri"/>
               </a:rPr>
-              <a:t> </a:t>
-            </a:r>
-            <a:endParaRPr dirty="0">
-              <a:solidFill>
-                <a:schemeClr val="bg1"/>
-              </a:solidFill>
-            </a:endParaRPr>
-          </a:p>
-          <a:p>
-            <a:pPr marL="342842" marR="0" lvl="0" indent="-342842" algn="l" rtl="0">
-              <a:spcBef>
-                <a:spcPts val="0"/>
-              </a:spcBef>
-              <a:spcAft>
-                <a:spcPts val="0"/>
-              </a:spcAft>
-              <a:buClr>
-                <a:schemeClr val="dk1"/>
-              </a:buClr>
-              <a:buSzPts val="1600"/>
-              <a:buFont typeface="Calibri"/>
-              <a:buAutoNum type="arabicPeriod"/>
-            </a:pPr>
+              <a:t> B., "Neural Networks for Signal Processing", Prentice Hall, U.S.A., 1992. . </a:t>
+            </a:r>
+            <a:r>
+              <a:rPr lang="en-US" sz="1600" dirty="0" err="1">
+                <a:solidFill>
+                  <a:schemeClr val="bg1"/>
+                </a:solidFill>
+                <a:latin typeface="Calibri"/>
+                <a:ea typeface="Calibri"/>
+                <a:cs typeface="Calibri"/>
+                <a:sym typeface="Calibri"/>
+              </a:rPr>
+              <a:t>Sydral</a:t>
+            </a:r>
             <a:r>
               <a:rPr lang="en-US" sz="1600" dirty="0">
                 <a:solidFill>
@@ -5012,29 +4921,20 @@
                 <a:cs typeface="Calibri"/>
                 <a:sym typeface="Calibri"/>
               </a:rPr>
-              <a:t> </a:t>
-            </a:r>
-            <a:endParaRPr dirty="0">
-              <a:solidFill>
-                <a:schemeClr val="bg1"/>
-              </a:solidFill>
-            </a:endParaRPr>
-          </a:p>
-          <a:p>
-            <a:pPr marL="342842" marR="0" lvl="0" indent="-342842" algn="l" rtl="0">
-              <a:spcBef>
-                <a:spcPts val="0"/>
-              </a:spcBef>
-              <a:spcAft>
-                <a:spcPts val="0"/>
-              </a:spcAft>
-              <a:buClr>
-                <a:schemeClr val="dk1"/>
-              </a:buClr>
-              <a:buSzPts val="1600"/>
-              <a:buFont typeface="Calibri"/>
-              <a:buAutoNum type="arabicPeriod"/>
-            </a:pPr>
+              <a:t> et al. (1995). </a:t>
+            </a:r>
+            <a:r>
+              <a:rPr lang="en-US" sz="1600" dirty="0" err="1">
+                <a:solidFill>
+                  <a:schemeClr val="bg1"/>
+                </a:solidFill>
+                <a:latin typeface="Calibri"/>
+                <a:ea typeface="Calibri"/>
+                <a:cs typeface="Calibri"/>
+                <a:sym typeface="Calibri"/>
+              </a:rPr>
+              <a:t>Sydral</a:t>
+            </a:r>
             <a:r>
               <a:rPr lang="en-US" sz="1600" dirty="0">
                 <a:solidFill>
@@ -5045,73 +4945,7 @@
                 <a:cs typeface="Calibri"/>
                 <a:sym typeface="Calibri"/>
               </a:rPr>
-              <a:t> </a:t>
-            </a:r>
-            <a:endParaRPr dirty="0">
-              <a:solidFill>
-                <a:schemeClr val="bg1"/>
-              </a:solidFill>
-            </a:endParaRPr>
-          </a:p>
-          <a:p>
-            <a:pPr marL="342842" marR="0" lvl="0" indent="-342842" algn="l" rtl="0">
-              <a:spcBef>
-                <a:spcPts val="0"/>
-              </a:spcBef>
-              <a:spcAft>
-                <a:spcPts val="0"/>
-              </a:spcAft>
-              <a:buClr>
-                <a:schemeClr val="dk1"/>
-              </a:buClr>
-              <a:buSzPts val="1600"/>
-              <a:buFont typeface="Calibri"/>
-              <a:buAutoNum type="arabicPeriod"/>
-            </a:pPr>
-            <a:r>
-              <a:rPr lang="en-US" sz="1600" dirty="0">
-                <a:solidFill>
-                  <a:schemeClr val="bg1"/>
-                </a:solidFill>
-                <a:latin typeface="Calibri"/>
-                <a:ea typeface="Calibri"/>
-                <a:cs typeface="Calibri"/>
-                <a:sym typeface="Calibri"/>
-              </a:rPr>
-              <a:t> </a:t>
-            </a:r>
-            <a:endParaRPr dirty="0">
-              <a:solidFill>
-                <a:schemeClr val="bg1"/>
-              </a:solidFill>
-            </a:endParaRPr>
-          </a:p>
-          <a:p>
-            <a:pPr marL="342842" marR="0" lvl="0" indent="-342842" algn="l" rtl="0">
-              <a:spcBef>
-                <a:spcPts val="0"/>
-              </a:spcBef>
-              <a:spcAft>
-                <a:spcPts val="0"/>
-              </a:spcAft>
-              <a:buClr>
-                <a:schemeClr val="dk1"/>
-              </a:buClr>
-              <a:buSzPts val="1600"/>
-              <a:buFont typeface="Calibri"/>
-              <a:buAutoNum type="arabicPeriod"/>
-            </a:pPr>
-            <a:r>
-              <a:rPr lang="en-US" sz="1600" dirty="0">
-                <a:solidFill>
-                  <a:schemeClr val="bg1"/>
-                </a:solidFill>
-                <a:latin typeface="Calibri"/>
-                <a:ea typeface="Calibri"/>
-                <a:cs typeface="Calibri"/>
-                <a:sym typeface="Calibri"/>
-              </a:rPr>
-              <a:t> </a:t>
+              <a:t> A., Bennet R., Greenspan S., "Applied Speech Technology", Eds (1995). CRC Press, ISBN 0-8493-9456-2, U.S.A., 1995. </a:t>
             </a:r>
             <a:endParaRPr dirty="0">
               <a:solidFill>
@@ -8877,6 +8711,21 @@
 </file>
 
 <file path=customXml/item1.xml><?xml version="1.0" encoding="utf-8"?>
+<p:properties xmlns:p="http://schemas.microsoft.com/office/2006/metadata/properties" xmlns:xsi="http://www.w3.org/2001/XMLSchema-instance" xmlns:pc="http://schemas.microsoft.com/office/infopath/2007/PartnerControls">
+  <documentManagement/>
+</p:properties>
+</file>
+
+<file path=customXml/item2.xml><?xml version="1.0" encoding="utf-8"?>
+<?mso-contentType ?>
+<FormTemplates xmlns="http://schemas.microsoft.com/sharepoint/v3/contenttype/forms">
+  <Display>DocumentLibraryForm</Display>
+  <Edit>DocumentLibraryForm</Edit>
+  <New>DocumentLibraryForm</New>
+</FormTemplates>
+</file>
+
+<file path=customXml/item3.xml><?xml version="1.0" encoding="utf-8"?>
 <ct:contentTypeSchema xmlns:ct="http://schemas.microsoft.com/office/2006/metadata/contentType" xmlns:ma="http://schemas.microsoft.com/office/2006/metadata/properties/metaAttributes" ct:_="" ma:_="" ma:contentTypeName="Documento" ma:contentTypeID="0x0101007228C2A1DD830841B81CFDEE76E36F01" ma:contentTypeVersion="8" ma:contentTypeDescription="Crear nuevo documento." ma:contentTypeScope="" ma:versionID="5b4db549523a0a29bdd783dcede98f20">
   <xsd:schema xmlns:xsd="http://www.w3.org/2001/XMLSchema" xmlns:xs="http://www.w3.org/2001/XMLSchema" xmlns:p="http://schemas.microsoft.com/office/2006/metadata/properties" xmlns:ns2="2d405435-45be-43e4-8998-645d85a018d9" targetNamespace="http://schemas.microsoft.com/office/2006/metadata/properties" ma:root="true" ma:fieldsID="46994ad050463fad6ab80e45ba309368" ns2:_="">
     <xsd:import namespace="2d405435-45be-43e4-8998-645d85a018d9"/>
@@ -9048,22 +8897,24 @@
 </ct:contentTypeSchema>
 </file>
 
-<file path=customXml/item2.xml><?xml version="1.0" encoding="utf-8"?>
-<?mso-contentType ?>
-<FormTemplates xmlns="http://schemas.microsoft.com/sharepoint/v3/contenttype/forms">
-  <Display>DocumentLibraryForm</Display>
-  <Edit>DocumentLibraryForm</Edit>
-  <New>DocumentLibraryForm</New>
-</FormTemplates>
+<file path=customXml/itemProps1.xml><?xml version="1.0" encoding="utf-8"?>
+<ds:datastoreItem xmlns:ds="http://schemas.openxmlformats.org/officeDocument/2006/customXml" ds:itemID="{1E97E41D-B09E-4D3D-82C8-D317E003E535}">
+  <ds:schemaRefs>
+    <ds:schemaRef ds:uri="http://schemas.microsoft.com/office/2006/metadata/properties"/>
+    <ds:schemaRef ds:uri="http://schemas.microsoft.com/office/infopath/2007/PartnerControls"/>
+  </ds:schemaRefs>
+</ds:datastoreItem>
 </file>
 
-<file path=customXml/item3.xml><?xml version="1.0" encoding="utf-8"?>
-<p:properties xmlns:p="http://schemas.microsoft.com/office/2006/metadata/properties" xmlns:xsi="http://www.w3.org/2001/XMLSchema-instance" xmlns:pc="http://schemas.microsoft.com/office/infopath/2007/PartnerControls">
-  <documentManagement/>
-</p:properties>
+<file path=customXml/itemProps2.xml><?xml version="1.0" encoding="utf-8"?>
+<ds:datastoreItem xmlns:ds="http://schemas.openxmlformats.org/officeDocument/2006/customXml" ds:itemID="{3BF0E178-1F1F-49D9-BA72-76510F1C1AB3}">
+  <ds:schemaRefs>
+    <ds:schemaRef ds:uri="http://schemas.microsoft.com/sharepoint/v3/contenttype/forms"/>
+  </ds:schemaRefs>
+</ds:datastoreItem>
 </file>
 
-<file path=customXml/itemProps1.xml><?xml version="1.0" encoding="utf-8"?>
+<file path=customXml/itemProps3.xml><?xml version="1.0" encoding="utf-8"?>
 <ds:datastoreItem xmlns:ds="http://schemas.openxmlformats.org/officeDocument/2006/customXml" ds:itemID="{4501F22B-80A4-4690-92F4-7702F861606D}">
   <ds:schemaRefs>
     <ds:schemaRef ds:uri="http://schemas.microsoft.com/office/2006/metadata/contentType"/>
@@ -9079,21 +8930,4 @@
     <ds:schemaRef ds:uri="http://schemas.microsoft.com/internal/obd"/>
   </ds:schemaRefs>
 </ds:datastoreItem>
-</file>
-
-<file path=customXml/itemProps2.xml><?xml version="1.0" encoding="utf-8"?>
-<ds:datastoreItem xmlns:ds="http://schemas.openxmlformats.org/officeDocument/2006/customXml" ds:itemID="{3BF0E178-1F1F-49D9-BA72-76510F1C1AB3}">
-  <ds:schemaRefs>
-    <ds:schemaRef ds:uri="http://schemas.microsoft.com/sharepoint/v3/contenttype/forms"/>
-  </ds:schemaRefs>
-</ds:datastoreItem>
-</file>
-
-<file path=customXml/itemProps3.xml><?xml version="1.0" encoding="utf-8"?>
-<ds:datastoreItem xmlns:ds="http://schemas.openxmlformats.org/officeDocument/2006/customXml" ds:itemID="{1E97E41D-B09E-4D3D-82C8-D317E003E535}">
-  <ds:schemaRefs>
-    <ds:schemaRef ds:uri="http://schemas.microsoft.com/office/2006/metadata/properties"/>
-    <ds:schemaRef ds:uri="http://schemas.microsoft.com/office/infopath/2007/PartnerControls"/>
-  </ds:schemaRefs>
-</ds:datastoreItem>
 </file>